--- a/docs/객체지향설계.pptx
+++ b/docs/객체지향설계.pptx
@@ -15,6 +15,9 @@
     <p:sldId id="263" r:id="rId9"/>
     <p:sldId id="264" r:id="rId10"/>
     <p:sldId id="265" r:id="rId11"/>
+    <p:sldId id="266" r:id="rId12"/>
+    <p:sldId id="267" r:id="rId13"/>
+    <p:sldId id="268" r:id="rId14"/>
   </p:sldIdLst>
   <p:sldSz cx="12192000" cy="6858000"/>
   <p:notesSz cx="6858000" cy="9144000"/>
@@ -5721,6 +5724,5309 @@
 </p:sld>
 </file>
 
+<file path=ppt/slides/slide11.xml><?xml version="1.0" encoding="utf-8"?>
+<p:sld xmlns:a="http://schemas.openxmlformats.org/drawingml/2006/main" xmlns:r="http://schemas.openxmlformats.org/officeDocument/2006/relationships" xmlns:p="http://schemas.openxmlformats.org/presentationml/2006/main">
+  <p:cSld>
+    <p:spTree>
+      <p:nvGrpSpPr>
+        <p:cNvPr id="1" name=""/>
+        <p:cNvGrpSpPr/>
+        <p:nvPr/>
+      </p:nvGrpSpPr>
+      <p:grpSpPr>
+        <a:xfrm>
+          <a:off x="0" y="0"/>
+          <a:ext cx="0" cy="0"/>
+          <a:chOff x="0" y="0"/>
+          <a:chExt cx="0" cy="0"/>
+        </a:xfrm>
+      </p:grpSpPr>
+      <p:pic>
+        <p:nvPicPr>
+          <p:cNvPr id="4" name="그림 3">
+            <a:extLst>
+              <a:ext uri="{FF2B5EF4-FFF2-40B4-BE49-F238E27FC236}">
+                <a16:creationId xmlns:a16="http://schemas.microsoft.com/office/drawing/2014/main" id="{D96F7E6E-0E71-469D-8784-9575D4276D7D}"/>
+              </a:ext>
+            </a:extLst>
+          </p:cNvPr>
+          <p:cNvPicPr>
+            <a:picLocks noChangeAspect="1"/>
+          </p:cNvPicPr>
+          <p:nvPr/>
+        </p:nvPicPr>
+        <p:blipFill>
+          <a:blip r:embed="rId2"/>
+          <a:stretch>
+            <a:fillRect/>
+          </a:stretch>
+        </p:blipFill>
+        <p:spPr>
+          <a:xfrm>
+            <a:off x="251233" y="276837"/>
+            <a:ext cx="1857634" cy="3353268"/>
+          </a:xfrm>
+          <a:prstGeom prst="rect">
+            <a:avLst/>
+          </a:prstGeom>
+        </p:spPr>
+      </p:pic>
+    </p:spTree>
+    <p:extLst>
+      <p:ext uri="{BB962C8B-B14F-4D97-AF65-F5344CB8AC3E}">
+        <p14:creationId xmlns:p14="http://schemas.microsoft.com/office/powerpoint/2010/main" val="3577025359"/>
+      </p:ext>
+    </p:extLst>
+  </p:cSld>
+  <p:clrMapOvr>
+    <a:masterClrMapping/>
+  </p:clrMapOvr>
+</p:sld>
+</file>
+
+<file path=ppt/slides/slide12.xml><?xml version="1.0" encoding="utf-8"?>
+<p:sld xmlns:a="http://schemas.openxmlformats.org/drawingml/2006/main" xmlns:r="http://schemas.openxmlformats.org/officeDocument/2006/relationships" xmlns:p="http://schemas.openxmlformats.org/presentationml/2006/main">
+  <p:cSld>
+    <p:spTree>
+      <p:nvGrpSpPr>
+        <p:cNvPr id="1" name=""/>
+        <p:cNvGrpSpPr/>
+        <p:nvPr/>
+      </p:nvGrpSpPr>
+      <p:grpSpPr>
+        <a:xfrm>
+          <a:off x="0" y="0"/>
+          <a:ext cx="0" cy="0"/>
+          <a:chOff x="0" y="0"/>
+          <a:chExt cx="0" cy="0"/>
+        </a:xfrm>
+      </p:grpSpPr>
+      <p:sp>
+        <p:nvSpPr>
+          <p:cNvPr id="6" name="Rectangle 3">
+            <a:extLst>
+              <a:ext uri="{FF2B5EF4-FFF2-40B4-BE49-F238E27FC236}">
+                <a16:creationId xmlns:a16="http://schemas.microsoft.com/office/drawing/2014/main" id="{338CA2EA-B5E2-44D1-85BC-7304FF457E0C}"/>
+              </a:ext>
+            </a:extLst>
+          </p:cNvPr>
+          <p:cNvSpPr>
+            <a:spLocks noChangeArrowheads="1"/>
+          </p:cNvSpPr>
+          <p:nvPr/>
+        </p:nvSpPr>
+        <p:spPr bwMode="auto">
+          <a:xfrm>
+            <a:off x="226502" y="770990"/>
+            <a:ext cx="5989739" cy="2723823"/>
+          </a:xfrm>
+          <a:prstGeom prst="rect">
+            <a:avLst/>
+          </a:prstGeom>
+          <a:solidFill>
+            <a:srgbClr val="2B2B2B"/>
+          </a:solidFill>
+          <a:ln>
+            <a:noFill/>
+          </a:ln>
+          <a:effectLst/>
+          <a:extLst>
+            <a:ext uri="{91240B29-F687-4F45-9708-019B960494DF}">
+              <a14:hiddenLine xmlns:a14="http://schemas.microsoft.com/office/drawing/2010/main" w="9525">
+                <a:solidFill>
+                  <a:schemeClr val="tx1"/>
+                </a:solidFill>
+                <a:miter lim="800000"/>
+                <a:headEnd/>
+                <a:tailEnd/>
+              </a14:hiddenLine>
+            </a:ext>
+            <a:ext uri="{AF507438-7753-43E0-B8FC-AC1667EBCBE1}">
+              <a14:hiddenEffects xmlns:a14="http://schemas.microsoft.com/office/drawing/2010/main">
+                <a:effectLst>
+                  <a:outerShdw dist="35921" dir="2700000" algn="ctr" rotWithShape="0">
+                    <a:schemeClr val="bg2"/>
+                  </a:outerShdw>
+                </a:effectLst>
+              </a14:hiddenEffects>
+            </a:ext>
+          </a:extLst>
+        </p:spPr>
+        <p:txBody>
+          <a:bodyPr vert="horz" wrap="square" lIns="91440" tIns="45720" rIns="91440" bIns="45720" numCol="1" anchor="ctr" anchorCtr="0" compatLnSpc="1">
+            <a:prstTxWarp prst="textNoShape">
+              <a:avLst/>
+            </a:prstTxWarp>
+            <a:spAutoFit/>
+          </a:bodyPr>
+          <a:lstStyle/>
+          <a:p>
+            <a:pPr marL="0" marR="0" lvl="0" indent="0" algn="l" defTabSz="914400" rtl="0" eaLnBrk="0" fontAlgn="base" latinLnBrk="0" hangingPunct="0">
+              <a:lnSpc>
+                <a:spcPct val="100000"/>
+              </a:lnSpc>
+              <a:spcBef>
+                <a:spcPct val="0"/>
+              </a:spcBef>
+              <a:spcAft>
+                <a:spcPct val="0"/>
+              </a:spcAft>
+              <a:buClrTx/>
+              <a:buSzTx/>
+              <a:buFontTx/>
+              <a:buNone/>
+              <a:tabLst/>
+            </a:pPr>
+            <a:r>
+              <a:rPr kumimoji="0" lang="ko-KR" altLang="ko-KR" sz="900" b="0" i="0" u="none" strike="noStrike" cap="none" normalizeH="0" baseline="0" dirty="0">
+                <a:ln>
+                  <a:noFill/>
+                </a:ln>
+                <a:solidFill>
+                  <a:srgbClr val="A9B7C6"/>
+                </a:solidFill>
+                <a:effectLst/>
+                <a:latin typeface="굴림체" panose="020B0609000101010101" pitchFamily="49" charset="-127"/>
+                <a:ea typeface="굴림체" panose="020B0609000101010101" pitchFamily="49" charset="-127"/>
+              </a:rPr>
+              <a:t>} </a:t>
+            </a:r>
+            <a:r>
+              <a:rPr kumimoji="0" lang="ko-KR" altLang="ko-KR" sz="900" b="0" i="0" u="none" strike="noStrike" cap="none" normalizeH="0" baseline="0" dirty="0" err="1">
+                <a:ln>
+                  <a:noFill/>
+                </a:ln>
+                <a:solidFill>
+                  <a:srgbClr val="CC7832"/>
+                </a:solidFill>
+                <a:effectLst/>
+                <a:latin typeface="굴림체" panose="020B0609000101010101" pitchFamily="49" charset="-127"/>
+                <a:ea typeface="굴림체" panose="020B0609000101010101" pitchFamily="49" charset="-127"/>
+              </a:rPr>
+              <a:t>else</a:t>
+            </a:r>
+            <a:r>
+              <a:rPr kumimoji="0" lang="ko-KR" altLang="ko-KR" sz="900" b="0" i="0" u="none" strike="noStrike" cap="none" normalizeH="0" baseline="0" dirty="0">
+                <a:ln>
+                  <a:noFill/>
+                </a:ln>
+                <a:solidFill>
+                  <a:srgbClr val="CC7832"/>
+                </a:solidFill>
+                <a:effectLst/>
+                <a:latin typeface="굴림체" panose="020B0609000101010101" pitchFamily="49" charset="-127"/>
+                <a:ea typeface="굴림체" panose="020B0609000101010101" pitchFamily="49" charset="-127"/>
+              </a:rPr>
+              <a:t> </a:t>
+            </a:r>
+            <a:r>
+              <a:rPr kumimoji="0" lang="ko-KR" altLang="ko-KR" sz="900" b="0" i="0" u="none" strike="noStrike" cap="none" normalizeH="0" baseline="0" dirty="0">
+                <a:ln>
+                  <a:noFill/>
+                </a:ln>
+                <a:solidFill>
+                  <a:srgbClr val="A9B7C6"/>
+                </a:solidFill>
+                <a:effectLst/>
+                <a:latin typeface="굴림체" panose="020B0609000101010101" pitchFamily="49" charset="-127"/>
+                <a:ea typeface="굴림체" panose="020B0609000101010101" pitchFamily="49" charset="-127"/>
+              </a:rPr>
+              <a:t>{</a:t>
+            </a:r>
+            <a:br>
+              <a:rPr kumimoji="0" lang="ko-KR" altLang="ko-KR" sz="900" b="0" i="0" u="none" strike="noStrike" cap="none" normalizeH="0" baseline="0" dirty="0">
+                <a:ln>
+                  <a:noFill/>
+                </a:ln>
+                <a:solidFill>
+                  <a:srgbClr val="A9B7C6"/>
+                </a:solidFill>
+                <a:effectLst/>
+                <a:latin typeface="굴림체" panose="020B0609000101010101" pitchFamily="49" charset="-127"/>
+                <a:ea typeface="굴림체" panose="020B0609000101010101" pitchFamily="49" charset="-127"/>
+              </a:rPr>
+            </a:br>
+            <a:br>
+              <a:rPr kumimoji="0" lang="ko-KR" altLang="ko-KR" sz="900" b="0" i="0" u="none" strike="noStrike" cap="none" normalizeH="0" baseline="0" dirty="0">
+                <a:ln>
+                  <a:noFill/>
+                </a:ln>
+                <a:solidFill>
+                  <a:srgbClr val="A9B7C6"/>
+                </a:solidFill>
+                <a:effectLst/>
+                <a:latin typeface="굴림체" panose="020B0609000101010101" pitchFamily="49" charset="-127"/>
+                <a:ea typeface="굴림체" panose="020B0609000101010101" pitchFamily="49" charset="-127"/>
+              </a:rPr>
+            </a:br>
+            <a:r>
+              <a:rPr kumimoji="0" lang="ko-KR" altLang="ko-KR" sz="900" b="0" i="0" u="none" strike="noStrike" cap="none" normalizeH="0" baseline="0" dirty="0">
+                <a:ln>
+                  <a:noFill/>
+                </a:ln>
+                <a:solidFill>
+                  <a:srgbClr val="A9B7C6"/>
+                </a:solidFill>
+                <a:effectLst/>
+                <a:latin typeface="굴림체" panose="020B0609000101010101" pitchFamily="49" charset="-127"/>
+                <a:ea typeface="굴림체" panose="020B0609000101010101" pitchFamily="49" charset="-127"/>
+              </a:rPr>
+              <a:t>    </a:t>
+            </a:r>
+            <a:r>
+              <a:rPr kumimoji="0" lang="ko-KR" altLang="ko-KR" sz="900" b="0" i="0" u="none" strike="noStrike" cap="none" normalizeH="0" baseline="0" dirty="0" err="1">
+                <a:ln>
+                  <a:noFill/>
+                </a:ln>
+                <a:solidFill>
+                  <a:srgbClr val="A9B7C6"/>
+                </a:solidFill>
+                <a:effectLst/>
+                <a:latin typeface="굴림체" panose="020B0609000101010101" pitchFamily="49" charset="-127"/>
+                <a:ea typeface="굴림체" panose="020B0609000101010101" pitchFamily="49" charset="-127"/>
+              </a:rPr>
+              <a:t>String</a:t>
+            </a:r>
+            <a:r>
+              <a:rPr kumimoji="0" lang="ko-KR" altLang="ko-KR" sz="900" b="0" i="0" u="none" strike="noStrike" cap="none" normalizeH="0" baseline="0" dirty="0">
+                <a:ln>
+                  <a:noFill/>
+                </a:ln>
+                <a:solidFill>
+                  <a:srgbClr val="A9B7C6"/>
+                </a:solidFill>
+                <a:effectLst/>
+                <a:latin typeface="굴림체" panose="020B0609000101010101" pitchFamily="49" charset="-127"/>
+                <a:ea typeface="굴림체" panose="020B0609000101010101" pitchFamily="49" charset="-127"/>
+              </a:rPr>
+              <a:t> </a:t>
+            </a:r>
+            <a:r>
+              <a:rPr kumimoji="0" lang="ko-KR" altLang="ko-KR" sz="900" b="0" i="0" u="none" strike="noStrike" cap="none" normalizeH="0" baseline="0" dirty="0" err="1">
+                <a:ln>
+                  <a:noFill/>
+                </a:ln>
+                <a:solidFill>
+                  <a:srgbClr val="A9B7C6"/>
+                </a:solidFill>
+                <a:effectLst/>
+                <a:latin typeface="굴림체" panose="020B0609000101010101" pitchFamily="49" charset="-127"/>
+                <a:ea typeface="굴림체" panose="020B0609000101010101" pitchFamily="49" charset="-127"/>
+              </a:rPr>
+              <a:t>content</a:t>
+            </a:r>
+            <a:r>
+              <a:rPr kumimoji="0" lang="ko-KR" altLang="ko-KR" sz="900" b="0" i="0" u="none" strike="noStrike" cap="none" normalizeH="0" baseline="0" dirty="0">
+                <a:ln>
+                  <a:noFill/>
+                </a:ln>
+                <a:solidFill>
+                  <a:srgbClr val="A9B7C6"/>
+                </a:solidFill>
+                <a:effectLst/>
+                <a:latin typeface="굴림체" panose="020B0609000101010101" pitchFamily="49" charset="-127"/>
+                <a:ea typeface="굴림체" panose="020B0609000101010101" pitchFamily="49" charset="-127"/>
+              </a:rPr>
+              <a:t> = </a:t>
+            </a:r>
+            <a:r>
+              <a:rPr kumimoji="0" lang="ko-KR" altLang="ko-KR" sz="900" b="0" i="0" u="none" strike="noStrike" cap="none" normalizeH="0" baseline="0" dirty="0">
+                <a:ln>
+                  <a:noFill/>
+                </a:ln>
+                <a:solidFill>
+                  <a:srgbClr val="6A8759"/>
+                </a:solidFill>
+                <a:effectLst/>
+                <a:latin typeface="굴림체" panose="020B0609000101010101" pitchFamily="49" charset="-127"/>
+                <a:ea typeface="굴림체" panose="020B0609000101010101" pitchFamily="49" charset="-127"/>
+              </a:rPr>
+              <a:t>"</a:t>
+            </a:r>
+            <a:r>
+              <a:rPr kumimoji="0" lang="ko-KR" altLang="ko-KR" sz="900" b="0" i="0" u="none" strike="noStrike" cap="none" normalizeH="0" baseline="0" dirty="0" err="1">
+                <a:ln>
+                  <a:noFill/>
+                </a:ln>
+                <a:solidFill>
+                  <a:srgbClr val="6A8759"/>
+                </a:solidFill>
+                <a:effectLst/>
+                <a:latin typeface="굴림체" panose="020B0609000101010101" pitchFamily="49" charset="-127"/>
+                <a:ea typeface="굴림체" panose="020B0609000101010101" pitchFamily="49" charset="-127"/>
+              </a:rPr>
+              <a:t>ok</a:t>
+            </a:r>
+            <a:r>
+              <a:rPr kumimoji="0" lang="ko-KR" altLang="ko-KR" sz="900" b="0" i="0" u="none" strike="noStrike" cap="none" normalizeH="0" baseline="0" dirty="0">
+                <a:ln>
+                  <a:noFill/>
+                </a:ln>
+                <a:solidFill>
+                  <a:srgbClr val="6A8759"/>
+                </a:solidFill>
+                <a:effectLst/>
+                <a:latin typeface="굴림체" panose="020B0609000101010101" pitchFamily="49" charset="-127"/>
+                <a:ea typeface="굴림체" panose="020B0609000101010101" pitchFamily="49" charset="-127"/>
+              </a:rPr>
+              <a:t>"</a:t>
+            </a:r>
+            <a:r>
+              <a:rPr kumimoji="0" lang="ko-KR" altLang="ko-KR" sz="900" b="0" i="0" u="none" strike="noStrike" cap="none" normalizeH="0" baseline="0" dirty="0">
+                <a:ln>
+                  <a:noFill/>
+                </a:ln>
+                <a:solidFill>
+                  <a:srgbClr val="CC7832"/>
+                </a:solidFill>
+                <a:effectLst/>
+                <a:latin typeface="굴림체" panose="020B0609000101010101" pitchFamily="49" charset="-127"/>
+                <a:ea typeface="굴림체" panose="020B0609000101010101" pitchFamily="49" charset="-127"/>
+              </a:rPr>
+              <a:t>;</a:t>
+            </a:r>
+            <a:br>
+              <a:rPr kumimoji="0" lang="ko-KR" altLang="ko-KR" sz="900" b="0" i="0" u="none" strike="noStrike" cap="none" normalizeH="0" baseline="0" dirty="0">
+                <a:ln>
+                  <a:noFill/>
+                </a:ln>
+                <a:solidFill>
+                  <a:srgbClr val="CC7832"/>
+                </a:solidFill>
+                <a:effectLst/>
+                <a:latin typeface="굴림체" panose="020B0609000101010101" pitchFamily="49" charset="-127"/>
+                <a:ea typeface="굴림체" panose="020B0609000101010101" pitchFamily="49" charset="-127"/>
+              </a:rPr>
+            </a:br>
+            <a:r>
+              <a:rPr kumimoji="0" lang="ko-KR" altLang="ko-KR" sz="900" b="0" i="0" u="none" strike="noStrike" cap="none" normalizeH="0" baseline="0" dirty="0">
+                <a:ln>
+                  <a:noFill/>
+                </a:ln>
+                <a:solidFill>
+                  <a:srgbClr val="CC7832"/>
+                </a:solidFill>
+                <a:effectLst/>
+                <a:latin typeface="굴림체" panose="020B0609000101010101" pitchFamily="49" charset="-127"/>
+                <a:ea typeface="굴림체" panose="020B0609000101010101" pitchFamily="49" charset="-127"/>
+              </a:rPr>
+              <a:t>    </a:t>
+            </a:r>
+            <a:r>
+              <a:rPr kumimoji="0" lang="ko-KR" altLang="ko-KR" sz="900" b="0" i="0" u="none" strike="noStrike" cap="none" normalizeH="0" baseline="0" dirty="0" err="1">
+                <a:ln>
+                  <a:noFill/>
+                </a:ln>
+                <a:solidFill>
+                  <a:srgbClr val="CC7832"/>
+                </a:solidFill>
+                <a:effectLst/>
+                <a:latin typeface="굴림체" panose="020B0609000101010101" pitchFamily="49" charset="-127"/>
+                <a:ea typeface="굴림체" panose="020B0609000101010101" pitchFamily="49" charset="-127"/>
+              </a:rPr>
+              <a:t>byte</a:t>
+            </a:r>
+            <a:r>
+              <a:rPr kumimoji="0" lang="ko-KR" altLang="ko-KR" sz="900" b="0" i="0" u="none" strike="noStrike" cap="none" normalizeH="0" baseline="0" dirty="0">
+                <a:ln>
+                  <a:noFill/>
+                </a:ln>
+                <a:solidFill>
+                  <a:srgbClr val="A9B7C6"/>
+                </a:solidFill>
+                <a:effectLst/>
+                <a:latin typeface="굴림체" panose="020B0609000101010101" pitchFamily="49" charset="-127"/>
+                <a:ea typeface="굴림체" panose="020B0609000101010101" pitchFamily="49" charset="-127"/>
+              </a:rPr>
+              <a:t>[] </a:t>
+            </a:r>
+            <a:r>
+              <a:rPr kumimoji="0" lang="ko-KR" altLang="ko-KR" sz="900" b="0" i="0" u="none" strike="noStrike" cap="none" normalizeH="0" baseline="0" dirty="0" err="1">
+                <a:ln>
+                  <a:noFill/>
+                </a:ln>
+                <a:solidFill>
+                  <a:srgbClr val="A9B7C6"/>
+                </a:solidFill>
+                <a:effectLst/>
+                <a:latin typeface="굴림체" panose="020B0609000101010101" pitchFamily="49" charset="-127"/>
+                <a:ea typeface="굴림체" panose="020B0609000101010101" pitchFamily="49" charset="-127"/>
+              </a:rPr>
+              <a:t>contentBytes</a:t>
+            </a:r>
+            <a:r>
+              <a:rPr kumimoji="0" lang="ko-KR" altLang="ko-KR" sz="900" b="0" i="0" u="none" strike="noStrike" cap="none" normalizeH="0" baseline="0" dirty="0">
+                <a:ln>
+                  <a:noFill/>
+                </a:ln>
+                <a:solidFill>
+                  <a:srgbClr val="A9B7C6"/>
+                </a:solidFill>
+                <a:effectLst/>
+                <a:latin typeface="굴림체" panose="020B0609000101010101" pitchFamily="49" charset="-127"/>
+                <a:ea typeface="굴림체" panose="020B0609000101010101" pitchFamily="49" charset="-127"/>
+              </a:rPr>
+              <a:t> = </a:t>
+            </a:r>
+            <a:r>
+              <a:rPr kumimoji="0" lang="ko-KR" altLang="ko-KR" sz="900" b="0" i="0" u="none" strike="noStrike" cap="none" normalizeH="0" baseline="0" dirty="0" err="1">
+                <a:ln>
+                  <a:noFill/>
+                </a:ln>
+                <a:solidFill>
+                  <a:srgbClr val="A9B7C6"/>
+                </a:solidFill>
+                <a:effectLst/>
+                <a:latin typeface="굴림체" panose="020B0609000101010101" pitchFamily="49" charset="-127"/>
+                <a:ea typeface="굴림체" panose="020B0609000101010101" pitchFamily="49" charset="-127"/>
+              </a:rPr>
+              <a:t>content.getBytes</a:t>
+            </a:r>
+            <a:r>
+              <a:rPr kumimoji="0" lang="ko-KR" altLang="ko-KR" sz="900" b="0" i="0" u="none" strike="noStrike" cap="none" normalizeH="0" baseline="0" dirty="0">
+                <a:ln>
+                  <a:noFill/>
+                </a:ln>
+                <a:solidFill>
+                  <a:srgbClr val="A9B7C6"/>
+                </a:solidFill>
+                <a:effectLst/>
+                <a:latin typeface="굴림체" panose="020B0609000101010101" pitchFamily="49" charset="-127"/>
+                <a:ea typeface="굴림체" panose="020B0609000101010101" pitchFamily="49" charset="-127"/>
+              </a:rPr>
+              <a:t>()</a:t>
+            </a:r>
+            <a:r>
+              <a:rPr kumimoji="0" lang="ko-KR" altLang="ko-KR" sz="900" b="0" i="0" u="none" strike="noStrike" cap="none" normalizeH="0" baseline="0" dirty="0">
+                <a:ln>
+                  <a:noFill/>
+                </a:ln>
+                <a:solidFill>
+                  <a:srgbClr val="CC7832"/>
+                </a:solidFill>
+                <a:effectLst/>
+                <a:latin typeface="굴림체" panose="020B0609000101010101" pitchFamily="49" charset="-127"/>
+                <a:ea typeface="굴림체" panose="020B0609000101010101" pitchFamily="49" charset="-127"/>
+              </a:rPr>
+              <a:t>;</a:t>
+            </a:r>
+            <a:br>
+              <a:rPr kumimoji="0" lang="ko-KR" altLang="ko-KR" sz="900" b="0" i="0" u="none" strike="noStrike" cap="none" normalizeH="0" baseline="0" dirty="0">
+                <a:ln>
+                  <a:noFill/>
+                </a:ln>
+                <a:solidFill>
+                  <a:srgbClr val="CC7832"/>
+                </a:solidFill>
+                <a:effectLst/>
+                <a:latin typeface="굴림체" panose="020B0609000101010101" pitchFamily="49" charset="-127"/>
+                <a:ea typeface="굴림체" panose="020B0609000101010101" pitchFamily="49" charset="-127"/>
+              </a:rPr>
+            </a:br>
+            <a:r>
+              <a:rPr kumimoji="0" lang="ko-KR" altLang="ko-KR" sz="900" b="0" i="0" u="none" strike="noStrike" cap="none" normalizeH="0" baseline="0" dirty="0">
+                <a:ln>
+                  <a:noFill/>
+                </a:ln>
+                <a:solidFill>
+                  <a:srgbClr val="CC7832"/>
+                </a:solidFill>
+                <a:effectLst/>
+                <a:latin typeface="굴림체" panose="020B0609000101010101" pitchFamily="49" charset="-127"/>
+                <a:ea typeface="굴림체" panose="020B0609000101010101" pitchFamily="49" charset="-127"/>
+              </a:rPr>
+              <a:t>    </a:t>
+            </a:r>
+            <a:r>
+              <a:rPr kumimoji="0" lang="ko-KR" altLang="ko-KR" sz="900" b="0" i="0" u="none" strike="noStrike" cap="none" normalizeH="0" baseline="0" dirty="0" err="1">
+                <a:ln>
+                  <a:noFill/>
+                </a:ln>
+                <a:solidFill>
+                  <a:srgbClr val="CC7832"/>
+                </a:solidFill>
+                <a:effectLst/>
+                <a:latin typeface="굴림체" panose="020B0609000101010101" pitchFamily="49" charset="-127"/>
+                <a:ea typeface="굴림체" panose="020B0609000101010101" pitchFamily="49" charset="-127"/>
+              </a:rPr>
+              <a:t>int</a:t>
+            </a:r>
+            <a:r>
+              <a:rPr kumimoji="0" lang="ko-KR" altLang="ko-KR" sz="900" b="0" i="0" u="none" strike="noStrike" cap="none" normalizeH="0" baseline="0" dirty="0">
+                <a:ln>
+                  <a:noFill/>
+                </a:ln>
+                <a:solidFill>
+                  <a:srgbClr val="CC7832"/>
+                </a:solidFill>
+                <a:effectLst/>
+                <a:latin typeface="굴림체" panose="020B0609000101010101" pitchFamily="49" charset="-127"/>
+                <a:ea typeface="굴림체" panose="020B0609000101010101" pitchFamily="49" charset="-127"/>
+              </a:rPr>
+              <a:t> </a:t>
+            </a:r>
+            <a:r>
+              <a:rPr kumimoji="0" lang="ko-KR" altLang="ko-KR" sz="900" b="0" i="0" u="none" strike="noStrike" cap="none" normalizeH="0" baseline="0" dirty="0" err="1">
+                <a:ln>
+                  <a:noFill/>
+                </a:ln>
+                <a:solidFill>
+                  <a:srgbClr val="A9B7C6"/>
+                </a:solidFill>
+                <a:effectLst/>
+                <a:latin typeface="굴림체" panose="020B0609000101010101" pitchFamily="49" charset="-127"/>
+                <a:ea typeface="굴림체" panose="020B0609000101010101" pitchFamily="49" charset="-127"/>
+              </a:rPr>
+              <a:t>contentLength</a:t>
+            </a:r>
+            <a:r>
+              <a:rPr kumimoji="0" lang="ko-KR" altLang="ko-KR" sz="900" b="0" i="0" u="none" strike="noStrike" cap="none" normalizeH="0" baseline="0" dirty="0">
+                <a:ln>
+                  <a:noFill/>
+                </a:ln>
+                <a:solidFill>
+                  <a:srgbClr val="A9B7C6"/>
+                </a:solidFill>
+                <a:effectLst/>
+                <a:latin typeface="굴림체" panose="020B0609000101010101" pitchFamily="49" charset="-127"/>
+                <a:ea typeface="굴림체" panose="020B0609000101010101" pitchFamily="49" charset="-127"/>
+              </a:rPr>
+              <a:t> = </a:t>
+            </a:r>
+            <a:r>
+              <a:rPr kumimoji="0" lang="ko-KR" altLang="ko-KR" sz="900" b="0" i="0" u="none" strike="noStrike" cap="none" normalizeH="0" baseline="0" dirty="0" err="1">
+                <a:ln>
+                  <a:noFill/>
+                </a:ln>
+                <a:solidFill>
+                  <a:srgbClr val="A9B7C6"/>
+                </a:solidFill>
+                <a:effectLst/>
+                <a:latin typeface="굴림체" panose="020B0609000101010101" pitchFamily="49" charset="-127"/>
+                <a:ea typeface="굴림체" panose="020B0609000101010101" pitchFamily="49" charset="-127"/>
+              </a:rPr>
+              <a:t>contentBytes.</a:t>
+            </a:r>
+            <a:r>
+              <a:rPr kumimoji="0" lang="ko-KR" altLang="ko-KR" sz="900" b="0" i="0" u="none" strike="noStrike" cap="none" normalizeH="0" baseline="0" dirty="0" err="1">
+                <a:ln>
+                  <a:noFill/>
+                </a:ln>
+                <a:solidFill>
+                  <a:srgbClr val="9876AA"/>
+                </a:solidFill>
+                <a:effectLst/>
+                <a:latin typeface="굴림체" panose="020B0609000101010101" pitchFamily="49" charset="-127"/>
+                <a:ea typeface="굴림체" panose="020B0609000101010101" pitchFamily="49" charset="-127"/>
+              </a:rPr>
+              <a:t>length</a:t>
+            </a:r>
+            <a:r>
+              <a:rPr kumimoji="0" lang="ko-KR" altLang="ko-KR" sz="900" b="0" i="0" u="none" strike="noStrike" cap="none" normalizeH="0" baseline="0" dirty="0">
+                <a:ln>
+                  <a:noFill/>
+                </a:ln>
+                <a:solidFill>
+                  <a:srgbClr val="CC7832"/>
+                </a:solidFill>
+                <a:effectLst/>
+                <a:latin typeface="굴림체" panose="020B0609000101010101" pitchFamily="49" charset="-127"/>
+                <a:ea typeface="굴림체" panose="020B0609000101010101" pitchFamily="49" charset="-127"/>
+              </a:rPr>
+              <a:t>;</a:t>
+            </a:r>
+            <a:br>
+              <a:rPr kumimoji="0" lang="ko-KR" altLang="ko-KR" sz="900" b="0" i="0" u="none" strike="noStrike" cap="none" normalizeH="0" baseline="0" dirty="0">
+                <a:ln>
+                  <a:noFill/>
+                </a:ln>
+                <a:solidFill>
+                  <a:srgbClr val="CC7832"/>
+                </a:solidFill>
+                <a:effectLst/>
+                <a:latin typeface="굴림체" panose="020B0609000101010101" pitchFamily="49" charset="-127"/>
+                <a:ea typeface="굴림체" panose="020B0609000101010101" pitchFamily="49" charset="-127"/>
+              </a:rPr>
+            </a:br>
+            <a:br>
+              <a:rPr kumimoji="0" lang="ko-KR" altLang="ko-KR" sz="900" b="0" i="0" u="none" strike="noStrike" cap="none" normalizeH="0" baseline="0" dirty="0">
+                <a:ln>
+                  <a:noFill/>
+                </a:ln>
+                <a:solidFill>
+                  <a:srgbClr val="CC7832"/>
+                </a:solidFill>
+                <a:effectLst/>
+                <a:latin typeface="굴림체" panose="020B0609000101010101" pitchFamily="49" charset="-127"/>
+                <a:ea typeface="굴림체" panose="020B0609000101010101" pitchFamily="49" charset="-127"/>
+              </a:rPr>
+            </a:br>
+            <a:r>
+              <a:rPr kumimoji="0" lang="ko-KR" altLang="ko-KR" sz="900" b="0" i="0" u="none" strike="noStrike" cap="none" normalizeH="0" baseline="0" dirty="0">
+                <a:ln>
+                  <a:noFill/>
+                </a:ln>
+                <a:solidFill>
+                  <a:srgbClr val="CC7832"/>
+                </a:solidFill>
+                <a:effectLst/>
+                <a:latin typeface="굴림체" panose="020B0609000101010101" pitchFamily="49" charset="-127"/>
+                <a:ea typeface="굴림체" panose="020B0609000101010101" pitchFamily="49" charset="-127"/>
+              </a:rPr>
+              <a:t>    </a:t>
+            </a:r>
+            <a:r>
+              <a:rPr kumimoji="0" lang="ko-KR" altLang="ko-KR" sz="900" b="0" i="0" u="none" strike="noStrike" cap="none" normalizeH="0" baseline="0" dirty="0" err="1">
+                <a:ln>
+                  <a:noFill/>
+                </a:ln>
+                <a:solidFill>
+                  <a:srgbClr val="CC7832"/>
+                </a:solidFill>
+                <a:effectLst/>
+                <a:latin typeface="굴림체" panose="020B0609000101010101" pitchFamily="49" charset="-127"/>
+                <a:ea typeface="굴림체" panose="020B0609000101010101" pitchFamily="49" charset="-127"/>
+              </a:rPr>
+              <a:t>if</a:t>
+            </a:r>
+            <a:r>
+              <a:rPr kumimoji="0" lang="ko-KR" altLang="ko-KR" sz="900" b="0" i="0" u="none" strike="noStrike" cap="none" normalizeH="0" baseline="0" dirty="0">
+                <a:ln>
+                  <a:noFill/>
+                </a:ln>
+                <a:solidFill>
+                  <a:srgbClr val="CC7832"/>
+                </a:solidFill>
+                <a:effectLst/>
+                <a:latin typeface="굴림체" panose="020B0609000101010101" pitchFamily="49" charset="-127"/>
+                <a:ea typeface="굴림체" panose="020B0609000101010101" pitchFamily="49" charset="-127"/>
+              </a:rPr>
+              <a:t> </a:t>
+            </a:r>
+            <a:r>
+              <a:rPr kumimoji="0" lang="ko-KR" altLang="ko-KR" sz="900" b="0" i="0" u="none" strike="noStrike" cap="none" normalizeH="0" baseline="0" dirty="0">
+                <a:ln>
+                  <a:noFill/>
+                </a:ln>
+                <a:solidFill>
+                  <a:srgbClr val="A9B7C6"/>
+                </a:solidFill>
+                <a:effectLst/>
+                <a:latin typeface="굴림체" panose="020B0609000101010101" pitchFamily="49" charset="-127"/>
+                <a:ea typeface="굴림체" panose="020B0609000101010101" pitchFamily="49" charset="-127"/>
+              </a:rPr>
+              <a:t>(</a:t>
+            </a:r>
+            <a:r>
+              <a:rPr kumimoji="0" lang="ko-KR" altLang="ko-KR" sz="900" b="0" i="0" u="none" strike="noStrike" cap="none" normalizeH="0" baseline="0" dirty="0" err="1">
+                <a:ln>
+                  <a:noFill/>
+                </a:ln>
+                <a:solidFill>
+                  <a:srgbClr val="A9B7C6"/>
+                </a:solidFill>
+                <a:effectLst/>
+                <a:latin typeface="굴림체" panose="020B0609000101010101" pitchFamily="49" charset="-127"/>
+                <a:ea typeface="굴림체" panose="020B0609000101010101" pitchFamily="49" charset="-127"/>
+              </a:rPr>
+              <a:t>method.equals</a:t>
+            </a:r>
+            <a:r>
+              <a:rPr kumimoji="0" lang="ko-KR" altLang="ko-KR" sz="900" b="0" i="0" u="none" strike="noStrike" cap="none" normalizeH="0" baseline="0" dirty="0">
+                <a:ln>
+                  <a:noFill/>
+                </a:ln>
+                <a:solidFill>
+                  <a:srgbClr val="A9B7C6"/>
+                </a:solidFill>
+                <a:effectLst/>
+                <a:latin typeface="굴림체" panose="020B0609000101010101" pitchFamily="49" charset="-127"/>
+                <a:ea typeface="굴림체" panose="020B0609000101010101" pitchFamily="49" charset="-127"/>
+              </a:rPr>
+              <a:t>(</a:t>
+            </a:r>
+            <a:r>
+              <a:rPr kumimoji="0" lang="ko-KR" altLang="ko-KR" sz="900" b="0" i="0" u="none" strike="noStrike" cap="none" normalizeH="0" baseline="0" dirty="0">
+                <a:ln>
+                  <a:noFill/>
+                </a:ln>
+                <a:solidFill>
+                  <a:srgbClr val="6A8759"/>
+                </a:solidFill>
+                <a:effectLst/>
+                <a:latin typeface="굴림체" panose="020B0609000101010101" pitchFamily="49" charset="-127"/>
+                <a:ea typeface="굴림체" panose="020B0609000101010101" pitchFamily="49" charset="-127"/>
+              </a:rPr>
+              <a:t>"GET"</a:t>
+            </a:r>
+            <a:r>
+              <a:rPr kumimoji="0" lang="ko-KR" altLang="ko-KR" sz="900" b="0" i="0" u="none" strike="noStrike" cap="none" normalizeH="0" baseline="0" dirty="0">
+                <a:ln>
+                  <a:noFill/>
+                </a:ln>
+                <a:solidFill>
+                  <a:srgbClr val="A9B7C6"/>
+                </a:solidFill>
+                <a:effectLst/>
+                <a:latin typeface="굴림체" panose="020B0609000101010101" pitchFamily="49" charset="-127"/>
+                <a:ea typeface="굴림체" panose="020B0609000101010101" pitchFamily="49" charset="-127"/>
+              </a:rPr>
+              <a:t>)) {</a:t>
+            </a:r>
+            <a:br>
+              <a:rPr kumimoji="0" lang="ko-KR" altLang="ko-KR" sz="900" b="0" i="0" u="none" strike="noStrike" cap="none" normalizeH="0" baseline="0" dirty="0">
+                <a:ln>
+                  <a:noFill/>
+                </a:ln>
+                <a:solidFill>
+                  <a:srgbClr val="A9B7C6"/>
+                </a:solidFill>
+                <a:effectLst/>
+                <a:latin typeface="굴림체" panose="020B0609000101010101" pitchFamily="49" charset="-127"/>
+                <a:ea typeface="굴림체" panose="020B0609000101010101" pitchFamily="49" charset="-127"/>
+              </a:rPr>
+            </a:br>
+            <a:r>
+              <a:rPr kumimoji="0" lang="ko-KR" altLang="ko-KR" sz="900" b="0" i="0" u="none" strike="noStrike" cap="none" normalizeH="0" baseline="0" dirty="0">
+                <a:ln>
+                  <a:noFill/>
+                </a:ln>
+                <a:solidFill>
+                  <a:srgbClr val="A9B7C6"/>
+                </a:solidFill>
+                <a:effectLst/>
+                <a:latin typeface="굴림체" panose="020B0609000101010101" pitchFamily="49" charset="-127"/>
+                <a:ea typeface="굴림체" panose="020B0609000101010101" pitchFamily="49" charset="-127"/>
+              </a:rPr>
+              <a:t>        </a:t>
+            </a:r>
+            <a:r>
+              <a:rPr kumimoji="0" lang="ko-KR" altLang="ko-KR" sz="900" b="0" i="0" u="none" strike="noStrike" cap="none" normalizeH="0" baseline="0" dirty="0" err="1">
+                <a:ln>
+                  <a:noFill/>
+                </a:ln>
+                <a:solidFill>
+                  <a:srgbClr val="A9B7C6"/>
+                </a:solidFill>
+                <a:effectLst/>
+                <a:latin typeface="굴림체" panose="020B0609000101010101" pitchFamily="49" charset="-127"/>
+                <a:ea typeface="굴림체" panose="020B0609000101010101" pitchFamily="49" charset="-127"/>
+              </a:rPr>
+              <a:t>out.println</a:t>
+            </a:r>
+            <a:r>
+              <a:rPr kumimoji="0" lang="ko-KR" altLang="ko-KR" sz="900" b="0" i="0" u="none" strike="noStrike" cap="none" normalizeH="0" baseline="0" dirty="0">
+                <a:ln>
+                  <a:noFill/>
+                </a:ln>
+                <a:solidFill>
+                  <a:srgbClr val="A9B7C6"/>
+                </a:solidFill>
+                <a:effectLst/>
+                <a:latin typeface="굴림체" panose="020B0609000101010101" pitchFamily="49" charset="-127"/>
+                <a:ea typeface="굴림체" panose="020B0609000101010101" pitchFamily="49" charset="-127"/>
+              </a:rPr>
+              <a:t>(</a:t>
+            </a:r>
+            <a:r>
+              <a:rPr kumimoji="0" lang="ko-KR" altLang="ko-KR" sz="900" b="0" i="0" u="none" strike="noStrike" cap="none" normalizeH="0" baseline="0" dirty="0">
+                <a:ln>
+                  <a:noFill/>
+                </a:ln>
+                <a:solidFill>
+                  <a:srgbClr val="6A8759"/>
+                </a:solidFill>
+                <a:effectLst/>
+                <a:latin typeface="굴림체" panose="020B0609000101010101" pitchFamily="49" charset="-127"/>
+                <a:ea typeface="굴림체" panose="020B0609000101010101" pitchFamily="49" charset="-127"/>
+              </a:rPr>
+              <a:t>"HTTP/1.1 200 OK"</a:t>
+            </a:r>
+            <a:r>
+              <a:rPr kumimoji="0" lang="ko-KR" altLang="ko-KR" sz="900" b="0" i="0" u="none" strike="noStrike" cap="none" normalizeH="0" baseline="0" dirty="0">
+                <a:ln>
+                  <a:noFill/>
+                </a:ln>
+                <a:solidFill>
+                  <a:srgbClr val="A9B7C6"/>
+                </a:solidFill>
+                <a:effectLst/>
+                <a:latin typeface="굴림체" panose="020B0609000101010101" pitchFamily="49" charset="-127"/>
+                <a:ea typeface="굴림체" panose="020B0609000101010101" pitchFamily="49" charset="-127"/>
+              </a:rPr>
+              <a:t>)</a:t>
+            </a:r>
+            <a:r>
+              <a:rPr kumimoji="0" lang="ko-KR" altLang="ko-KR" sz="900" b="0" i="0" u="none" strike="noStrike" cap="none" normalizeH="0" baseline="0" dirty="0">
+                <a:ln>
+                  <a:noFill/>
+                </a:ln>
+                <a:solidFill>
+                  <a:srgbClr val="CC7832"/>
+                </a:solidFill>
+                <a:effectLst/>
+                <a:latin typeface="굴림체" panose="020B0609000101010101" pitchFamily="49" charset="-127"/>
+                <a:ea typeface="굴림체" panose="020B0609000101010101" pitchFamily="49" charset="-127"/>
+              </a:rPr>
+              <a:t>;</a:t>
+            </a:r>
+            <a:br>
+              <a:rPr kumimoji="0" lang="ko-KR" altLang="ko-KR" sz="900" b="0" i="0" u="none" strike="noStrike" cap="none" normalizeH="0" baseline="0" dirty="0">
+                <a:ln>
+                  <a:noFill/>
+                </a:ln>
+                <a:solidFill>
+                  <a:srgbClr val="CC7832"/>
+                </a:solidFill>
+                <a:effectLst/>
+                <a:latin typeface="굴림체" panose="020B0609000101010101" pitchFamily="49" charset="-127"/>
+                <a:ea typeface="굴림체" panose="020B0609000101010101" pitchFamily="49" charset="-127"/>
+              </a:rPr>
+            </a:br>
+            <a:r>
+              <a:rPr kumimoji="0" lang="ko-KR" altLang="ko-KR" sz="900" b="0" i="0" u="none" strike="noStrike" cap="none" normalizeH="0" baseline="0" dirty="0">
+                <a:ln>
+                  <a:noFill/>
+                </a:ln>
+                <a:solidFill>
+                  <a:srgbClr val="CC7832"/>
+                </a:solidFill>
+                <a:effectLst/>
+                <a:latin typeface="굴림체" panose="020B0609000101010101" pitchFamily="49" charset="-127"/>
+                <a:ea typeface="굴림체" panose="020B0609000101010101" pitchFamily="49" charset="-127"/>
+              </a:rPr>
+              <a:t>        </a:t>
+            </a:r>
+            <a:r>
+              <a:rPr kumimoji="0" lang="ko-KR" altLang="ko-KR" sz="900" b="0" i="0" u="none" strike="noStrike" cap="none" normalizeH="0" baseline="0" dirty="0" err="1">
+                <a:ln>
+                  <a:noFill/>
+                </a:ln>
+                <a:solidFill>
+                  <a:srgbClr val="A9B7C6"/>
+                </a:solidFill>
+                <a:effectLst/>
+                <a:latin typeface="굴림체" panose="020B0609000101010101" pitchFamily="49" charset="-127"/>
+                <a:ea typeface="굴림체" panose="020B0609000101010101" pitchFamily="49" charset="-127"/>
+              </a:rPr>
+              <a:t>out.println</a:t>
+            </a:r>
+            <a:r>
+              <a:rPr kumimoji="0" lang="ko-KR" altLang="ko-KR" sz="900" b="0" i="0" u="none" strike="noStrike" cap="none" normalizeH="0" baseline="0" dirty="0">
+                <a:ln>
+                  <a:noFill/>
+                </a:ln>
+                <a:solidFill>
+                  <a:srgbClr val="A9B7C6"/>
+                </a:solidFill>
+                <a:effectLst/>
+                <a:latin typeface="굴림체" panose="020B0609000101010101" pitchFamily="49" charset="-127"/>
+                <a:ea typeface="굴림체" panose="020B0609000101010101" pitchFamily="49" charset="-127"/>
+              </a:rPr>
+              <a:t>(</a:t>
+            </a:r>
+            <a:r>
+              <a:rPr kumimoji="0" lang="ko-KR" altLang="ko-KR" sz="900" b="0" i="0" u="none" strike="noStrike" cap="none" normalizeH="0" baseline="0" dirty="0">
+                <a:ln>
+                  <a:noFill/>
+                </a:ln>
+                <a:solidFill>
+                  <a:srgbClr val="6A8759"/>
+                </a:solidFill>
+                <a:effectLst/>
+                <a:latin typeface="굴림체" panose="020B0609000101010101" pitchFamily="49" charset="-127"/>
+                <a:ea typeface="굴림체" panose="020B0609000101010101" pitchFamily="49" charset="-127"/>
+              </a:rPr>
+              <a:t>"Server: </a:t>
+            </a:r>
+            <a:r>
+              <a:rPr kumimoji="0" lang="ko-KR" altLang="ko-KR" sz="900" b="0" i="0" u="none" strike="noStrike" cap="none" normalizeH="0" baseline="0" dirty="0" err="1">
+                <a:ln>
+                  <a:noFill/>
+                </a:ln>
+                <a:solidFill>
+                  <a:srgbClr val="6A8759"/>
+                </a:solidFill>
+                <a:effectLst/>
+                <a:latin typeface="굴림체" panose="020B0609000101010101" pitchFamily="49" charset="-127"/>
+                <a:ea typeface="굴림체" panose="020B0609000101010101" pitchFamily="49" charset="-127"/>
+              </a:rPr>
+              <a:t>Java</a:t>
+            </a:r>
+            <a:r>
+              <a:rPr kumimoji="0" lang="ko-KR" altLang="ko-KR" sz="900" b="0" i="0" u="none" strike="noStrike" cap="none" normalizeH="0" baseline="0" dirty="0">
+                <a:ln>
+                  <a:noFill/>
+                </a:ln>
+                <a:solidFill>
+                  <a:srgbClr val="6A8759"/>
+                </a:solidFill>
+                <a:effectLst/>
+                <a:latin typeface="굴림체" panose="020B0609000101010101" pitchFamily="49" charset="-127"/>
+                <a:ea typeface="굴림체" panose="020B0609000101010101" pitchFamily="49" charset="-127"/>
+              </a:rPr>
+              <a:t> HTTP Server </a:t>
+            </a:r>
+            <a:r>
+              <a:rPr kumimoji="0" lang="ko-KR" altLang="ko-KR" sz="900" b="0" i="0" u="none" strike="noStrike" cap="none" normalizeH="0" baseline="0" dirty="0" err="1">
+                <a:ln>
+                  <a:noFill/>
+                </a:ln>
+                <a:solidFill>
+                  <a:srgbClr val="6A8759"/>
+                </a:solidFill>
+                <a:effectLst/>
+                <a:latin typeface="굴림체" panose="020B0609000101010101" pitchFamily="49" charset="-127"/>
+                <a:ea typeface="굴림체" panose="020B0609000101010101" pitchFamily="49" charset="-127"/>
+              </a:rPr>
+              <a:t>from</a:t>
+            </a:r>
+            <a:r>
+              <a:rPr kumimoji="0" lang="ko-KR" altLang="ko-KR" sz="900" b="0" i="0" u="none" strike="noStrike" cap="none" normalizeH="0" baseline="0" dirty="0">
+                <a:ln>
+                  <a:noFill/>
+                </a:ln>
+                <a:solidFill>
+                  <a:srgbClr val="6A8759"/>
+                </a:solidFill>
+                <a:effectLst/>
+                <a:latin typeface="굴림체" panose="020B0609000101010101" pitchFamily="49" charset="-127"/>
+                <a:ea typeface="굴림체" panose="020B0609000101010101" pitchFamily="49" charset="-127"/>
+              </a:rPr>
+              <a:t> </a:t>
+            </a:r>
+            <a:r>
+              <a:rPr kumimoji="0" lang="ko-KR" altLang="ko-KR" sz="900" b="0" i="0" u="none" strike="noStrike" cap="none" normalizeH="0" baseline="0" dirty="0" err="1">
+                <a:ln>
+                  <a:noFill/>
+                </a:ln>
+                <a:solidFill>
+                  <a:srgbClr val="6A8759"/>
+                </a:solidFill>
+                <a:effectLst/>
+                <a:latin typeface="굴림체" panose="020B0609000101010101" pitchFamily="49" charset="-127"/>
+                <a:ea typeface="굴림체" panose="020B0609000101010101" pitchFamily="49" charset="-127"/>
+              </a:rPr>
+              <a:t>hh</a:t>
+            </a:r>
+            <a:r>
+              <a:rPr kumimoji="0" lang="ko-KR" altLang="ko-KR" sz="900" b="0" i="0" u="none" strike="noStrike" cap="none" normalizeH="0" baseline="0" dirty="0">
+                <a:ln>
+                  <a:noFill/>
+                </a:ln>
+                <a:solidFill>
+                  <a:srgbClr val="6A8759"/>
+                </a:solidFill>
+                <a:effectLst/>
+                <a:latin typeface="굴림체" panose="020B0609000101010101" pitchFamily="49" charset="-127"/>
+                <a:ea typeface="굴림체" panose="020B0609000101010101" pitchFamily="49" charset="-127"/>
+              </a:rPr>
+              <a:t> : 1.0"</a:t>
+            </a:r>
+            <a:r>
+              <a:rPr kumimoji="0" lang="ko-KR" altLang="ko-KR" sz="900" b="0" i="0" u="none" strike="noStrike" cap="none" normalizeH="0" baseline="0" dirty="0">
+                <a:ln>
+                  <a:noFill/>
+                </a:ln>
+                <a:solidFill>
+                  <a:srgbClr val="A9B7C6"/>
+                </a:solidFill>
+                <a:effectLst/>
+                <a:latin typeface="굴림체" panose="020B0609000101010101" pitchFamily="49" charset="-127"/>
+                <a:ea typeface="굴림체" panose="020B0609000101010101" pitchFamily="49" charset="-127"/>
+              </a:rPr>
+              <a:t>)</a:t>
+            </a:r>
+            <a:r>
+              <a:rPr kumimoji="0" lang="ko-KR" altLang="ko-KR" sz="900" b="0" i="0" u="none" strike="noStrike" cap="none" normalizeH="0" baseline="0" dirty="0">
+                <a:ln>
+                  <a:noFill/>
+                </a:ln>
+                <a:solidFill>
+                  <a:srgbClr val="CC7832"/>
+                </a:solidFill>
+                <a:effectLst/>
+                <a:latin typeface="굴림체" panose="020B0609000101010101" pitchFamily="49" charset="-127"/>
+                <a:ea typeface="굴림체" panose="020B0609000101010101" pitchFamily="49" charset="-127"/>
+              </a:rPr>
+              <a:t>;</a:t>
+            </a:r>
+            <a:br>
+              <a:rPr kumimoji="0" lang="ko-KR" altLang="ko-KR" sz="900" b="0" i="0" u="none" strike="noStrike" cap="none" normalizeH="0" baseline="0" dirty="0">
+                <a:ln>
+                  <a:noFill/>
+                </a:ln>
+                <a:solidFill>
+                  <a:srgbClr val="CC7832"/>
+                </a:solidFill>
+                <a:effectLst/>
+                <a:latin typeface="굴림체" panose="020B0609000101010101" pitchFamily="49" charset="-127"/>
+                <a:ea typeface="굴림체" panose="020B0609000101010101" pitchFamily="49" charset="-127"/>
+              </a:rPr>
+            </a:br>
+            <a:r>
+              <a:rPr kumimoji="0" lang="ko-KR" altLang="ko-KR" sz="900" b="0" i="0" u="none" strike="noStrike" cap="none" normalizeH="0" baseline="0" dirty="0">
+                <a:ln>
+                  <a:noFill/>
+                </a:ln>
+                <a:solidFill>
+                  <a:srgbClr val="CC7832"/>
+                </a:solidFill>
+                <a:effectLst/>
+                <a:latin typeface="굴림체" panose="020B0609000101010101" pitchFamily="49" charset="-127"/>
+                <a:ea typeface="굴림체" panose="020B0609000101010101" pitchFamily="49" charset="-127"/>
+              </a:rPr>
+              <a:t>        </a:t>
+            </a:r>
+            <a:r>
+              <a:rPr kumimoji="0" lang="ko-KR" altLang="ko-KR" sz="900" b="0" i="0" u="none" strike="noStrike" cap="none" normalizeH="0" baseline="0" dirty="0" err="1">
+                <a:ln>
+                  <a:noFill/>
+                </a:ln>
+                <a:solidFill>
+                  <a:srgbClr val="A9B7C6"/>
+                </a:solidFill>
+                <a:effectLst/>
+                <a:latin typeface="굴림체" panose="020B0609000101010101" pitchFamily="49" charset="-127"/>
+                <a:ea typeface="굴림체" panose="020B0609000101010101" pitchFamily="49" charset="-127"/>
+              </a:rPr>
+              <a:t>out.println</a:t>
+            </a:r>
+            <a:r>
+              <a:rPr kumimoji="0" lang="ko-KR" altLang="ko-KR" sz="900" b="0" i="0" u="none" strike="noStrike" cap="none" normalizeH="0" baseline="0" dirty="0">
+                <a:ln>
+                  <a:noFill/>
+                </a:ln>
+                <a:solidFill>
+                  <a:srgbClr val="A9B7C6"/>
+                </a:solidFill>
+                <a:effectLst/>
+                <a:latin typeface="굴림체" panose="020B0609000101010101" pitchFamily="49" charset="-127"/>
+                <a:ea typeface="굴림체" panose="020B0609000101010101" pitchFamily="49" charset="-127"/>
+              </a:rPr>
+              <a:t>(</a:t>
+            </a:r>
+            <a:r>
+              <a:rPr kumimoji="0" lang="ko-KR" altLang="ko-KR" sz="900" b="0" i="0" u="none" strike="noStrike" cap="none" normalizeH="0" baseline="0" dirty="0">
+                <a:ln>
+                  <a:noFill/>
+                </a:ln>
+                <a:solidFill>
+                  <a:srgbClr val="6A8759"/>
+                </a:solidFill>
+                <a:effectLst/>
+                <a:latin typeface="굴림체" panose="020B0609000101010101" pitchFamily="49" charset="-127"/>
+                <a:ea typeface="굴림체" panose="020B0609000101010101" pitchFamily="49" charset="-127"/>
+              </a:rPr>
+              <a:t>"</a:t>
+            </a:r>
+            <a:r>
+              <a:rPr kumimoji="0" lang="ko-KR" altLang="ko-KR" sz="900" b="0" i="0" u="none" strike="noStrike" cap="none" normalizeH="0" baseline="0" dirty="0" err="1">
+                <a:ln>
+                  <a:noFill/>
+                </a:ln>
+                <a:solidFill>
+                  <a:srgbClr val="6A8759"/>
+                </a:solidFill>
+                <a:effectLst/>
+                <a:latin typeface="굴림체" panose="020B0609000101010101" pitchFamily="49" charset="-127"/>
+                <a:ea typeface="굴림체" panose="020B0609000101010101" pitchFamily="49" charset="-127"/>
+              </a:rPr>
+              <a:t>Date</a:t>
+            </a:r>
+            <a:r>
+              <a:rPr kumimoji="0" lang="ko-KR" altLang="ko-KR" sz="900" b="0" i="0" u="none" strike="noStrike" cap="none" normalizeH="0" baseline="0" dirty="0">
+                <a:ln>
+                  <a:noFill/>
+                </a:ln>
+                <a:solidFill>
+                  <a:srgbClr val="6A8759"/>
+                </a:solidFill>
+                <a:effectLst/>
+                <a:latin typeface="굴림체" panose="020B0609000101010101" pitchFamily="49" charset="-127"/>
+                <a:ea typeface="굴림체" panose="020B0609000101010101" pitchFamily="49" charset="-127"/>
+              </a:rPr>
+              <a:t>: " </a:t>
+            </a:r>
+            <a:r>
+              <a:rPr kumimoji="0" lang="ko-KR" altLang="ko-KR" sz="900" b="0" i="0" u="none" strike="noStrike" cap="none" normalizeH="0" baseline="0" dirty="0">
+                <a:ln>
+                  <a:noFill/>
+                </a:ln>
+                <a:solidFill>
+                  <a:srgbClr val="A9B7C6"/>
+                </a:solidFill>
+                <a:effectLst/>
+                <a:latin typeface="굴림체" panose="020B0609000101010101" pitchFamily="49" charset="-127"/>
+                <a:ea typeface="굴림체" panose="020B0609000101010101" pitchFamily="49" charset="-127"/>
+              </a:rPr>
+              <a:t>+ </a:t>
+            </a:r>
+            <a:r>
+              <a:rPr kumimoji="0" lang="ko-KR" altLang="ko-KR" sz="900" b="0" i="0" u="none" strike="noStrike" cap="none" normalizeH="0" baseline="0" dirty="0" err="1">
+                <a:ln>
+                  <a:noFill/>
+                </a:ln>
+                <a:solidFill>
+                  <a:srgbClr val="CC7832"/>
+                </a:solidFill>
+                <a:effectLst/>
+                <a:latin typeface="굴림체" panose="020B0609000101010101" pitchFamily="49" charset="-127"/>
+                <a:ea typeface="굴림체" panose="020B0609000101010101" pitchFamily="49" charset="-127"/>
+              </a:rPr>
+              <a:t>new</a:t>
+            </a:r>
+            <a:r>
+              <a:rPr kumimoji="0" lang="ko-KR" altLang="ko-KR" sz="900" b="0" i="0" u="none" strike="noStrike" cap="none" normalizeH="0" baseline="0" dirty="0">
+                <a:ln>
+                  <a:noFill/>
+                </a:ln>
+                <a:solidFill>
+                  <a:srgbClr val="CC7832"/>
+                </a:solidFill>
+                <a:effectLst/>
+                <a:latin typeface="굴림체" panose="020B0609000101010101" pitchFamily="49" charset="-127"/>
+                <a:ea typeface="굴림체" panose="020B0609000101010101" pitchFamily="49" charset="-127"/>
+              </a:rPr>
+              <a:t> </a:t>
+            </a:r>
+            <a:r>
+              <a:rPr kumimoji="0" lang="ko-KR" altLang="ko-KR" sz="900" b="0" i="0" u="none" strike="noStrike" cap="none" normalizeH="0" baseline="0" dirty="0" err="1">
+                <a:ln>
+                  <a:noFill/>
+                </a:ln>
+                <a:solidFill>
+                  <a:srgbClr val="A9B7C6"/>
+                </a:solidFill>
+                <a:effectLst/>
+                <a:latin typeface="굴림체" panose="020B0609000101010101" pitchFamily="49" charset="-127"/>
+                <a:ea typeface="굴림체" panose="020B0609000101010101" pitchFamily="49" charset="-127"/>
+              </a:rPr>
+              <a:t>Date</a:t>
+            </a:r>
+            <a:r>
+              <a:rPr kumimoji="0" lang="ko-KR" altLang="ko-KR" sz="900" b="0" i="0" u="none" strike="noStrike" cap="none" normalizeH="0" baseline="0" dirty="0">
+                <a:ln>
+                  <a:noFill/>
+                </a:ln>
+                <a:solidFill>
+                  <a:srgbClr val="A9B7C6"/>
+                </a:solidFill>
+                <a:effectLst/>
+                <a:latin typeface="굴림체" panose="020B0609000101010101" pitchFamily="49" charset="-127"/>
+                <a:ea typeface="굴림체" panose="020B0609000101010101" pitchFamily="49" charset="-127"/>
+              </a:rPr>
+              <a:t>())</a:t>
+            </a:r>
+            <a:r>
+              <a:rPr kumimoji="0" lang="ko-KR" altLang="ko-KR" sz="900" b="0" i="0" u="none" strike="noStrike" cap="none" normalizeH="0" baseline="0" dirty="0">
+                <a:ln>
+                  <a:noFill/>
+                </a:ln>
+                <a:solidFill>
+                  <a:srgbClr val="CC7832"/>
+                </a:solidFill>
+                <a:effectLst/>
+                <a:latin typeface="굴림체" panose="020B0609000101010101" pitchFamily="49" charset="-127"/>
+                <a:ea typeface="굴림체" panose="020B0609000101010101" pitchFamily="49" charset="-127"/>
+              </a:rPr>
+              <a:t>;</a:t>
+            </a:r>
+            <a:br>
+              <a:rPr kumimoji="0" lang="ko-KR" altLang="ko-KR" sz="900" b="0" i="0" u="none" strike="noStrike" cap="none" normalizeH="0" baseline="0" dirty="0">
+                <a:ln>
+                  <a:noFill/>
+                </a:ln>
+                <a:solidFill>
+                  <a:srgbClr val="CC7832"/>
+                </a:solidFill>
+                <a:effectLst/>
+                <a:latin typeface="굴림체" panose="020B0609000101010101" pitchFamily="49" charset="-127"/>
+                <a:ea typeface="굴림체" panose="020B0609000101010101" pitchFamily="49" charset="-127"/>
+              </a:rPr>
+            </a:br>
+            <a:r>
+              <a:rPr kumimoji="0" lang="ko-KR" altLang="ko-KR" sz="900" b="0" i="0" u="none" strike="noStrike" cap="none" normalizeH="0" baseline="0" dirty="0">
+                <a:ln>
+                  <a:noFill/>
+                </a:ln>
+                <a:solidFill>
+                  <a:srgbClr val="CC7832"/>
+                </a:solidFill>
+                <a:effectLst/>
+                <a:latin typeface="굴림체" panose="020B0609000101010101" pitchFamily="49" charset="-127"/>
+                <a:ea typeface="굴림체" panose="020B0609000101010101" pitchFamily="49" charset="-127"/>
+              </a:rPr>
+              <a:t>        </a:t>
+            </a:r>
+            <a:r>
+              <a:rPr kumimoji="0" lang="ko-KR" altLang="ko-KR" sz="900" b="0" i="0" u="none" strike="noStrike" cap="none" normalizeH="0" baseline="0" dirty="0" err="1">
+                <a:ln>
+                  <a:noFill/>
+                </a:ln>
+                <a:solidFill>
+                  <a:srgbClr val="A9B7C6"/>
+                </a:solidFill>
+                <a:effectLst/>
+                <a:latin typeface="굴림체" panose="020B0609000101010101" pitchFamily="49" charset="-127"/>
+                <a:ea typeface="굴림체" panose="020B0609000101010101" pitchFamily="49" charset="-127"/>
+              </a:rPr>
+              <a:t>out.println</a:t>
+            </a:r>
+            <a:r>
+              <a:rPr kumimoji="0" lang="ko-KR" altLang="ko-KR" sz="900" b="0" i="0" u="none" strike="noStrike" cap="none" normalizeH="0" baseline="0" dirty="0">
+                <a:ln>
+                  <a:noFill/>
+                </a:ln>
+                <a:solidFill>
+                  <a:srgbClr val="A9B7C6"/>
+                </a:solidFill>
+                <a:effectLst/>
+                <a:latin typeface="굴림체" panose="020B0609000101010101" pitchFamily="49" charset="-127"/>
+                <a:ea typeface="굴림체" panose="020B0609000101010101" pitchFamily="49" charset="-127"/>
+              </a:rPr>
+              <a:t>(</a:t>
+            </a:r>
+            <a:r>
+              <a:rPr kumimoji="0" lang="ko-KR" altLang="ko-KR" sz="900" b="0" i="0" u="none" strike="noStrike" cap="none" normalizeH="0" baseline="0" dirty="0">
+                <a:ln>
+                  <a:noFill/>
+                </a:ln>
+                <a:solidFill>
+                  <a:srgbClr val="6A8759"/>
+                </a:solidFill>
+                <a:effectLst/>
+                <a:latin typeface="굴림체" panose="020B0609000101010101" pitchFamily="49" charset="-127"/>
+                <a:ea typeface="굴림체" panose="020B0609000101010101" pitchFamily="49" charset="-127"/>
+              </a:rPr>
+              <a:t>"</a:t>
+            </a:r>
+            <a:r>
+              <a:rPr kumimoji="0" lang="ko-KR" altLang="ko-KR" sz="900" b="0" i="0" u="none" strike="noStrike" cap="none" normalizeH="0" baseline="0" dirty="0" err="1">
+                <a:ln>
+                  <a:noFill/>
+                </a:ln>
+                <a:solidFill>
+                  <a:srgbClr val="6A8759"/>
+                </a:solidFill>
+                <a:effectLst/>
+                <a:latin typeface="굴림체" panose="020B0609000101010101" pitchFamily="49" charset="-127"/>
+                <a:ea typeface="굴림체" panose="020B0609000101010101" pitchFamily="49" charset="-127"/>
+              </a:rPr>
+              <a:t>Content-type</a:t>
+            </a:r>
+            <a:r>
+              <a:rPr kumimoji="0" lang="ko-KR" altLang="ko-KR" sz="900" b="0" i="0" u="none" strike="noStrike" cap="none" normalizeH="0" baseline="0" dirty="0">
+                <a:ln>
+                  <a:noFill/>
+                </a:ln>
+                <a:solidFill>
+                  <a:srgbClr val="6A8759"/>
+                </a:solidFill>
+                <a:effectLst/>
+                <a:latin typeface="굴림체" panose="020B0609000101010101" pitchFamily="49" charset="-127"/>
+                <a:ea typeface="굴림체" panose="020B0609000101010101" pitchFamily="49" charset="-127"/>
+              </a:rPr>
+              <a:t>: " </a:t>
+            </a:r>
+            <a:r>
+              <a:rPr kumimoji="0" lang="ko-KR" altLang="ko-KR" sz="900" b="0" i="0" u="none" strike="noStrike" cap="none" normalizeH="0" baseline="0" dirty="0">
+                <a:ln>
+                  <a:noFill/>
+                </a:ln>
+                <a:solidFill>
+                  <a:srgbClr val="A9B7C6"/>
+                </a:solidFill>
+                <a:effectLst/>
+                <a:latin typeface="굴림체" panose="020B0609000101010101" pitchFamily="49" charset="-127"/>
+                <a:ea typeface="굴림체" panose="020B0609000101010101" pitchFamily="49" charset="-127"/>
+              </a:rPr>
+              <a:t>+ </a:t>
+            </a:r>
+            <a:r>
+              <a:rPr kumimoji="0" lang="ko-KR" altLang="ko-KR" sz="900" b="0" i="0" u="none" strike="noStrike" cap="none" normalizeH="0" baseline="0" dirty="0">
+                <a:ln>
+                  <a:noFill/>
+                </a:ln>
+                <a:solidFill>
+                  <a:srgbClr val="6A8759"/>
+                </a:solidFill>
+                <a:effectLst/>
+                <a:latin typeface="굴림체" panose="020B0609000101010101" pitchFamily="49" charset="-127"/>
+                <a:ea typeface="굴림체" panose="020B0609000101010101" pitchFamily="49" charset="-127"/>
+              </a:rPr>
+              <a:t>"</a:t>
+            </a:r>
+            <a:r>
+              <a:rPr kumimoji="0" lang="ko-KR" altLang="ko-KR" sz="900" b="0" i="0" u="none" strike="noStrike" cap="none" normalizeH="0" baseline="0" dirty="0" err="1">
+                <a:ln>
+                  <a:noFill/>
+                </a:ln>
+                <a:solidFill>
+                  <a:srgbClr val="6A8759"/>
+                </a:solidFill>
+                <a:effectLst/>
+                <a:latin typeface="굴림체" panose="020B0609000101010101" pitchFamily="49" charset="-127"/>
+                <a:ea typeface="굴림체" panose="020B0609000101010101" pitchFamily="49" charset="-127"/>
+              </a:rPr>
+              <a:t>text</a:t>
+            </a:r>
+            <a:r>
+              <a:rPr kumimoji="0" lang="ko-KR" altLang="ko-KR" sz="900" b="0" i="0" u="none" strike="noStrike" cap="none" normalizeH="0" baseline="0" dirty="0">
+                <a:ln>
+                  <a:noFill/>
+                </a:ln>
+                <a:solidFill>
+                  <a:srgbClr val="6A8759"/>
+                </a:solidFill>
+                <a:effectLst/>
+                <a:latin typeface="굴림체" panose="020B0609000101010101" pitchFamily="49" charset="-127"/>
+                <a:ea typeface="굴림체" panose="020B0609000101010101" pitchFamily="49" charset="-127"/>
+              </a:rPr>
+              <a:t>/</a:t>
+            </a:r>
+            <a:r>
+              <a:rPr kumimoji="0" lang="ko-KR" altLang="ko-KR" sz="900" b="0" i="0" u="none" strike="noStrike" cap="none" normalizeH="0" baseline="0" dirty="0" err="1">
+                <a:ln>
+                  <a:noFill/>
+                </a:ln>
+                <a:solidFill>
+                  <a:srgbClr val="6A8759"/>
+                </a:solidFill>
+                <a:effectLst/>
+                <a:latin typeface="굴림체" panose="020B0609000101010101" pitchFamily="49" charset="-127"/>
+                <a:ea typeface="굴림체" panose="020B0609000101010101" pitchFamily="49" charset="-127"/>
+              </a:rPr>
+              <a:t>plain</a:t>
+            </a:r>
+            <a:r>
+              <a:rPr kumimoji="0" lang="ko-KR" altLang="ko-KR" sz="900" b="0" i="0" u="none" strike="noStrike" cap="none" normalizeH="0" baseline="0" dirty="0">
+                <a:ln>
+                  <a:noFill/>
+                </a:ln>
+                <a:solidFill>
+                  <a:srgbClr val="6A8759"/>
+                </a:solidFill>
+                <a:effectLst/>
+                <a:latin typeface="굴림체" panose="020B0609000101010101" pitchFamily="49" charset="-127"/>
+                <a:ea typeface="굴림체" panose="020B0609000101010101" pitchFamily="49" charset="-127"/>
+              </a:rPr>
+              <a:t>"</a:t>
+            </a:r>
+            <a:r>
+              <a:rPr kumimoji="0" lang="ko-KR" altLang="ko-KR" sz="900" b="0" i="0" u="none" strike="noStrike" cap="none" normalizeH="0" baseline="0" dirty="0">
+                <a:ln>
+                  <a:noFill/>
+                </a:ln>
+                <a:solidFill>
+                  <a:srgbClr val="A9B7C6"/>
+                </a:solidFill>
+                <a:effectLst/>
+                <a:latin typeface="굴림체" panose="020B0609000101010101" pitchFamily="49" charset="-127"/>
+                <a:ea typeface="굴림체" panose="020B0609000101010101" pitchFamily="49" charset="-127"/>
+              </a:rPr>
+              <a:t>)</a:t>
+            </a:r>
+            <a:r>
+              <a:rPr kumimoji="0" lang="ko-KR" altLang="ko-KR" sz="900" b="0" i="0" u="none" strike="noStrike" cap="none" normalizeH="0" baseline="0" dirty="0">
+                <a:ln>
+                  <a:noFill/>
+                </a:ln>
+                <a:solidFill>
+                  <a:srgbClr val="CC7832"/>
+                </a:solidFill>
+                <a:effectLst/>
+                <a:latin typeface="굴림체" panose="020B0609000101010101" pitchFamily="49" charset="-127"/>
+                <a:ea typeface="굴림체" panose="020B0609000101010101" pitchFamily="49" charset="-127"/>
+              </a:rPr>
+              <a:t>;</a:t>
+            </a:r>
+            <a:br>
+              <a:rPr kumimoji="0" lang="ko-KR" altLang="ko-KR" sz="900" b="0" i="0" u="none" strike="noStrike" cap="none" normalizeH="0" baseline="0" dirty="0">
+                <a:ln>
+                  <a:noFill/>
+                </a:ln>
+                <a:solidFill>
+                  <a:srgbClr val="CC7832"/>
+                </a:solidFill>
+                <a:effectLst/>
+                <a:latin typeface="굴림체" panose="020B0609000101010101" pitchFamily="49" charset="-127"/>
+                <a:ea typeface="굴림체" panose="020B0609000101010101" pitchFamily="49" charset="-127"/>
+              </a:rPr>
+            </a:br>
+            <a:r>
+              <a:rPr kumimoji="0" lang="ko-KR" altLang="ko-KR" sz="900" b="0" i="0" u="none" strike="noStrike" cap="none" normalizeH="0" baseline="0" dirty="0">
+                <a:ln>
+                  <a:noFill/>
+                </a:ln>
+                <a:solidFill>
+                  <a:srgbClr val="CC7832"/>
+                </a:solidFill>
+                <a:effectLst/>
+                <a:latin typeface="굴림체" panose="020B0609000101010101" pitchFamily="49" charset="-127"/>
+                <a:ea typeface="굴림체" panose="020B0609000101010101" pitchFamily="49" charset="-127"/>
+              </a:rPr>
+              <a:t>        </a:t>
+            </a:r>
+            <a:r>
+              <a:rPr kumimoji="0" lang="ko-KR" altLang="ko-KR" sz="900" b="0" i="0" u="none" strike="noStrike" cap="none" normalizeH="0" baseline="0" dirty="0" err="1">
+                <a:ln>
+                  <a:noFill/>
+                </a:ln>
+                <a:solidFill>
+                  <a:srgbClr val="A9B7C6"/>
+                </a:solidFill>
+                <a:effectLst/>
+                <a:latin typeface="굴림체" panose="020B0609000101010101" pitchFamily="49" charset="-127"/>
+                <a:ea typeface="굴림체" panose="020B0609000101010101" pitchFamily="49" charset="-127"/>
+              </a:rPr>
+              <a:t>out.println</a:t>
+            </a:r>
+            <a:r>
+              <a:rPr kumimoji="0" lang="ko-KR" altLang="ko-KR" sz="900" b="0" i="0" u="none" strike="noStrike" cap="none" normalizeH="0" baseline="0" dirty="0">
+                <a:ln>
+                  <a:noFill/>
+                </a:ln>
+                <a:solidFill>
+                  <a:srgbClr val="A9B7C6"/>
+                </a:solidFill>
+                <a:effectLst/>
+                <a:latin typeface="굴림체" panose="020B0609000101010101" pitchFamily="49" charset="-127"/>
+                <a:ea typeface="굴림체" panose="020B0609000101010101" pitchFamily="49" charset="-127"/>
+              </a:rPr>
+              <a:t>(</a:t>
+            </a:r>
+            <a:r>
+              <a:rPr kumimoji="0" lang="ko-KR" altLang="ko-KR" sz="900" b="0" i="0" u="none" strike="noStrike" cap="none" normalizeH="0" baseline="0" dirty="0">
+                <a:ln>
+                  <a:noFill/>
+                </a:ln>
+                <a:solidFill>
+                  <a:srgbClr val="6A8759"/>
+                </a:solidFill>
+                <a:effectLst/>
+                <a:latin typeface="굴림체" panose="020B0609000101010101" pitchFamily="49" charset="-127"/>
+                <a:ea typeface="굴림체" panose="020B0609000101010101" pitchFamily="49" charset="-127"/>
+              </a:rPr>
+              <a:t>"</a:t>
+            </a:r>
+            <a:r>
+              <a:rPr kumimoji="0" lang="ko-KR" altLang="ko-KR" sz="900" b="0" i="0" u="none" strike="noStrike" cap="none" normalizeH="0" baseline="0" dirty="0" err="1">
+                <a:ln>
+                  <a:noFill/>
+                </a:ln>
+                <a:solidFill>
+                  <a:srgbClr val="6A8759"/>
+                </a:solidFill>
+                <a:effectLst/>
+                <a:latin typeface="굴림체" panose="020B0609000101010101" pitchFamily="49" charset="-127"/>
+                <a:ea typeface="굴림체" panose="020B0609000101010101" pitchFamily="49" charset="-127"/>
+              </a:rPr>
+              <a:t>Content-length</a:t>
+            </a:r>
+            <a:r>
+              <a:rPr kumimoji="0" lang="ko-KR" altLang="ko-KR" sz="900" b="0" i="0" u="none" strike="noStrike" cap="none" normalizeH="0" baseline="0" dirty="0">
+                <a:ln>
+                  <a:noFill/>
+                </a:ln>
+                <a:solidFill>
+                  <a:srgbClr val="6A8759"/>
+                </a:solidFill>
+                <a:effectLst/>
+                <a:latin typeface="굴림체" panose="020B0609000101010101" pitchFamily="49" charset="-127"/>
+                <a:ea typeface="굴림체" panose="020B0609000101010101" pitchFamily="49" charset="-127"/>
+              </a:rPr>
+              <a:t>: " </a:t>
+            </a:r>
+            <a:r>
+              <a:rPr kumimoji="0" lang="ko-KR" altLang="ko-KR" sz="900" b="0" i="0" u="none" strike="noStrike" cap="none" normalizeH="0" baseline="0" dirty="0">
+                <a:ln>
+                  <a:noFill/>
+                </a:ln>
+                <a:solidFill>
+                  <a:srgbClr val="A9B7C6"/>
+                </a:solidFill>
+                <a:effectLst/>
+                <a:latin typeface="굴림체" panose="020B0609000101010101" pitchFamily="49" charset="-127"/>
+                <a:ea typeface="굴림체" panose="020B0609000101010101" pitchFamily="49" charset="-127"/>
+              </a:rPr>
+              <a:t>+ </a:t>
+            </a:r>
+            <a:r>
+              <a:rPr kumimoji="0" lang="ko-KR" altLang="ko-KR" sz="900" b="0" i="0" u="none" strike="noStrike" cap="none" normalizeH="0" baseline="0" dirty="0" err="1">
+                <a:ln>
+                  <a:noFill/>
+                </a:ln>
+                <a:solidFill>
+                  <a:srgbClr val="A9B7C6"/>
+                </a:solidFill>
+                <a:effectLst/>
+                <a:latin typeface="굴림체" panose="020B0609000101010101" pitchFamily="49" charset="-127"/>
+                <a:ea typeface="굴림체" panose="020B0609000101010101" pitchFamily="49" charset="-127"/>
+              </a:rPr>
+              <a:t>contentLength</a:t>
+            </a:r>
+            <a:r>
+              <a:rPr kumimoji="0" lang="ko-KR" altLang="ko-KR" sz="900" b="0" i="0" u="none" strike="noStrike" cap="none" normalizeH="0" baseline="0" dirty="0">
+                <a:ln>
+                  <a:noFill/>
+                </a:ln>
+                <a:solidFill>
+                  <a:srgbClr val="A9B7C6"/>
+                </a:solidFill>
+                <a:effectLst/>
+                <a:latin typeface="굴림체" panose="020B0609000101010101" pitchFamily="49" charset="-127"/>
+                <a:ea typeface="굴림체" panose="020B0609000101010101" pitchFamily="49" charset="-127"/>
+              </a:rPr>
+              <a:t>)</a:t>
+            </a:r>
+            <a:r>
+              <a:rPr kumimoji="0" lang="ko-KR" altLang="ko-KR" sz="900" b="0" i="0" u="none" strike="noStrike" cap="none" normalizeH="0" baseline="0" dirty="0">
+                <a:ln>
+                  <a:noFill/>
+                </a:ln>
+                <a:solidFill>
+                  <a:srgbClr val="CC7832"/>
+                </a:solidFill>
+                <a:effectLst/>
+                <a:latin typeface="굴림체" panose="020B0609000101010101" pitchFamily="49" charset="-127"/>
+                <a:ea typeface="굴림체" panose="020B0609000101010101" pitchFamily="49" charset="-127"/>
+              </a:rPr>
+              <a:t>;</a:t>
+            </a:r>
+            <a:br>
+              <a:rPr kumimoji="0" lang="ko-KR" altLang="ko-KR" sz="900" b="0" i="0" u="none" strike="noStrike" cap="none" normalizeH="0" baseline="0" dirty="0">
+                <a:ln>
+                  <a:noFill/>
+                </a:ln>
+                <a:solidFill>
+                  <a:srgbClr val="CC7832"/>
+                </a:solidFill>
+                <a:effectLst/>
+                <a:latin typeface="굴림체" panose="020B0609000101010101" pitchFamily="49" charset="-127"/>
+                <a:ea typeface="굴림체" panose="020B0609000101010101" pitchFamily="49" charset="-127"/>
+              </a:rPr>
+            </a:br>
+            <a:r>
+              <a:rPr kumimoji="0" lang="ko-KR" altLang="ko-KR" sz="900" b="0" i="0" u="none" strike="noStrike" cap="none" normalizeH="0" baseline="0" dirty="0">
+                <a:ln>
+                  <a:noFill/>
+                </a:ln>
+                <a:solidFill>
+                  <a:srgbClr val="CC7832"/>
+                </a:solidFill>
+                <a:effectLst/>
+                <a:latin typeface="굴림체" panose="020B0609000101010101" pitchFamily="49" charset="-127"/>
+                <a:ea typeface="굴림체" panose="020B0609000101010101" pitchFamily="49" charset="-127"/>
+              </a:rPr>
+              <a:t>        </a:t>
+            </a:r>
+            <a:r>
+              <a:rPr kumimoji="0" lang="ko-KR" altLang="ko-KR" sz="900" b="0" i="0" u="none" strike="noStrike" cap="none" normalizeH="0" baseline="0" dirty="0" err="1">
+                <a:ln>
+                  <a:noFill/>
+                </a:ln>
+                <a:solidFill>
+                  <a:srgbClr val="A9B7C6"/>
+                </a:solidFill>
+                <a:effectLst/>
+                <a:latin typeface="굴림체" panose="020B0609000101010101" pitchFamily="49" charset="-127"/>
+                <a:ea typeface="굴림체" panose="020B0609000101010101" pitchFamily="49" charset="-127"/>
+              </a:rPr>
+              <a:t>out.println</a:t>
+            </a:r>
+            <a:r>
+              <a:rPr kumimoji="0" lang="ko-KR" altLang="ko-KR" sz="900" b="0" i="0" u="none" strike="noStrike" cap="none" normalizeH="0" baseline="0" dirty="0">
+                <a:ln>
+                  <a:noFill/>
+                </a:ln>
+                <a:solidFill>
+                  <a:srgbClr val="A9B7C6"/>
+                </a:solidFill>
+                <a:effectLst/>
+                <a:latin typeface="굴림체" panose="020B0609000101010101" pitchFamily="49" charset="-127"/>
+                <a:ea typeface="굴림체" panose="020B0609000101010101" pitchFamily="49" charset="-127"/>
+              </a:rPr>
+              <a:t>()</a:t>
+            </a:r>
+            <a:r>
+              <a:rPr kumimoji="0" lang="ko-KR" altLang="ko-KR" sz="900" b="0" i="0" u="none" strike="noStrike" cap="none" normalizeH="0" baseline="0" dirty="0">
+                <a:ln>
+                  <a:noFill/>
+                </a:ln>
+                <a:solidFill>
+                  <a:srgbClr val="CC7832"/>
+                </a:solidFill>
+                <a:effectLst/>
+                <a:latin typeface="굴림체" panose="020B0609000101010101" pitchFamily="49" charset="-127"/>
+                <a:ea typeface="굴림체" panose="020B0609000101010101" pitchFamily="49" charset="-127"/>
+              </a:rPr>
+              <a:t>; </a:t>
+            </a:r>
+            <a:r>
+              <a:rPr kumimoji="0" lang="ko-KR" altLang="ko-KR" sz="900" b="0" i="0" u="none" strike="noStrike" cap="none" normalizeH="0" baseline="0" dirty="0">
+                <a:ln>
+                  <a:noFill/>
+                </a:ln>
+                <a:solidFill>
+                  <a:srgbClr val="808080"/>
+                </a:solidFill>
+                <a:effectLst/>
+                <a:latin typeface="굴림체" panose="020B0609000101010101" pitchFamily="49" charset="-127"/>
+                <a:ea typeface="굴림체" panose="020B0609000101010101" pitchFamily="49" charset="-127"/>
+              </a:rPr>
+              <a:t>// </a:t>
+            </a:r>
+            <a:r>
+              <a:rPr kumimoji="0" lang="ko-KR" altLang="ko-KR" sz="900" b="0" i="0" u="none" strike="noStrike" cap="none" normalizeH="0" baseline="0" dirty="0" err="1">
+                <a:ln>
+                  <a:noFill/>
+                </a:ln>
+                <a:solidFill>
+                  <a:srgbClr val="808080"/>
+                </a:solidFill>
+                <a:effectLst/>
+                <a:latin typeface="굴림체" panose="020B0609000101010101" pitchFamily="49" charset="-127"/>
+                <a:ea typeface="굴림체" panose="020B0609000101010101" pitchFamily="49" charset="-127"/>
+              </a:rPr>
+              <a:t>blank</a:t>
+            </a:r>
+            <a:r>
+              <a:rPr kumimoji="0" lang="ko-KR" altLang="ko-KR" sz="900" b="0" i="0" u="none" strike="noStrike" cap="none" normalizeH="0" baseline="0" dirty="0">
+                <a:ln>
+                  <a:noFill/>
+                </a:ln>
+                <a:solidFill>
+                  <a:srgbClr val="808080"/>
+                </a:solidFill>
+                <a:effectLst/>
+                <a:latin typeface="굴림체" panose="020B0609000101010101" pitchFamily="49" charset="-127"/>
+                <a:ea typeface="굴림체" panose="020B0609000101010101" pitchFamily="49" charset="-127"/>
+              </a:rPr>
+              <a:t> </a:t>
+            </a:r>
+            <a:r>
+              <a:rPr kumimoji="0" lang="ko-KR" altLang="ko-KR" sz="900" b="0" i="0" u="none" strike="noStrike" cap="none" normalizeH="0" baseline="0" dirty="0" err="1">
+                <a:ln>
+                  <a:noFill/>
+                </a:ln>
+                <a:solidFill>
+                  <a:srgbClr val="808080"/>
+                </a:solidFill>
+                <a:effectLst/>
+                <a:latin typeface="굴림체" panose="020B0609000101010101" pitchFamily="49" charset="-127"/>
+                <a:ea typeface="굴림체" panose="020B0609000101010101" pitchFamily="49" charset="-127"/>
+              </a:rPr>
+              <a:t>line</a:t>
+            </a:r>
+            <a:r>
+              <a:rPr kumimoji="0" lang="ko-KR" altLang="ko-KR" sz="900" b="0" i="0" u="none" strike="noStrike" cap="none" normalizeH="0" baseline="0" dirty="0">
+                <a:ln>
+                  <a:noFill/>
+                </a:ln>
+                <a:solidFill>
+                  <a:srgbClr val="808080"/>
+                </a:solidFill>
+                <a:effectLst/>
+                <a:latin typeface="굴림체" panose="020B0609000101010101" pitchFamily="49" charset="-127"/>
+                <a:ea typeface="굴림체" panose="020B0609000101010101" pitchFamily="49" charset="-127"/>
+              </a:rPr>
+              <a:t> </a:t>
+            </a:r>
+            <a:r>
+              <a:rPr kumimoji="0" lang="ko-KR" altLang="ko-KR" sz="900" b="0" i="0" u="none" strike="noStrike" cap="none" normalizeH="0" baseline="0" dirty="0" err="1">
+                <a:ln>
+                  <a:noFill/>
+                </a:ln>
+                <a:solidFill>
+                  <a:srgbClr val="808080"/>
+                </a:solidFill>
+                <a:effectLst/>
+                <a:latin typeface="굴림체" panose="020B0609000101010101" pitchFamily="49" charset="-127"/>
+                <a:ea typeface="굴림체" panose="020B0609000101010101" pitchFamily="49" charset="-127"/>
+              </a:rPr>
+              <a:t>between</a:t>
+            </a:r>
+            <a:r>
+              <a:rPr kumimoji="0" lang="ko-KR" altLang="ko-KR" sz="900" b="0" i="0" u="none" strike="noStrike" cap="none" normalizeH="0" baseline="0" dirty="0">
+                <a:ln>
+                  <a:noFill/>
+                </a:ln>
+                <a:solidFill>
+                  <a:srgbClr val="808080"/>
+                </a:solidFill>
+                <a:effectLst/>
+                <a:latin typeface="굴림체" panose="020B0609000101010101" pitchFamily="49" charset="-127"/>
+                <a:ea typeface="굴림체" panose="020B0609000101010101" pitchFamily="49" charset="-127"/>
+              </a:rPr>
+              <a:t> </a:t>
+            </a:r>
+            <a:r>
+              <a:rPr kumimoji="0" lang="ko-KR" altLang="ko-KR" sz="900" b="0" i="0" u="none" strike="noStrike" cap="none" normalizeH="0" baseline="0" dirty="0" err="1">
+                <a:ln>
+                  <a:noFill/>
+                </a:ln>
+                <a:solidFill>
+                  <a:srgbClr val="808080"/>
+                </a:solidFill>
+                <a:effectLst/>
+                <a:latin typeface="굴림체" panose="020B0609000101010101" pitchFamily="49" charset="-127"/>
+                <a:ea typeface="굴림체" panose="020B0609000101010101" pitchFamily="49" charset="-127"/>
+              </a:rPr>
+              <a:t>headers</a:t>
+            </a:r>
+            <a:r>
+              <a:rPr kumimoji="0" lang="ko-KR" altLang="ko-KR" sz="900" b="0" i="0" u="none" strike="noStrike" cap="none" normalizeH="0" baseline="0" dirty="0">
+                <a:ln>
+                  <a:noFill/>
+                </a:ln>
+                <a:solidFill>
+                  <a:srgbClr val="808080"/>
+                </a:solidFill>
+                <a:effectLst/>
+                <a:latin typeface="굴림체" panose="020B0609000101010101" pitchFamily="49" charset="-127"/>
+                <a:ea typeface="굴림체" panose="020B0609000101010101" pitchFamily="49" charset="-127"/>
+              </a:rPr>
+              <a:t> and </a:t>
+            </a:r>
+            <a:r>
+              <a:rPr kumimoji="0" lang="ko-KR" altLang="ko-KR" sz="900" b="0" i="0" u="none" strike="noStrike" cap="none" normalizeH="0" baseline="0" dirty="0" err="1">
+                <a:ln>
+                  <a:noFill/>
+                </a:ln>
+                <a:solidFill>
+                  <a:srgbClr val="808080"/>
+                </a:solidFill>
+                <a:effectLst/>
+                <a:latin typeface="굴림체" panose="020B0609000101010101" pitchFamily="49" charset="-127"/>
+                <a:ea typeface="굴림체" panose="020B0609000101010101" pitchFamily="49" charset="-127"/>
+              </a:rPr>
+              <a:t>content</a:t>
+            </a:r>
+            <a:r>
+              <a:rPr kumimoji="0" lang="ko-KR" altLang="ko-KR" sz="900" b="0" i="0" u="none" strike="noStrike" cap="none" normalizeH="0" baseline="0" dirty="0">
+                <a:ln>
+                  <a:noFill/>
+                </a:ln>
+                <a:solidFill>
+                  <a:srgbClr val="808080"/>
+                </a:solidFill>
+                <a:effectLst/>
+                <a:latin typeface="굴림체" panose="020B0609000101010101" pitchFamily="49" charset="-127"/>
+                <a:ea typeface="굴림체" panose="020B0609000101010101" pitchFamily="49" charset="-127"/>
+              </a:rPr>
+              <a:t>, </a:t>
+            </a:r>
+            <a:r>
+              <a:rPr kumimoji="0" lang="ko-KR" altLang="ko-KR" sz="900" b="0" i="0" u="none" strike="noStrike" cap="none" normalizeH="0" baseline="0" dirty="0" err="1">
+                <a:ln>
+                  <a:noFill/>
+                </a:ln>
+                <a:solidFill>
+                  <a:srgbClr val="808080"/>
+                </a:solidFill>
+                <a:effectLst/>
+                <a:latin typeface="굴림체" panose="020B0609000101010101" pitchFamily="49" charset="-127"/>
+                <a:ea typeface="굴림체" panose="020B0609000101010101" pitchFamily="49" charset="-127"/>
+              </a:rPr>
+              <a:t>very</a:t>
+            </a:r>
+            <a:r>
+              <a:rPr kumimoji="0" lang="ko-KR" altLang="ko-KR" sz="900" b="0" i="0" u="none" strike="noStrike" cap="none" normalizeH="0" baseline="0" dirty="0">
+                <a:ln>
+                  <a:noFill/>
+                </a:ln>
+                <a:solidFill>
+                  <a:srgbClr val="808080"/>
+                </a:solidFill>
+                <a:effectLst/>
+                <a:latin typeface="굴림체" panose="020B0609000101010101" pitchFamily="49" charset="-127"/>
+                <a:ea typeface="굴림체" panose="020B0609000101010101" pitchFamily="49" charset="-127"/>
+              </a:rPr>
+              <a:t> </a:t>
+            </a:r>
+            <a:r>
+              <a:rPr kumimoji="0" lang="ko-KR" altLang="ko-KR" sz="900" b="0" i="0" u="none" strike="noStrike" cap="none" normalizeH="0" baseline="0" dirty="0" err="1">
+                <a:ln>
+                  <a:noFill/>
+                </a:ln>
+                <a:solidFill>
+                  <a:srgbClr val="808080"/>
+                </a:solidFill>
+                <a:effectLst/>
+                <a:latin typeface="굴림체" panose="020B0609000101010101" pitchFamily="49" charset="-127"/>
+                <a:ea typeface="굴림체" panose="020B0609000101010101" pitchFamily="49" charset="-127"/>
+              </a:rPr>
+              <a:t>important</a:t>
+            </a:r>
+            <a:r>
+              <a:rPr kumimoji="0" lang="ko-KR" altLang="ko-KR" sz="900" b="0" i="0" u="none" strike="noStrike" cap="none" normalizeH="0" baseline="0" dirty="0">
+                <a:ln>
+                  <a:noFill/>
+                </a:ln>
+                <a:solidFill>
+                  <a:srgbClr val="808080"/>
+                </a:solidFill>
+                <a:effectLst/>
+                <a:latin typeface="굴림체" panose="020B0609000101010101" pitchFamily="49" charset="-127"/>
+                <a:ea typeface="굴림체" panose="020B0609000101010101" pitchFamily="49" charset="-127"/>
+              </a:rPr>
+              <a:t> !</a:t>
+            </a:r>
+            <a:br>
+              <a:rPr kumimoji="0" lang="ko-KR" altLang="ko-KR" sz="900" b="0" i="0" u="none" strike="noStrike" cap="none" normalizeH="0" baseline="0" dirty="0">
+                <a:ln>
+                  <a:noFill/>
+                </a:ln>
+                <a:solidFill>
+                  <a:srgbClr val="808080"/>
+                </a:solidFill>
+                <a:effectLst/>
+                <a:latin typeface="굴림체" panose="020B0609000101010101" pitchFamily="49" charset="-127"/>
+                <a:ea typeface="굴림체" panose="020B0609000101010101" pitchFamily="49" charset="-127"/>
+              </a:rPr>
+            </a:br>
+            <a:r>
+              <a:rPr kumimoji="0" lang="ko-KR" altLang="ko-KR" sz="900" b="0" i="0" u="none" strike="noStrike" cap="none" normalizeH="0" baseline="0" dirty="0">
+                <a:ln>
+                  <a:noFill/>
+                </a:ln>
+                <a:solidFill>
+                  <a:srgbClr val="808080"/>
+                </a:solidFill>
+                <a:effectLst/>
+                <a:latin typeface="굴림체" panose="020B0609000101010101" pitchFamily="49" charset="-127"/>
+                <a:ea typeface="굴림체" panose="020B0609000101010101" pitchFamily="49" charset="-127"/>
+              </a:rPr>
+              <a:t>        </a:t>
+            </a:r>
+            <a:r>
+              <a:rPr kumimoji="0" lang="ko-KR" altLang="ko-KR" sz="900" b="0" i="0" u="none" strike="noStrike" cap="none" normalizeH="0" baseline="0" dirty="0" err="1">
+                <a:ln>
+                  <a:noFill/>
+                </a:ln>
+                <a:solidFill>
+                  <a:srgbClr val="A9B7C6"/>
+                </a:solidFill>
+                <a:effectLst/>
+                <a:latin typeface="굴림체" panose="020B0609000101010101" pitchFamily="49" charset="-127"/>
+                <a:ea typeface="굴림체" panose="020B0609000101010101" pitchFamily="49" charset="-127"/>
+              </a:rPr>
+              <a:t>out.flush</a:t>
+            </a:r>
+            <a:r>
+              <a:rPr kumimoji="0" lang="ko-KR" altLang="ko-KR" sz="900" b="0" i="0" u="none" strike="noStrike" cap="none" normalizeH="0" baseline="0" dirty="0">
+                <a:ln>
+                  <a:noFill/>
+                </a:ln>
+                <a:solidFill>
+                  <a:srgbClr val="A9B7C6"/>
+                </a:solidFill>
+                <a:effectLst/>
+                <a:latin typeface="굴림체" panose="020B0609000101010101" pitchFamily="49" charset="-127"/>
+                <a:ea typeface="굴림체" panose="020B0609000101010101" pitchFamily="49" charset="-127"/>
+              </a:rPr>
+              <a:t>()</a:t>
+            </a:r>
+            <a:r>
+              <a:rPr kumimoji="0" lang="ko-KR" altLang="ko-KR" sz="900" b="0" i="0" u="none" strike="noStrike" cap="none" normalizeH="0" baseline="0" dirty="0">
+                <a:ln>
+                  <a:noFill/>
+                </a:ln>
+                <a:solidFill>
+                  <a:srgbClr val="CC7832"/>
+                </a:solidFill>
+                <a:effectLst/>
+                <a:latin typeface="굴림체" panose="020B0609000101010101" pitchFamily="49" charset="-127"/>
+                <a:ea typeface="굴림체" panose="020B0609000101010101" pitchFamily="49" charset="-127"/>
+              </a:rPr>
+              <a:t>; </a:t>
+            </a:r>
+            <a:r>
+              <a:rPr kumimoji="0" lang="ko-KR" altLang="ko-KR" sz="900" b="0" i="0" u="none" strike="noStrike" cap="none" normalizeH="0" baseline="0" dirty="0">
+                <a:ln>
+                  <a:noFill/>
+                </a:ln>
+                <a:solidFill>
+                  <a:srgbClr val="808080"/>
+                </a:solidFill>
+                <a:effectLst/>
+                <a:latin typeface="굴림체" panose="020B0609000101010101" pitchFamily="49" charset="-127"/>
+                <a:ea typeface="굴림체" panose="020B0609000101010101" pitchFamily="49" charset="-127"/>
+              </a:rPr>
+              <a:t>// </a:t>
+            </a:r>
+            <a:r>
+              <a:rPr kumimoji="0" lang="ko-KR" altLang="ko-KR" sz="900" b="0" i="0" u="none" strike="noStrike" cap="none" normalizeH="0" baseline="0" dirty="0" err="1">
+                <a:ln>
+                  <a:noFill/>
+                </a:ln>
+                <a:solidFill>
+                  <a:srgbClr val="808080"/>
+                </a:solidFill>
+                <a:effectLst/>
+                <a:latin typeface="굴림체" panose="020B0609000101010101" pitchFamily="49" charset="-127"/>
+                <a:ea typeface="굴림체" panose="020B0609000101010101" pitchFamily="49" charset="-127"/>
+              </a:rPr>
+              <a:t>flush</a:t>
+            </a:r>
+            <a:r>
+              <a:rPr kumimoji="0" lang="ko-KR" altLang="ko-KR" sz="900" b="0" i="0" u="none" strike="noStrike" cap="none" normalizeH="0" baseline="0" dirty="0">
+                <a:ln>
+                  <a:noFill/>
+                </a:ln>
+                <a:solidFill>
+                  <a:srgbClr val="808080"/>
+                </a:solidFill>
+                <a:effectLst/>
+                <a:latin typeface="굴림체" panose="020B0609000101010101" pitchFamily="49" charset="-127"/>
+                <a:ea typeface="굴림체" panose="020B0609000101010101" pitchFamily="49" charset="-127"/>
+              </a:rPr>
+              <a:t> </a:t>
+            </a:r>
+            <a:r>
+              <a:rPr kumimoji="0" lang="ko-KR" altLang="ko-KR" sz="900" b="0" i="0" u="none" strike="noStrike" cap="none" normalizeH="0" baseline="0" dirty="0" err="1">
+                <a:ln>
+                  <a:noFill/>
+                </a:ln>
+                <a:solidFill>
+                  <a:srgbClr val="808080"/>
+                </a:solidFill>
+                <a:effectLst/>
+                <a:latin typeface="굴림체" panose="020B0609000101010101" pitchFamily="49" charset="-127"/>
+                <a:ea typeface="굴림체" panose="020B0609000101010101" pitchFamily="49" charset="-127"/>
+              </a:rPr>
+              <a:t>character</a:t>
+            </a:r>
+            <a:r>
+              <a:rPr kumimoji="0" lang="ko-KR" altLang="ko-KR" sz="900" b="0" i="0" u="none" strike="noStrike" cap="none" normalizeH="0" baseline="0" dirty="0">
+                <a:ln>
+                  <a:noFill/>
+                </a:ln>
+                <a:solidFill>
+                  <a:srgbClr val="808080"/>
+                </a:solidFill>
+                <a:effectLst/>
+                <a:latin typeface="굴림체" panose="020B0609000101010101" pitchFamily="49" charset="-127"/>
+                <a:ea typeface="굴림체" panose="020B0609000101010101" pitchFamily="49" charset="-127"/>
+              </a:rPr>
+              <a:t> </a:t>
+            </a:r>
+            <a:r>
+              <a:rPr kumimoji="0" lang="ko-KR" altLang="ko-KR" sz="900" b="0" i="0" u="none" strike="noStrike" cap="none" normalizeH="0" baseline="0" dirty="0" err="1">
+                <a:ln>
+                  <a:noFill/>
+                </a:ln>
+                <a:solidFill>
+                  <a:srgbClr val="808080"/>
+                </a:solidFill>
+                <a:effectLst/>
+                <a:latin typeface="굴림체" panose="020B0609000101010101" pitchFamily="49" charset="-127"/>
+                <a:ea typeface="굴림체" panose="020B0609000101010101" pitchFamily="49" charset="-127"/>
+              </a:rPr>
+              <a:t>output</a:t>
+            </a:r>
+            <a:r>
+              <a:rPr kumimoji="0" lang="ko-KR" altLang="ko-KR" sz="900" b="0" i="0" u="none" strike="noStrike" cap="none" normalizeH="0" baseline="0" dirty="0">
+                <a:ln>
+                  <a:noFill/>
+                </a:ln>
+                <a:solidFill>
+                  <a:srgbClr val="808080"/>
+                </a:solidFill>
+                <a:effectLst/>
+                <a:latin typeface="굴림체" panose="020B0609000101010101" pitchFamily="49" charset="-127"/>
+                <a:ea typeface="굴림체" panose="020B0609000101010101" pitchFamily="49" charset="-127"/>
+              </a:rPr>
+              <a:t> </a:t>
+            </a:r>
+            <a:r>
+              <a:rPr kumimoji="0" lang="ko-KR" altLang="ko-KR" sz="900" b="0" i="0" u="none" strike="noStrike" cap="none" normalizeH="0" baseline="0" dirty="0" err="1">
+                <a:ln>
+                  <a:noFill/>
+                </a:ln>
+                <a:solidFill>
+                  <a:srgbClr val="808080"/>
+                </a:solidFill>
+                <a:effectLst/>
+                <a:latin typeface="굴림체" panose="020B0609000101010101" pitchFamily="49" charset="-127"/>
+                <a:ea typeface="굴림체" panose="020B0609000101010101" pitchFamily="49" charset="-127"/>
+              </a:rPr>
+              <a:t>stream</a:t>
+            </a:r>
+            <a:r>
+              <a:rPr kumimoji="0" lang="ko-KR" altLang="ko-KR" sz="900" b="0" i="0" u="none" strike="noStrike" cap="none" normalizeH="0" baseline="0" dirty="0">
+                <a:ln>
+                  <a:noFill/>
+                </a:ln>
+                <a:solidFill>
+                  <a:srgbClr val="808080"/>
+                </a:solidFill>
+                <a:effectLst/>
+                <a:latin typeface="굴림체" panose="020B0609000101010101" pitchFamily="49" charset="-127"/>
+                <a:ea typeface="굴림체" panose="020B0609000101010101" pitchFamily="49" charset="-127"/>
+              </a:rPr>
+              <a:t> </a:t>
+            </a:r>
+            <a:r>
+              <a:rPr kumimoji="0" lang="ko-KR" altLang="ko-KR" sz="900" b="0" i="0" u="none" strike="noStrike" cap="none" normalizeH="0" baseline="0" dirty="0" err="1">
+                <a:ln>
+                  <a:noFill/>
+                </a:ln>
+                <a:solidFill>
+                  <a:srgbClr val="808080"/>
+                </a:solidFill>
+                <a:effectLst/>
+                <a:latin typeface="굴림체" panose="020B0609000101010101" pitchFamily="49" charset="-127"/>
+                <a:ea typeface="굴림체" panose="020B0609000101010101" pitchFamily="49" charset="-127"/>
+              </a:rPr>
+              <a:t>buffer</a:t>
+            </a:r>
+            <a:br>
+              <a:rPr kumimoji="0" lang="ko-KR" altLang="ko-KR" sz="900" b="0" i="0" u="none" strike="noStrike" cap="none" normalizeH="0" baseline="0" dirty="0">
+                <a:ln>
+                  <a:noFill/>
+                </a:ln>
+                <a:solidFill>
+                  <a:srgbClr val="808080"/>
+                </a:solidFill>
+                <a:effectLst/>
+                <a:latin typeface="굴림체" panose="020B0609000101010101" pitchFamily="49" charset="-127"/>
+                <a:ea typeface="굴림체" panose="020B0609000101010101" pitchFamily="49" charset="-127"/>
+              </a:rPr>
+            </a:br>
+            <a:br>
+              <a:rPr kumimoji="0" lang="ko-KR" altLang="ko-KR" sz="900" b="0" i="0" u="none" strike="noStrike" cap="none" normalizeH="0" baseline="0" dirty="0">
+                <a:ln>
+                  <a:noFill/>
+                </a:ln>
+                <a:solidFill>
+                  <a:srgbClr val="808080"/>
+                </a:solidFill>
+                <a:effectLst/>
+                <a:latin typeface="굴림체" panose="020B0609000101010101" pitchFamily="49" charset="-127"/>
+                <a:ea typeface="굴림체" panose="020B0609000101010101" pitchFamily="49" charset="-127"/>
+              </a:rPr>
+            </a:br>
+            <a:r>
+              <a:rPr kumimoji="0" lang="ko-KR" altLang="ko-KR" sz="900" b="0" i="0" u="none" strike="noStrike" cap="none" normalizeH="0" baseline="0" dirty="0">
+                <a:ln>
+                  <a:noFill/>
+                </a:ln>
+                <a:solidFill>
+                  <a:srgbClr val="808080"/>
+                </a:solidFill>
+                <a:effectLst/>
+                <a:latin typeface="굴림체" panose="020B0609000101010101" pitchFamily="49" charset="-127"/>
+                <a:ea typeface="굴림체" panose="020B0609000101010101" pitchFamily="49" charset="-127"/>
+              </a:rPr>
+              <a:t>        </a:t>
+            </a:r>
+            <a:r>
+              <a:rPr kumimoji="0" lang="ko-KR" altLang="ko-KR" sz="900" b="0" i="0" u="none" strike="noStrike" cap="none" normalizeH="0" baseline="0" dirty="0" err="1">
+                <a:ln>
+                  <a:noFill/>
+                </a:ln>
+                <a:solidFill>
+                  <a:srgbClr val="A9B7C6"/>
+                </a:solidFill>
+                <a:effectLst/>
+                <a:latin typeface="굴림체" panose="020B0609000101010101" pitchFamily="49" charset="-127"/>
+                <a:ea typeface="굴림체" panose="020B0609000101010101" pitchFamily="49" charset="-127"/>
+              </a:rPr>
+              <a:t>dataOut.write</a:t>
+            </a:r>
+            <a:r>
+              <a:rPr kumimoji="0" lang="ko-KR" altLang="ko-KR" sz="900" b="0" i="0" u="none" strike="noStrike" cap="none" normalizeH="0" baseline="0" dirty="0">
+                <a:ln>
+                  <a:noFill/>
+                </a:ln>
+                <a:solidFill>
+                  <a:srgbClr val="A9B7C6"/>
+                </a:solidFill>
+                <a:effectLst/>
+                <a:latin typeface="굴림체" panose="020B0609000101010101" pitchFamily="49" charset="-127"/>
+                <a:ea typeface="굴림체" panose="020B0609000101010101" pitchFamily="49" charset="-127"/>
+              </a:rPr>
+              <a:t>(</a:t>
+            </a:r>
+            <a:r>
+              <a:rPr kumimoji="0" lang="ko-KR" altLang="ko-KR" sz="900" b="0" i="0" u="none" strike="noStrike" cap="none" normalizeH="0" baseline="0" dirty="0" err="1">
+                <a:ln>
+                  <a:noFill/>
+                </a:ln>
+                <a:solidFill>
+                  <a:srgbClr val="A9B7C6"/>
+                </a:solidFill>
+                <a:effectLst/>
+                <a:latin typeface="굴림체" panose="020B0609000101010101" pitchFamily="49" charset="-127"/>
+                <a:ea typeface="굴림체" panose="020B0609000101010101" pitchFamily="49" charset="-127"/>
+              </a:rPr>
+              <a:t>contentBytes</a:t>
+            </a:r>
+            <a:r>
+              <a:rPr kumimoji="0" lang="ko-KR" altLang="ko-KR" sz="900" b="0" i="0" u="none" strike="noStrike" cap="none" normalizeH="0" baseline="0" dirty="0">
+                <a:ln>
+                  <a:noFill/>
+                </a:ln>
+                <a:solidFill>
+                  <a:srgbClr val="CC7832"/>
+                </a:solidFill>
+                <a:effectLst/>
+                <a:latin typeface="굴림체" panose="020B0609000101010101" pitchFamily="49" charset="-127"/>
+                <a:ea typeface="굴림체" panose="020B0609000101010101" pitchFamily="49" charset="-127"/>
+              </a:rPr>
+              <a:t>, </a:t>
+            </a:r>
+            <a:r>
+              <a:rPr kumimoji="0" lang="ko-KR" altLang="ko-KR" sz="900" b="0" i="0" u="none" strike="noStrike" cap="none" normalizeH="0" baseline="0" dirty="0">
+                <a:ln>
+                  <a:noFill/>
+                </a:ln>
+                <a:solidFill>
+                  <a:srgbClr val="6897BB"/>
+                </a:solidFill>
+                <a:effectLst/>
+                <a:latin typeface="굴림체" panose="020B0609000101010101" pitchFamily="49" charset="-127"/>
+                <a:ea typeface="굴림체" panose="020B0609000101010101" pitchFamily="49" charset="-127"/>
+              </a:rPr>
+              <a:t>0</a:t>
+            </a:r>
+            <a:r>
+              <a:rPr kumimoji="0" lang="ko-KR" altLang="ko-KR" sz="900" b="0" i="0" u="none" strike="noStrike" cap="none" normalizeH="0" baseline="0" dirty="0">
+                <a:ln>
+                  <a:noFill/>
+                </a:ln>
+                <a:solidFill>
+                  <a:srgbClr val="CC7832"/>
+                </a:solidFill>
+                <a:effectLst/>
+                <a:latin typeface="굴림체" panose="020B0609000101010101" pitchFamily="49" charset="-127"/>
+                <a:ea typeface="굴림체" panose="020B0609000101010101" pitchFamily="49" charset="-127"/>
+              </a:rPr>
+              <a:t>, </a:t>
+            </a:r>
+            <a:r>
+              <a:rPr kumimoji="0" lang="ko-KR" altLang="ko-KR" sz="900" b="0" i="0" u="none" strike="noStrike" cap="none" normalizeH="0" baseline="0" dirty="0" err="1">
+                <a:ln>
+                  <a:noFill/>
+                </a:ln>
+                <a:solidFill>
+                  <a:srgbClr val="A9B7C6"/>
+                </a:solidFill>
+                <a:effectLst/>
+                <a:latin typeface="굴림체" panose="020B0609000101010101" pitchFamily="49" charset="-127"/>
+                <a:ea typeface="굴림체" panose="020B0609000101010101" pitchFamily="49" charset="-127"/>
+              </a:rPr>
+              <a:t>contentLength</a:t>
+            </a:r>
+            <a:r>
+              <a:rPr kumimoji="0" lang="ko-KR" altLang="ko-KR" sz="900" b="0" i="0" u="none" strike="noStrike" cap="none" normalizeH="0" baseline="0" dirty="0">
+                <a:ln>
+                  <a:noFill/>
+                </a:ln>
+                <a:solidFill>
+                  <a:srgbClr val="A9B7C6"/>
+                </a:solidFill>
+                <a:effectLst/>
+                <a:latin typeface="굴림체" panose="020B0609000101010101" pitchFamily="49" charset="-127"/>
+                <a:ea typeface="굴림체" panose="020B0609000101010101" pitchFamily="49" charset="-127"/>
+              </a:rPr>
+              <a:t>)</a:t>
+            </a:r>
+            <a:r>
+              <a:rPr kumimoji="0" lang="ko-KR" altLang="ko-KR" sz="900" b="0" i="0" u="none" strike="noStrike" cap="none" normalizeH="0" baseline="0" dirty="0">
+                <a:ln>
+                  <a:noFill/>
+                </a:ln>
+                <a:solidFill>
+                  <a:srgbClr val="CC7832"/>
+                </a:solidFill>
+                <a:effectLst/>
+                <a:latin typeface="굴림체" panose="020B0609000101010101" pitchFamily="49" charset="-127"/>
+                <a:ea typeface="굴림체" panose="020B0609000101010101" pitchFamily="49" charset="-127"/>
+              </a:rPr>
+              <a:t>;</a:t>
+            </a:r>
+            <a:br>
+              <a:rPr kumimoji="0" lang="ko-KR" altLang="ko-KR" sz="900" b="0" i="0" u="none" strike="noStrike" cap="none" normalizeH="0" baseline="0" dirty="0">
+                <a:ln>
+                  <a:noFill/>
+                </a:ln>
+                <a:solidFill>
+                  <a:srgbClr val="CC7832"/>
+                </a:solidFill>
+                <a:effectLst/>
+                <a:latin typeface="굴림체" panose="020B0609000101010101" pitchFamily="49" charset="-127"/>
+                <a:ea typeface="굴림체" panose="020B0609000101010101" pitchFamily="49" charset="-127"/>
+              </a:rPr>
+            </a:br>
+            <a:r>
+              <a:rPr kumimoji="0" lang="ko-KR" altLang="ko-KR" sz="900" b="0" i="0" u="none" strike="noStrike" cap="none" normalizeH="0" baseline="0" dirty="0">
+                <a:ln>
+                  <a:noFill/>
+                </a:ln>
+                <a:solidFill>
+                  <a:srgbClr val="CC7832"/>
+                </a:solidFill>
+                <a:effectLst/>
+                <a:latin typeface="굴림체" panose="020B0609000101010101" pitchFamily="49" charset="-127"/>
+                <a:ea typeface="굴림체" panose="020B0609000101010101" pitchFamily="49" charset="-127"/>
+              </a:rPr>
+              <a:t>        </a:t>
+            </a:r>
+            <a:r>
+              <a:rPr kumimoji="0" lang="ko-KR" altLang="ko-KR" sz="900" b="0" i="0" u="none" strike="noStrike" cap="none" normalizeH="0" baseline="0" dirty="0" err="1">
+                <a:ln>
+                  <a:noFill/>
+                </a:ln>
+                <a:solidFill>
+                  <a:srgbClr val="A9B7C6"/>
+                </a:solidFill>
+                <a:effectLst/>
+                <a:latin typeface="굴림체" panose="020B0609000101010101" pitchFamily="49" charset="-127"/>
+                <a:ea typeface="굴림체" panose="020B0609000101010101" pitchFamily="49" charset="-127"/>
+              </a:rPr>
+              <a:t>dataOut.flush</a:t>
+            </a:r>
+            <a:r>
+              <a:rPr kumimoji="0" lang="ko-KR" altLang="ko-KR" sz="900" b="0" i="0" u="none" strike="noStrike" cap="none" normalizeH="0" baseline="0" dirty="0">
+                <a:ln>
+                  <a:noFill/>
+                </a:ln>
+                <a:solidFill>
+                  <a:srgbClr val="A9B7C6"/>
+                </a:solidFill>
+                <a:effectLst/>
+                <a:latin typeface="굴림체" panose="020B0609000101010101" pitchFamily="49" charset="-127"/>
+                <a:ea typeface="굴림체" panose="020B0609000101010101" pitchFamily="49" charset="-127"/>
+              </a:rPr>
+              <a:t>()</a:t>
+            </a:r>
+            <a:r>
+              <a:rPr kumimoji="0" lang="ko-KR" altLang="ko-KR" sz="900" b="0" i="0" u="none" strike="noStrike" cap="none" normalizeH="0" baseline="0" dirty="0">
+                <a:ln>
+                  <a:noFill/>
+                </a:ln>
+                <a:solidFill>
+                  <a:srgbClr val="CC7832"/>
+                </a:solidFill>
+                <a:effectLst/>
+                <a:latin typeface="굴림체" panose="020B0609000101010101" pitchFamily="49" charset="-127"/>
+                <a:ea typeface="굴림체" panose="020B0609000101010101" pitchFamily="49" charset="-127"/>
+              </a:rPr>
+              <a:t>;</a:t>
+            </a:r>
+            <a:br>
+              <a:rPr kumimoji="0" lang="ko-KR" altLang="ko-KR" sz="900" b="0" i="0" u="none" strike="noStrike" cap="none" normalizeH="0" baseline="0" dirty="0">
+                <a:ln>
+                  <a:noFill/>
+                </a:ln>
+                <a:solidFill>
+                  <a:srgbClr val="CC7832"/>
+                </a:solidFill>
+                <a:effectLst/>
+                <a:latin typeface="굴림체" panose="020B0609000101010101" pitchFamily="49" charset="-127"/>
+                <a:ea typeface="굴림체" panose="020B0609000101010101" pitchFamily="49" charset="-127"/>
+              </a:rPr>
+            </a:br>
+            <a:r>
+              <a:rPr kumimoji="0" lang="ko-KR" altLang="ko-KR" sz="900" b="0" i="0" u="none" strike="noStrike" cap="none" normalizeH="0" baseline="0" dirty="0">
+                <a:ln>
+                  <a:noFill/>
+                </a:ln>
+                <a:solidFill>
+                  <a:srgbClr val="CC7832"/>
+                </a:solidFill>
+                <a:effectLst/>
+                <a:latin typeface="굴림체" panose="020B0609000101010101" pitchFamily="49" charset="-127"/>
+                <a:ea typeface="굴림체" panose="020B0609000101010101" pitchFamily="49" charset="-127"/>
+              </a:rPr>
+              <a:t>    </a:t>
+            </a:r>
+            <a:r>
+              <a:rPr kumimoji="0" lang="ko-KR" altLang="ko-KR" sz="900" b="0" i="0" u="none" strike="noStrike" cap="none" normalizeH="0" baseline="0" dirty="0">
+                <a:ln>
+                  <a:noFill/>
+                </a:ln>
+                <a:solidFill>
+                  <a:srgbClr val="A9B7C6"/>
+                </a:solidFill>
+                <a:effectLst/>
+                <a:latin typeface="굴림체" panose="020B0609000101010101" pitchFamily="49" charset="-127"/>
+                <a:ea typeface="굴림체" panose="020B0609000101010101" pitchFamily="49" charset="-127"/>
+              </a:rPr>
+              <a:t>}</a:t>
+            </a:r>
+            <a:br>
+              <a:rPr kumimoji="0" lang="ko-KR" altLang="ko-KR" sz="900" b="0" i="0" u="none" strike="noStrike" cap="none" normalizeH="0" baseline="0" dirty="0">
+                <a:ln>
+                  <a:noFill/>
+                </a:ln>
+                <a:solidFill>
+                  <a:srgbClr val="A9B7C6"/>
+                </a:solidFill>
+                <a:effectLst/>
+                <a:latin typeface="굴림체" panose="020B0609000101010101" pitchFamily="49" charset="-127"/>
+                <a:ea typeface="굴림체" panose="020B0609000101010101" pitchFamily="49" charset="-127"/>
+              </a:rPr>
+            </a:br>
+            <a:r>
+              <a:rPr kumimoji="0" lang="ko-KR" altLang="ko-KR" sz="900" b="0" i="0" u="none" strike="noStrike" cap="none" normalizeH="0" baseline="0" dirty="0">
+                <a:ln>
+                  <a:noFill/>
+                </a:ln>
+                <a:solidFill>
+                  <a:srgbClr val="A9B7C6"/>
+                </a:solidFill>
+                <a:effectLst/>
+                <a:latin typeface="굴림체" panose="020B0609000101010101" pitchFamily="49" charset="-127"/>
+                <a:ea typeface="굴림체" panose="020B0609000101010101" pitchFamily="49" charset="-127"/>
+              </a:rPr>
+              <a:t>}</a:t>
+            </a:r>
+            <a:endParaRPr kumimoji="0" lang="ko-KR" altLang="ko-KR" sz="1800" b="0" i="0" u="none" strike="noStrike" cap="none" normalizeH="0" baseline="0" dirty="0">
+              <a:ln>
+                <a:noFill/>
+              </a:ln>
+              <a:solidFill>
+                <a:schemeClr val="tx1"/>
+              </a:solidFill>
+              <a:effectLst/>
+              <a:latin typeface="Arial" panose="020B0604020202020204" pitchFamily="34" charset="0"/>
+            </a:endParaRPr>
+          </a:p>
+        </p:txBody>
+      </p:sp>
+    </p:spTree>
+    <p:extLst>
+      <p:ext uri="{BB962C8B-B14F-4D97-AF65-F5344CB8AC3E}">
+        <p14:creationId xmlns:p14="http://schemas.microsoft.com/office/powerpoint/2010/main" val="2472460104"/>
+      </p:ext>
+    </p:extLst>
+  </p:cSld>
+  <p:clrMapOvr>
+    <a:masterClrMapping/>
+  </p:clrMapOvr>
+</p:sld>
+</file>
+
+<file path=ppt/slides/slide13.xml><?xml version="1.0" encoding="utf-8"?>
+<p:sld xmlns:a="http://schemas.openxmlformats.org/drawingml/2006/main" xmlns:r="http://schemas.openxmlformats.org/officeDocument/2006/relationships" xmlns:p="http://schemas.openxmlformats.org/presentationml/2006/main">
+  <p:cSld>
+    <p:spTree>
+      <p:nvGrpSpPr>
+        <p:cNvPr id="1" name=""/>
+        <p:cNvGrpSpPr/>
+        <p:nvPr/>
+      </p:nvGrpSpPr>
+      <p:grpSpPr>
+        <a:xfrm>
+          <a:off x="0" y="0"/>
+          <a:ext cx="0" cy="0"/>
+          <a:chOff x="0" y="0"/>
+          <a:chExt cx="0" cy="0"/>
+        </a:xfrm>
+      </p:grpSpPr>
+      <p:sp>
+        <p:nvSpPr>
+          <p:cNvPr id="4" name="Rectangle 4">
+            <a:extLst>
+              <a:ext uri="{FF2B5EF4-FFF2-40B4-BE49-F238E27FC236}">
+                <a16:creationId xmlns:a16="http://schemas.microsoft.com/office/drawing/2014/main" id="{A199BA3A-2058-4CB0-85C9-2FEBC2E1E843}"/>
+              </a:ext>
+            </a:extLst>
+          </p:cNvPr>
+          <p:cNvSpPr>
+            <a:spLocks noChangeArrowheads="1"/>
+          </p:cNvSpPr>
+          <p:nvPr/>
+        </p:nvSpPr>
+        <p:spPr bwMode="auto">
+          <a:xfrm>
+            <a:off x="276838" y="749206"/>
+            <a:ext cx="7222921" cy="5493812"/>
+          </a:xfrm>
+          <a:prstGeom prst="rect">
+            <a:avLst/>
+          </a:prstGeom>
+          <a:solidFill>
+            <a:srgbClr val="2B2B2B"/>
+          </a:solidFill>
+          <a:ln>
+            <a:noFill/>
+          </a:ln>
+          <a:effectLst/>
+          <a:extLst>
+            <a:ext uri="{91240B29-F687-4F45-9708-019B960494DF}">
+              <a14:hiddenLine xmlns:a14="http://schemas.microsoft.com/office/drawing/2010/main" w="9525">
+                <a:solidFill>
+                  <a:schemeClr val="tx1"/>
+                </a:solidFill>
+                <a:miter lim="800000"/>
+                <a:headEnd/>
+                <a:tailEnd/>
+              </a14:hiddenLine>
+            </a:ext>
+            <a:ext uri="{AF507438-7753-43E0-B8FC-AC1667EBCBE1}">
+              <a14:hiddenEffects xmlns:a14="http://schemas.microsoft.com/office/drawing/2010/main">
+                <a:effectLst>
+                  <a:outerShdw dist="35921" dir="2700000" algn="ctr" rotWithShape="0">
+                    <a:schemeClr val="bg2"/>
+                  </a:outerShdw>
+                </a:effectLst>
+              </a14:hiddenEffects>
+            </a:ext>
+          </a:extLst>
+        </p:spPr>
+        <p:txBody>
+          <a:bodyPr vert="horz" wrap="square" lIns="91440" tIns="45720" rIns="91440" bIns="45720" numCol="1" anchor="ctr" anchorCtr="0" compatLnSpc="1">
+            <a:prstTxWarp prst="textNoShape">
+              <a:avLst/>
+            </a:prstTxWarp>
+            <a:spAutoFit/>
+          </a:bodyPr>
+          <a:lstStyle/>
+          <a:p>
+            <a:pPr marL="0" marR="0" lvl="0" indent="0" algn="l" defTabSz="914400" rtl="0" eaLnBrk="0" fontAlgn="base" latinLnBrk="0" hangingPunct="0">
+              <a:lnSpc>
+                <a:spcPct val="100000"/>
+              </a:lnSpc>
+              <a:spcBef>
+                <a:spcPct val="0"/>
+              </a:spcBef>
+              <a:spcAft>
+                <a:spcPct val="0"/>
+              </a:spcAft>
+              <a:buClrTx/>
+              <a:buSzTx/>
+              <a:buFontTx/>
+              <a:buNone/>
+              <a:tabLst/>
+            </a:pPr>
+            <a:r>
+              <a:rPr kumimoji="0" lang="ko-KR" altLang="ko-KR" sz="900" b="0" i="0" u="none" strike="noStrike" cap="none" normalizeH="0" baseline="0" dirty="0" err="1">
+                <a:ln>
+                  <a:noFill/>
+                </a:ln>
+                <a:solidFill>
+                  <a:srgbClr val="CC7832"/>
+                </a:solidFill>
+                <a:effectLst/>
+                <a:latin typeface="굴림체" panose="020B0609000101010101" pitchFamily="49" charset="-127"/>
+                <a:ea typeface="굴림체" panose="020B0609000101010101" pitchFamily="49" charset="-127"/>
+              </a:rPr>
+              <a:t>import</a:t>
+            </a:r>
+            <a:r>
+              <a:rPr kumimoji="0" lang="ko-KR" altLang="ko-KR" sz="900" b="0" i="0" u="none" strike="noStrike" cap="none" normalizeH="0" baseline="0" dirty="0">
+                <a:ln>
+                  <a:noFill/>
+                </a:ln>
+                <a:solidFill>
+                  <a:srgbClr val="CC7832"/>
+                </a:solidFill>
+                <a:effectLst/>
+                <a:latin typeface="굴림체" panose="020B0609000101010101" pitchFamily="49" charset="-127"/>
+                <a:ea typeface="굴림체" panose="020B0609000101010101" pitchFamily="49" charset="-127"/>
+              </a:rPr>
+              <a:t> </a:t>
+            </a:r>
+            <a:r>
+              <a:rPr kumimoji="0" lang="ko-KR" altLang="ko-KR" sz="900" b="0" i="0" u="none" strike="noStrike" cap="none" normalizeH="0" baseline="0" dirty="0" err="1">
+                <a:ln>
+                  <a:noFill/>
+                </a:ln>
+                <a:solidFill>
+                  <a:srgbClr val="A9B7C6"/>
+                </a:solidFill>
+                <a:effectLst/>
+                <a:latin typeface="굴림체" panose="020B0609000101010101" pitchFamily="49" charset="-127"/>
+                <a:ea typeface="굴림체" panose="020B0609000101010101" pitchFamily="49" charset="-127"/>
+              </a:rPr>
+              <a:t>org.junit.Assert</a:t>
+            </a:r>
+            <a:r>
+              <a:rPr kumimoji="0" lang="ko-KR" altLang="ko-KR" sz="900" b="0" i="0" u="none" strike="noStrike" cap="none" normalizeH="0" baseline="0" dirty="0">
+                <a:ln>
+                  <a:noFill/>
+                </a:ln>
+                <a:solidFill>
+                  <a:srgbClr val="CC7832"/>
+                </a:solidFill>
+                <a:effectLst/>
+                <a:latin typeface="굴림체" panose="020B0609000101010101" pitchFamily="49" charset="-127"/>
+                <a:ea typeface="굴림체" panose="020B0609000101010101" pitchFamily="49" charset="-127"/>
+              </a:rPr>
+              <a:t>;</a:t>
+            </a:r>
+            <a:br>
+              <a:rPr kumimoji="0" lang="ko-KR" altLang="ko-KR" sz="900" b="0" i="0" u="none" strike="noStrike" cap="none" normalizeH="0" baseline="0" dirty="0">
+                <a:ln>
+                  <a:noFill/>
+                </a:ln>
+                <a:solidFill>
+                  <a:srgbClr val="CC7832"/>
+                </a:solidFill>
+                <a:effectLst/>
+                <a:latin typeface="굴림체" panose="020B0609000101010101" pitchFamily="49" charset="-127"/>
+                <a:ea typeface="굴림체" panose="020B0609000101010101" pitchFamily="49" charset="-127"/>
+              </a:rPr>
+            </a:br>
+            <a:r>
+              <a:rPr kumimoji="0" lang="ko-KR" altLang="ko-KR" sz="900" b="0" i="0" u="none" strike="noStrike" cap="none" normalizeH="0" baseline="0" dirty="0" err="1">
+                <a:ln>
+                  <a:noFill/>
+                </a:ln>
+                <a:solidFill>
+                  <a:srgbClr val="CC7832"/>
+                </a:solidFill>
+                <a:effectLst/>
+                <a:latin typeface="굴림체" panose="020B0609000101010101" pitchFamily="49" charset="-127"/>
+                <a:ea typeface="굴림체" panose="020B0609000101010101" pitchFamily="49" charset="-127"/>
+              </a:rPr>
+              <a:t>import</a:t>
+            </a:r>
+            <a:r>
+              <a:rPr kumimoji="0" lang="ko-KR" altLang="ko-KR" sz="900" b="0" i="0" u="none" strike="noStrike" cap="none" normalizeH="0" baseline="0" dirty="0">
+                <a:ln>
+                  <a:noFill/>
+                </a:ln>
+                <a:solidFill>
+                  <a:srgbClr val="CC7832"/>
+                </a:solidFill>
+                <a:effectLst/>
+                <a:latin typeface="굴림체" panose="020B0609000101010101" pitchFamily="49" charset="-127"/>
+                <a:ea typeface="굴림체" panose="020B0609000101010101" pitchFamily="49" charset="-127"/>
+              </a:rPr>
+              <a:t> </a:t>
+            </a:r>
+            <a:r>
+              <a:rPr kumimoji="0" lang="ko-KR" altLang="ko-KR" sz="900" b="0" i="0" u="none" strike="noStrike" cap="none" normalizeH="0" baseline="0" dirty="0" err="1">
+                <a:ln>
+                  <a:noFill/>
+                </a:ln>
+                <a:solidFill>
+                  <a:srgbClr val="A9B7C6"/>
+                </a:solidFill>
+                <a:effectLst/>
+                <a:latin typeface="굴림체" panose="020B0609000101010101" pitchFamily="49" charset="-127"/>
+                <a:ea typeface="굴림체" panose="020B0609000101010101" pitchFamily="49" charset="-127"/>
+              </a:rPr>
+              <a:t>org.junit.</a:t>
+            </a:r>
+            <a:r>
+              <a:rPr kumimoji="0" lang="ko-KR" altLang="ko-KR" sz="900" b="0" i="0" u="none" strike="noStrike" cap="none" normalizeH="0" baseline="0" dirty="0" err="1">
+                <a:ln>
+                  <a:noFill/>
+                </a:ln>
+                <a:solidFill>
+                  <a:srgbClr val="BBB529"/>
+                </a:solidFill>
+                <a:effectLst/>
+                <a:latin typeface="굴림체" panose="020B0609000101010101" pitchFamily="49" charset="-127"/>
+                <a:ea typeface="굴림체" panose="020B0609000101010101" pitchFamily="49" charset="-127"/>
+              </a:rPr>
+              <a:t>Test</a:t>
+            </a:r>
+            <a:r>
+              <a:rPr kumimoji="0" lang="ko-KR" altLang="ko-KR" sz="900" b="0" i="0" u="none" strike="noStrike" cap="none" normalizeH="0" baseline="0" dirty="0">
+                <a:ln>
+                  <a:noFill/>
+                </a:ln>
+                <a:solidFill>
+                  <a:srgbClr val="CC7832"/>
+                </a:solidFill>
+                <a:effectLst/>
+                <a:latin typeface="굴림체" panose="020B0609000101010101" pitchFamily="49" charset="-127"/>
+                <a:ea typeface="굴림체" panose="020B0609000101010101" pitchFamily="49" charset="-127"/>
+              </a:rPr>
+              <a:t>;</a:t>
+            </a:r>
+            <a:br>
+              <a:rPr kumimoji="0" lang="ko-KR" altLang="ko-KR" sz="900" b="0" i="0" u="none" strike="noStrike" cap="none" normalizeH="0" baseline="0" dirty="0">
+                <a:ln>
+                  <a:noFill/>
+                </a:ln>
+                <a:solidFill>
+                  <a:srgbClr val="CC7832"/>
+                </a:solidFill>
+                <a:effectLst/>
+                <a:latin typeface="굴림체" panose="020B0609000101010101" pitchFamily="49" charset="-127"/>
+                <a:ea typeface="굴림체" panose="020B0609000101010101" pitchFamily="49" charset="-127"/>
+              </a:rPr>
+            </a:br>
+            <a:br>
+              <a:rPr kumimoji="0" lang="ko-KR" altLang="ko-KR" sz="900" b="0" i="0" u="none" strike="noStrike" cap="none" normalizeH="0" baseline="0" dirty="0">
+                <a:ln>
+                  <a:noFill/>
+                </a:ln>
+                <a:solidFill>
+                  <a:srgbClr val="CC7832"/>
+                </a:solidFill>
+                <a:effectLst/>
+                <a:latin typeface="굴림체" panose="020B0609000101010101" pitchFamily="49" charset="-127"/>
+                <a:ea typeface="굴림체" panose="020B0609000101010101" pitchFamily="49" charset="-127"/>
+              </a:rPr>
+            </a:br>
+            <a:r>
+              <a:rPr kumimoji="0" lang="ko-KR" altLang="ko-KR" sz="900" b="0" i="0" u="none" strike="noStrike" cap="none" normalizeH="0" baseline="0" dirty="0" err="1">
+                <a:ln>
+                  <a:noFill/>
+                </a:ln>
+                <a:solidFill>
+                  <a:srgbClr val="CC7832"/>
+                </a:solidFill>
+                <a:effectLst/>
+                <a:latin typeface="굴림체" panose="020B0609000101010101" pitchFamily="49" charset="-127"/>
+                <a:ea typeface="굴림체" panose="020B0609000101010101" pitchFamily="49" charset="-127"/>
+              </a:rPr>
+              <a:t>import</a:t>
+            </a:r>
+            <a:r>
+              <a:rPr kumimoji="0" lang="ko-KR" altLang="ko-KR" sz="900" b="0" i="0" u="none" strike="noStrike" cap="none" normalizeH="0" baseline="0" dirty="0">
+                <a:ln>
+                  <a:noFill/>
+                </a:ln>
+                <a:solidFill>
+                  <a:srgbClr val="CC7832"/>
+                </a:solidFill>
+                <a:effectLst/>
+                <a:latin typeface="굴림체" panose="020B0609000101010101" pitchFamily="49" charset="-127"/>
+                <a:ea typeface="굴림체" panose="020B0609000101010101" pitchFamily="49" charset="-127"/>
+              </a:rPr>
+              <a:t> </a:t>
+            </a:r>
+            <a:r>
+              <a:rPr kumimoji="0" lang="ko-KR" altLang="ko-KR" sz="900" b="0" i="0" u="none" strike="noStrike" cap="none" normalizeH="0" baseline="0" dirty="0" err="1">
+                <a:ln>
+                  <a:noFill/>
+                </a:ln>
+                <a:solidFill>
+                  <a:srgbClr val="A9B7C6"/>
+                </a:solidFill>
+                <a:effectLst/>
+                <a:latin typeface="굴림체" panose="020B0609000101010101" pitchFamily="49" charset="-127"/>
+                <a:ea typeface="굴림체" panose="020B0609000101010101" pitchFamily="49" charset="-127"/>
+              </a:rPr>
+              <a:t>java.io.BufferedReader</a:t>
+            </a:r>
+            <a:r>
+              <a:rPr kumimoji="0" lang="ko-KR" altLang="ko-KR" sz="900" b="0" i="0" u="none" strike="noStrike" cap="none" normalizeH="0" baseline="0" dirty="0">
+                <a:ln>
+                  <a:noFill/>
+                </a:ln>
+                <a:solidFill>
+                  <a:srgbClr val="CC7832"/>
+                </a:solidFill>
+                <a:effectLst/>
+                <a:latin typeface="굴림체" panose="020B0609000101010101" pitchFamily="49" charset="-127"/>
+                <a:ea typeface="굴림체" panose="020B0609000101010101" pitchFamily="49" charset="-127"/>
+              </a:rPr>
+              <a:t>;</a:t>
+            </a:r>
+            <a:br>
+              <a:rPr kumimoji="0" lang="ko-KR" altLang="ko-KR" sz="900" b="0" i="0" u="none" strike="noStrike" cap="none" normalizeH="0" baseline="0" dirty="0">
+                <a:ln>
+                  <a:noFill/>
+                </a:ln>
+                <a:solidFill>
+                  <a:srgbClr val="CC7832"/>
+                </a:solidFill>
+                <a:effectLst/>
+                <a:latin typeface="굴림체" panose="020B0609000101010101" pitchFamily="49" charset="-127"/>
+                <a:ea typeface="굴림체" panose="020B0609000101010101" pitchFamily="49" charset="-127"/>
+              </a:rPr>
+            </a:br>
+            <a:r>
+              <a:rPr kumimoji="0" lang="ko-KR" altLang="ko-KR" sz="900" b="0" i="0" u="none" strike="noStrike" cap="none" normalizeH="0" baseline="0" dirty="0" err="1">
+                <a:ln>
+                  <a:noFill/>
+                </a:ln>
+                <a:solidFill>
+                  <a:srgbClr val="CC7832"/>
+                </a:solidFill>
+                <a:effectLst/>
+                <a:latin typeface="굴림체" panose="020B0609000101010101" pitchFamily="49" charset="-127"/>
+                <a:ea typeface="굴림체" panose="020B0609000101010101" pitchFamily="49" charset="-127"/>
+              </a:rPr>
+              <a:t>import</a:t>
+            </a:r>
+            <a:r>
+              <a:rPr kumimoji="0" lang="ko-KR" altLang="ko-KR" sz="900" b="0" i="0" u="none" strike="noStrike" cap="none" normalizeH="0" baseline="0" dirty="0">
+                <a:ln>
+                  <a:noFill/>
+                </a:ln>
+                <a:solidFill>
+                  <a:srgbClr val="CC7832"/>
+                </a:solidFill>
+                <a:effectLst/>
+                <a:latin typeface="굴림체" panose="020B0609000101010101" pitchFamily="49" charset="-127"/>
+                <a:ea typeface="굴림체" panose="020B0609000101010101" pitchFamily="49" charset="-127"/>
+              </a:rPr>
+              <a:t> </a:t>
+            </a:r>
+            <a:r>
+              <a:rPr kumimoji="0" lang="ko-KR" altLang="ko-KR" sz="900" b="0" i="0" u="none" strike="noStrike" cap="none" normalizeH="0" baseline="0" dirty="0" err="1">
+                <a:ln>
+                  <a:noFill/>
+                </a:ln>
+                <a:solidFill>
+                  <a:srgbClr val="A9B7C6"/>
+                </a:solidFill>
+                <a:effectLst/>
+                <a:latin typeface="굴림체" panose="020B0609000101010101" pitchFamily="49" charset="-127"/>
+                <a:ea typeface="굴림체" panose="020B0609000101010101" pitchFamily="49" charset="-127"/>
+              </a:rPr>
+              <a:t>java.io.InputStreamReader</a:t>
+            </a:r>
+            <a:r>
+              <a:rPr kumimoji="0" lang="ko-KR" altLang="ko-KR" sz="900" b="0" i="0" u="none" strike="noStrike" cap="none" normalizeH="0" baseline="0" dirty="0">
+                <a:ln>
+                  <a:noFill/>
+                </a:ln>
+                <a:solidFill>
+                  <a:srgbClr val="CC7832"/>
+                </a:solidFill>
+                <a:effectLst/>
+                <a:latin typeface="굴림체" panose="020B0609000101010101" pitchFamily="49" charset="-127"/>
+                <a:ea typeface="굴림체" panose="020B0609000101010101" pitchFamily="49" charset="-127"/>
+              </a:rPr>
+              <a:t>;</a:t>
+            </a:r>
+            <a:br>
+              <a:rPr kumimoji="0" lang="ko-KR" altLang="ko-KR" sz="900" b="0" i="0" u="none" strike="noStrike" cap="none" normalizeH="0" baseline="0" dirty="0">
+                <a:ln>
+                  <a:noFill/>
+                </a:ln>
+                <a:solidFill>
+                  <a:srgbClr val="CC7832"/>
+                </a:solidFill>
+                <a:effectLst/>
+                <a:latin typeface="굴림체" panose="020B0609000101010101" pitchFamily="49" charset="-127"/>
+                <a:ea typeface="굴림체" panose="020B0609000101010101" pitchFamily="49" charset="-127"/>
+              </a:rPr>
+            </a:br>
+            <a:r>
+              <a:rPr kumimoji="0" lang="ko-KR" altLang="ko-KR" sz="900" b="0" i="0" u="none" strike="noStrike" cap="none" normalizeH="0" baseline="0" dirty="0" err="1">
+                <a:ln>
+                  <a:noFill/>
+                </a:ln>
+                <a:solidFill>
+                  <a:srgbClr val="CC7832"/>
+                </a:solidFill>
+                <a:effectLst/>
+                <a:latin typeface="굴림체" panose="020B0609000101010101" pitchFamily="49" charset="-127"/>
+                <a:ea typeface="굴림체" panose="020B0609000101010101" pitchFamily="49" charset="-127"/>
+              </a:rPr>
+              <a:t>import</a:t>
+            </a:r>
+            <a:r>
+              <a:rPr kumimoji="0" lang="ko-KR" altLang="ko-KR" sz="900" b="0" i="0" u="none" strike="noStrike" cap="none" normalizeH="0" baseline="0" dirty="0">
+                <a:ln>
+                  <a:noFill/>
+                </a:ln>
+                <a:solidFill>
+                  <a:srgbClr val="CC7832"/>
+                </a:solidFill>
+                <a:effectLst/>
+                <a:latin typeface="굴림체" panose="020B0609000101010101" pitchFamily="49" charset="-127"/>
+                <a:ea typeface="굴림체" panose="020B0609000101010101" pitchFamily="49" charset="-127"/>
+              </a:rPr>
+              <a:t> </a:t>
+            </a:r>
+            <a:r>
+              <a:rPr kumimoji="0" lang="ko-KR" altLang="ko-KR" sz="900" b="0" i="0" u="none" strike="noStrike" cap="none" normalizeH="0" baseline="0" dirty="0" err="1">
+                <a:ln>
+                  <a:noFill/>
+                </a:ln>
+                <a:solidFill>
+                  <a:srgbClr val="A9B7C6"/>
+                </a:solidFill>
+                <a:effectLst/>
+                <a:latin typeface="굴림체" panose="020B0609000101010101" pitchFamily="49" charset="-127"/>
+                <a:ea typeface="굴림체" panose="020B0609000101010101" pitchFamily="49" charset="-127"/>
+              </a:rPr>
+              <a:t>java.net.HttpURLConnection</a:t>
+            </a:r>
+            <a:r>
+              <a:rPr kumimoji="0" lang="ko-KR" altLang="ko-KR" sz="900" b="0" i="0" u="none" strike="noStrike" cap="none" normalizeH="0" baseline="0" dirty="0">
+                <a:ln>
+                  <a:noFill/>
+                </a:ln>
+                <a:solidFill>
+                  <a:srgbClr val="CC7832"/>
+                </a:solidFill>
+                <a:effectLst/>
+                <a:latin typeface="굴림체" panose="020B0609000101010101" pitchFamily="49" charset="-127"/>
+                <a:ea typeface="굴림체" panose="020B0609000101010101" pitchFamily="49" charset="-127"/>
+              </a:rPr>
+              <a:t>;</a:t>
+            </a:r>
+            <a:br>
+              <a:rPr kumimoji="0" lang="ko-KR" altLang="ko-KR" sz="900" b="0" i="0" u="none" strike="noStrike" cap="none" normalizeH="0" baseline="0" dirty="0">
+                <a:ln>
+                  <a:noFill/>
+                </a:ln>
+                <a:solidFill>
+                  <a:srgbClr val="CC7832"/>
+                </a:solidFill>
+                <a:effectLst/>
+                <a:latin typeface="굴림체" panose="020B0609000101010101" pitchFamily="49" charset="-127"/>
+                <a:ea typeface="굴림체" panose="020B0609000101010101" pitchFamily="49" charset="-127"/>
+              </a:rPr>
+            </a:br>
+            <a:r>
+              <a:rPr kumimoji="0" lang="ko-KR" altLang="ko-KR" sz="900" b="0" i="0" u="none" strike="noStrike" cap="none" normalizeH="0" baseline="0" dirty="0" err="1">
+                <a:ln>
+                  <a:noFill/>
+                </a:ln>
+                <a:solidFill>
+                  <a:srgbClr val="CC7832"/>
+                </a:solidFill>
+                <a:effectLst/>
+                <a:latin typeface="굴림체" panose="020B0609000101010101" pitchFamily="49" charset="-127"/>
+                <a:ea typeface="굴림체" panose="020B0609000101010101" pitchFamily="49" charset="-127"/>
+              </a:rPr>
+              <a:t>import</a:t>
+            </a:r>
+            <a:r>
+              <a:rPr kumimoji="0" lang="ko-KR" altLang="ko-KR" sz="900" b="0" i="0" u="none" strike="noStrike" cap="none" normalizeH="0" baseline="0" dirty="0">
+                <a:ln>
+                  <a:noFill/>
+                </a:ln>
+                <a:solidFill>
+                  <a:srgbClr val="CC7832"/>
+                </a:solidFill>
+                <a:effectLst/>
+                <a:latin typeface="굴림체" panose="020B0609000101010101" pitchFamily="49" charset="-127"/>
+                <a:ea typeface="굴림체" panose="020B0609000101010101" pitchFamily="49" charset="-127"/>
+              </a:rPr>
+              <a:t> </a:t>
+            </a:r>
+            <a:r>
+              <a:rPr kumimoji="0" lang="ko-KR" altLang="ko-KR" sz="900" b="0" i="0" u="none" strike="noStrike" cap="none" normalizeH="0" baseline="0" dirty="0" err="1">
+                <a:ln>
+                  <a:noFill/>
+                </a:ln>
+                <a:solidFill>
+                  <a:srgbClr val="A9B7C6"/>
+                </a:solidFill>
+                <a:effectLst/>
+                <a:latin typeface="굴림체" panose="020B0609000101010101" pitchFamily="49" charset="-127"/>
+                <a:ea typeface="굴림체" panose="020B0609000101010101" pitchFamily="49" charset="-127"/>
+              </a:rPr>
+              <a:t>java.net.URL</a:t>
+            </a:r>
+            <a:r>
+              <a:rPr kumimoji="0" lang="ko-KR" altLang="ko-KR" sz="900" b="0" i="0" u="none" strike="noStrike" cap="none" normalizeH="0" baseline="0" dirty="0">
+                <a:ln>
+                  <a:noFill/>
+                </a:ln>
+                <a:solidFill>
+                  <a:srgbClr val="CC7832"/>
+                </a:solidFill>
+                <a:effectLst/>
+                <a:latin typeface="굴림체" panose="020B0609000101010101" pitchFamily="49" charset="-127"/>
+                <a:ea typeface="굴림체" panose="020B0609000101010101" pitchFamily="49" charset="-127"/>
+              </a:rPr>
+              <a:t>;</a:t>
+            </a:r>
+            <a:br>
+              <a:rPr kumimoji="0" lang="ko-KR" altLang="ko-KR" sz="900" b="0" i="0" u="none" strike="noStrike" cap="none" normalizeH="0" baseline="0" dirty="0">
+                <a:ln>
+                  <a:noFill/>
+                </a:ln>
+                <a:solidFill>
+                  <a:srgbClr val="CC7832"/>
+                </a:solidFill>
+                <a:effectLst/>
+                <a:latin typeface="굴림체" panose="020B0609000101010101" pitchFamily="49" charset="-127"/>
+                <a:ea typeface="굴림체" panose="020B0609000101010101" pitchFamily="49" charset="-127"/>
+              </a:rPr>
+            </a:br>
+            <a:br>
+              <a:rPr kumimoji="0" lang="ko-KR" altLang="ko-KR" sz="900" b="0" i="0" u="none" strike="noStrike" cap="none" normalizeH="0" baseline="0" dirty="0">
+                <a:ln>
+                  <a:noFill/>
+                </a:ln>
+                <a:solidFill>
+                  <a:srgbClr val="CC7832"/>
+                </a:solidFill>
+                <a:effectLst/>
+                <a:latin typeface="굴림체" panose="020B0609000101010101" pitchFamily="49" charset="-127"/>
+                <a:ea typeface="굴림체" panose="020B0609000101010101" pitchFamily="49" charset="-127"/>
+              </a:rPr>
+            </a:br>
+            <a:r>
+              <a:rPr kumimoji="0" lang="ko-KR" altLang="ko-KR" sz="900" b="0" i="0" u="none" strike="noStrike" cap="none" normalizeH="0" baseline="0" dirty="0" err="1">
+                <a:ln>
+                  <a:noFill/>
+                </a:ln>
+                <a:solidFill>
+                  <a:srgbClr val="CC7832"/>
+                </a:solidFill>
+                <a:effectLst/>
+                <a:latin typeface="굴림체" panose="020B0609000101010101" pitchFamily="49" charset="-127"/>
+                <a:ea typeface="굴림체" panose="020B0609000101010101" pitchFamily="49" charset="-127"/>
+              </a:rPr>
+              <a:t>public</a:t>
+            </a:r>
+            <a:r>
+              <a:rPr kumimoji="0" lang="ko-KR" altLang="ko-KR" sz="900" b="0" i="0" u="none" strike="noStrike" cap="none" normalizeH="0" baseline="0" dirty="0">
+                <a:ln>
+                  <a:noFill/>
+                </a:ln>
+                <a:solidFill>
+                  <a:srgbClr val="CC7832"/>
+                </a:solidFill>
+                <a:effectLst/>
+                <a:latin typeface="굴림체" panose="020B0609000101010101" pitchFamily="49" charset="-127"/>
+                <a:ea typeface="굴림체" panose="020B0609000101010101" pitchFamily="49" charset="-127"/>
+              </a:rPr>
+              <a:t> </a:t>
+            </a:r>
+            <a:r>
+              <a:rPr kumimoji="0" lang="ko-KR" altLang="ko-KR" sz="900" b="0" i="0" u="none" strike="noStrike" cap="none" normalizeH="0" baseline="0" dirty="0" err="1">
+                <a:ln>
+                  <a:noFill/>
+                </a:ln>
+                <a:solidFill>
+                  <a:srgbClr val="CC7832"/>
+                </a:solidFill>
+                <a:effectLst/>
+                <a:latin typeface="굴림체" panose="020B0609000101010101" pitchFamily="49" charset="-127"/>
+                <a:ea typeface="굴림체" panose="020B0609000101010101" pitchFamily="49" charset="-127"/>
+              </a:rPr>
+              <a:t>class</a:t>
+            </a:r>
+            <a:r>
+              <a:rPr kumimoji="0" lang="ko-KR" altLang="ko-KR" sz="900" b="0" i="0" u="none" strike="noStrike" cap="none" normalizeH="0" baseline="0" dirty="0">
+                <a:ln>
+                  <a:noFill/>
+                </a:ln>
+                <a:solidFill>
+                  <a:srgbClr val="CC7832"/>
+                </a:solidFill>
+                <a:effectLst/>
+                <a:latin typeface="굴림체" panose="020B0609000101010101" pitchFamily="49" charset="-127"/>
+                <a:ea typeface="굴림체" panose="020B0609000101010101" pitchFamily="49" charset="-127"/>
+              </a:rPr>
+              <a:t> </a:t>
+            </a:r>
+            <a:r>
+              <a:rPr kumimoji="0" lang="ko-KR" altLang="ko-KR" sz="900" b="0" i="0" u="none" strike="noStrike" cap="none" normalizeH="0" baseline="0" dirty="0" err="1">
+                <a:ln>
+                  <a:noFill/>
+                </a:ln>
+                <a:solidFill>
+                  <a:srgbClr val="A9B7C6"/>
+                </a:solidFill>
+                <a:effectLst/>
+                <a:latin typeface="굴림체" panose="020B0609000101010101" pitchFamily="49" charset="-127"/>
+                <a:ea typeface="굴림체" panose="020B0609000101010101" pitchFamily="49" charset="-127"/>
+              </a:rPr>
+              <a:t>HttpServerTest</a:t>
+            </a:r>
+            <a:r>
+              <a:rPr kumimoji="0" lang="ko-KR" altLang="ko-KR" sz="900" b="0" i="0" u="none" strike="noStrike" cap="none" normalizeH="0" baseline="0" dirty="0">
+                <a:ln>
+                  <a:noFill/>
+                </a:ln>
+                <a:solidFill>
+                  <a:srgbClr val="A9B7C6"/>
+                </a:solidFill>
+                <a:effectLst/>
+                <a:latin typeface="굴림체" panose="020B0609000101010101" pitchFamily="49" charset="-127"/>
+                <a:ea typeface="굴림체" panose="020B0609000101010101" pitchFamily="49" charset="-127"/>
+              </a:rPr>
+              <a:t> {</a:t>
+            </a:r>
+            <a:br>
+              <a:rPr kumimoji="0" lang="ko-KR" altLang="ko-KR" sz="900" b="0" i="0" u="none" strike="noStrike" cap="none" normalizeH="0" baseline="0" dirty="0">
+                <a:ln>
+                  <a:noFill/>
+                </a:ln>
+                <a:solidFill>
+                  <a:srgbClr val="A9B7C6"/>
+                </a:solidFill>
+                <a:effectLst/>
+                <a:latin typeface="굴림체" panose="020B0609000101010101" pitchFamily="49" charset="-127"/>
+                <a:ea typeface="굴림체" panose="020B0609000101010101" pitchFamily="49" charset="-127"/>
+              </a:rPr>
+            </a:br>
+            <a:r>
+              <a:rPr kumimoji="0" lang="ko-KR" altLang="ko-KR" sz="900" b="0" i="0" u="none" strike="noStrike" cap="none" normalizeH="0" baseline="0" dirty="0">
+                <a:ln>
+                  <a:noFill/>
+                </a:ln>
+                <a:solidFill>
+                  <a:srgbClr val="A9B7C6"/>
+                </a:solidFill>
+                <a:effectLst/>
+                <a:latin typeface="굴림체" panose="020B0609000101010101" pitchFamily="49" charset="-127"/>
+                <a:ea typeface="굴림체" panose="020B0609000101010101" pitchFamily="49" charset="-127"/>
+              </a:rPr>
+              <a:t>    </a:t>
+            </a:r>
+            <a:r>
+              <a:rPr kumimoji="0" lang="ko-KR" altLang="ko-KR" sz="900" b="0" i="0" u="none" strike="noStrike" cap="none" normalizeH="0" baseline="0" dirty="0">
+                <a:ln>
+                  <a:noFill/>
+                </a:ln>
+                <a:solidFill>
+                  <a:srgbClr val="BBB529"/>
+                </a:solidFill>
+                <a:effectLst/>
+                <a:latin typeface="굴림체" panose="020B0609000101010101" pitchFamily="49" charset="-127"/>
+                <a:ea typeface="굴림체" panose="020B0609000101010101" pitchFamily="49" charset="-127"/>
+              </a:rPr>
+              <a:t>@</a:t>
+            </a:r>
+            <a:r>
+              <a:rPr kumimoji="0" lang="ko-KR" altLang="ko-KR" sz="900" b="0" i="0" u="none" strike="noStrike" cap="none" normalizeH="0" baseline="0" dirty="0" err="1">
+                <a:ln>
+                  <a:noFill/>
+                </a:ln>
+                <a:solidFill>
+                  <a:srgbClr val="BBB529"/>
+                </a:solidFill>
+                <a:effectLst/>
+                <a:latin typeface="굴림체" panose="020B0609000101010101" pitchFamily="49" charset="-127"/>
+                <a:ea typeface="굴림체" panose="020B0609000101010101" pitchFamily="49" charset="-127"/>
+              </a:rPr>
+              <a:t>Test</a:t>
+            </a:r>
+            <a:br>
+              <a:rPr kumimoji="0" lang="ko-KR" altLang="ko-KR" sz="900" b="0" i="0" u="none" strike="noStrike" cap="none" normalizeH="0" baseline="0" dirty="0">
+                <a:ln>
+                  <a:noFill/>
+                </a:ln>
+                <a:solidFill>
+                  <a:srgbClr val="BBB529"/>
+                </a:solidFill>
+                <a:effectLst/>
+                <a:latin typeface="굴림체" panose="020B0609000101010101" pitchFamily="49" charset="-127"/>
+                <a:ea typeface="굴림체" panose="020B0609000101010101" pitchFamily="49" charset="-127"/>
+              </a:rPr>
+            </a:br>
+            <a:r>
+              <a:rPr kumimoji="0" lang="ko-KR" altLang="ko-KR" sz="900" b="0" i="0" u="none" strike="noStrike" cap="none" normalizeH="0" baseline="0" dirty="0">
+                <a:ln>
+                  <a:noFill/>
+                </a:ln>
+                <a:solidFill>
+                  <a:srgbClr val="BBB529"/>
+                </a:solidFill>
+                <a:effectLst/>
+                <a:latin typeface="굴림체" panose="020B0609000101010101" pitchFamily="49" charset="-127"/>
+                <a:ea typeface="굴림체" panose="020B0609000101010101" pitchFamily="49" charset="-127"/>
+              </a:rPr>
+              <a:t>    </a:t>
+            </a:r>
+            <a:r>
+              <a:rPr kumimoji="0" lang="ko-KR" altLang="ko-KR" sz="900" b="0" i="0" u="none" strike="noStrike" cap="none" normalizeH="0" baseline="0" dirty="0" err="1">
+                <a:ln>
+                  <a:noFill/>
+                </a:ln>
+                <a:solidFill>
+                  <a:srgbClr val="CC7832"/>
+                </a:solidFill>
+                <a:effectLst/>
+                <a:latin typeface="굴림체" panose="020B0609000101010101" pitchFamily="49" charset="-127"/>
+                <a:ea typeface="굴림체" panose="020B0609000101010101" pitchFamily="49" charset="-127"/>
+              </a:rPr>
+              <a:t>public</a:t>
+            </a:r>
+            <a:r>
+              <a:rPr kumimoji="0" lang="ko-KR" altLang="ko-KR" sz="900" b="0" i="0" u="none" strike="noStrike" cap="none" normalizeH="0" baseline="0" dirty="0">
+                <a:ln>
+                  <a:noFill/>
+                </a:ln>
+                <a:solidFill>
+                  <a:srgbClr val="CC7832"/>
+                </a:solidFill>
+                <a:effectLst/>
+                <a:latin typeface="굴림체" panose="020B0609000101010101" pitchFamily="49" charset="-127"/>
+                <a:ea typeface="굴림체" panose="020B0609000101010101" pitchFamily="49" charset="-127"/>
+              </a:rPr>
+              <a:t> </a:t>
+            </a:r>
+            <a:r>
+              <a:rPr kumimoji="0" lang="ko-KR" altLang="ko-KR" sz="900" b="0" i="0" u="none" strike="noStrike" cap="none" normalizeH="0" baseline="0" dirty="0" err="1">
+                <a:ln>
+                  <a:noFill/>
+                </a:ln>
+                <a:solidFill>
+                  <a:srgbClr val="CC7832"/>
+                </a:solidFill>
+                <a:effectLst/>
+                <a:latin typeface="굴림체" panose="020B0609000101010101" pitchFamily="49" charset="-127"/>
+                <a:ea typeface="굴림체" panose="020B0609000101010101" pitchFamily="49" charset="-127"/>
+              </a:rPr>
+              <a:t>void</a:t>
+            </a:r>
+            <a:r>
+              <a:rPr kumimoji="0" lang="ko-KR" altLang="ko-KR" sz="900" b="0" i="0" u="none" strike="noStrike" cap="none" normalizeH="0" baseline="0" dirty="0">
+                <a:ln>
+                  <a:noFill/>
+                </a:ln>
+                <a:solidFill>
+                  <a:srgbClr val="CC7832"/>
+                </a:solidFill>
+                <a:effectLst/>
+                <a:latin typeface="굴림체" panose="020B0609000101010101" pitchFamily="49" charset="-127"/>
+                <a:ea typeface="굴림체" panose="020B0609000101010101" pitchFamily="49" charset="-127"/>
+              </a:rPr>
+              <a:t> </a:t>
+            </a:r>
+            <a:r>
+              <a:rPr kumimoji="0" lang="ko-KR" altLang="ko-KR" sz="900" b="0" i="0" u="none" strike="noStrike" cap="none" normalizeH="0" baseline="0" dirty="0" err="1">
+                <a:ln>
+                  <a:noFill/>
+                </a:ln>
+                <a:solidFill>
+                  <a:srgbClr val="FFC66D"/>
+                </a:solidFill>
+                <a:effectLst/>
+                <a:latin typeface="굴림체" panose="020B0609000101010101" pitchFamily="49" charset="-127"/>
+                <a:ea typeface="굴림체" panose="020B0609000101010101" pitchFamily="49" charset="-127"/>
+              </a:rPr>
+              <a:t>localhost에_접속시_ok_출력</a:t>
+            </a:r>
+            <a:r>
+              <a:rPr kumimoji="0" lang="ko-KR" altLang="ko-KR" sz="900" b="0" i="0" u="none" strike="noStrike" cap="none" normalizeH="0" baseline="0" dirty="0">
+                <a:ln>
+                  <a:noFill/>
+                </a:ln>
+                <a:solidFill>
+                  <a:srgbClr val="A9B7C6"/>
+                </a:solidFill>
+                <a:effectLst/>
+                <a:latin typeface="굴림체" panose="020B0609000101010101" pitchFamily="49" charset="-127"/>
+                <a:ea typeface="굴림체" panose="020B0609000101010101" pitchFamily="49" charset="-127"/>
+              </a:rPr>
+              <a:t>(){</a:t>
+            </a:r>
+            <a:br>
+              <a:rPr kumimoji="0" lang="ko-KR" altLang="ko-KR" sz="900" b="0" i="0" u="none" strike="noStrike" cap="none" normalizeH="0" baseline="0" dirty="0">
+                <a:ln>
+                  <a:noFill/>
+                </a:ln>
+                <a:solidFill>
+                  <a:srgbClr val="A9B7C6"/>
+                </a:solidFill>
+                <a:effectLst/>
+                <a:latin typeface="굴림체" panose="020B0609000101010101" pitchFamily="49" charset="-127"/>
+                <a:ea typeface="굴림체" panose="020B0609000101010101" pitchFamily="49" charset="-127"/>
+              </a:rPr>
+            </a:br>
+            <a:r>
+              <a:rPr kumimoji="0" lang="ko-KR" altLang="ko-KR" sz="900" b="0" i="0" u="none" strike="noStrike" cap="none" normalizeH="0" baseline="0" dirty="0">
+                <a:ln>
+                  <a:noFill/>
+                </a:ln>
+                <a:solidFill>
+                  <a:srgbClr val="A9B7C6"/>
+                </a:solidFill>
+                <a:effectLst/>
+                <a:latin typeface="굴림체" panose="020B0609000101010101" pitchFamily="49" charset="-127"/>
+                <a:ea typeface="굴림체" panose="020B0609000101010101" pitchFamily="49" charset="-127"/>
+              </a:rPr>
+              <a:t>        </a:t>
+            </a:r>
+            <a:r>
+              <a:rPr kumimoji="0" lang="ko-KR" altLang="ko-KR" sz="900" b="0" i="0" u="none" strike="noStrike" cap="none" normalizeH="0" baseline="0" dirty="0" err="1">
+                <a:ln>
+                  <a:noFill/>
+                </a:ln>
+                <a:solidFill>
+                  <a:srgbClr val="A9B7C6"/>
+                </a:solidFill>
+                <a:effectLst/>
+                <a:latin typeface="굴림체" panose="020B0609000101010101" pitchFamily="49" charset="-127"/>
+                <a:ea typeface="굴림체" panose="020B0609000101010101" pitchFamily="49" charset="-127"/>
+              </a:rPr>
+              <a:t>ServerStart</a:t>
+            </a:r>
+            <a:r>
+              <a:rPr kumimoji="0" lang="ko-KR" altLang="ko-KR" sz="900" b="0" i="0" u="none" strike="noStrike" cap="none" normalizeH="0" baseline="0" dirty="0">
+                <a:ln>
+                  <a:noFill/>
+                </a:ln>
+                <a:solidFill>
+                  <a:srgbClr val="A9B7C6"/>
+                </a:solidFill>
+                <a:effectLst/>
+                <a:latin typeface="굴림체" panose="020B0609000101010101" pitchFamily="49" charset="-127"/>
+                <a:ea typeface="굴림체" panose="020B0609000101010101" pitchFamily="49" charset="-127"/>
+              </a:rPr>
+              <a:t>()</a:t>
+            </a:r>
+            <a:r>
+              <a:rPr kumimoji="0" lang="ko-KR" altLang="ko-KR" sz="900" b="0" i="0" u="none" strike="noStrike" cap="none" normalizeH="0" baseline="0" dirty="0">
+                <a:ln>
+                  <a:noFill/>
+                </a:ln>
+                <a:solidFill>
+                  <a:srgbClr val="CC7832"/>
+                </a:solidFill>
+                <a:effectLst/>
+                <a:latin typeface="굴림체" panose="020B0609000101010101" pitchFamily="49" charset="-127"/>
+                <a:ea typeface="굴림체" panose="020B0609000101010101" pitchFamily="49" charset="-127"/>
+              </a:rPr>
+              <a:t>;</a:t>
+            </a:r>
+            <a:br>
+              <a:rPr kumimoji="0" lang="ko-KR" altLang="ko-KR" sz="900" b="0" i="0" u="none" strike="noStrike" cap="none" normalizeH="0" baseline="0" dirty="0">
+                <a:ln>
+                  <a:noFill/>
+                </a:ln>
+                <a:solidFill>
+                  <a:srgbClr val="CC7832"/>
+                </a:solidFill>
+                <a:effectLst/>
+                <a:latin typeface="굴림체" panose="020B0609000101010101" pitchFamily="49" charset="-127"/>
+                <a:ea typeface="굴림체" panose="020B0609000101010101" pitchFamily="49" charset="-127"/>
+              </a:rPr>
+            </a:br>
+            <a:br>
+              <a:rPr kumimoji="0" lang="ko-KR" altLang="ko-KR" sz="900" b="0" i="0" u="none" strike="noStrike" cap="none" normalizeH="0" baseline="0" dirty="0">
+                <a:ln>
+                  <a:noFill/>
+                </a:ln>
+                <a:solidFill>
+                  <a:srgbClr val="CC7832"/>
+                </a:solidFill>
+                <a:effectLst/>
+                <a:latin typeface="굴림체" panose="020B0609000101010101" pitchFamily="49" charset="-127"/>
+                <a:ea typeface="굴림체" panose="020B0609000101010101" pitchFamily="49" charset="-127"/>
+              </a:rPr>
+            </a:br>
+            <a:r>
+              <a:rPr kumimoji="0" lang="ko-KR" altLang="ko-KR" sz="900" b="0" i="0" u="none" strike="noStrike" cap="none" normalizeH="0" baseline="0" dirty="0">
+                <a:ln>
+                  <a:noFill/>
+                </a:ln>
+                <a:solidFill>
+                  <a:srgbClr val="CC7832"/>
+                </a:solidFill>
+                <a:effectLst/>
+                <a:latin typeface="굴림체" panose="020B0609000101010101" pitchFamily="49" charset="-127"/>
+                <a:ea typeface="굴림체" panose="020B0609000101010101" pitchFamily="49" charset="-127"/>
+              </a:rPr>
+              <a:t>        </a:t>
+            </a:r>
+            <a:r>
+              <a:rPr kumimoji="0" lang="ko-KR" altLang="ko-KR" sz="900" b="0" i="0" u="none" strike="noStrike" cap="none" normalizeH="0" baseline="0" dirty="0" err="1">
+                <a:ln>
+                  <a:noFill/>
+                </a:ln>
+                <a:solidFill>
+                  <a:srgbClr val="A9B7C6"/>
+                </a:solidFill>
+                <a:effectLst/>
+                <a:latin typeface="굴림체" panose="020B0609000101010101" pitchFamily="49" charset="-127"/>
+                <a:ea typeface="굴림체" panose="020B0609000101010101" pitchFamily="49" charset="-127"/>
+              </a:rPr>
+              <a:t>Assert.</a:t>
+            </a:r>
+            <a:r>
+              <a:rPr kumimoji="0" lang="ko-KR" altLang="ko-KR" sz="900" b="0" i="1" u="none" strike="noStrike" cap="none" normalizeH="0" baseline="0" dirty="0" err="1">
+                <a:ln>
+                  <a:noFill/>
+                </a:ln>
+                <a:solidFill>
+                  <a:srgbClr val="A9B7C6"/>
+                </a:solidFill>
+                <a:effectLst/>
+                <a:latin typeface="굴림체" panose="020B0609000101010101" pitchFamily="49" charset="-127"/>
+                <a:ea typeface="굴림체" panose="020B0609000101010101" pitchFamily="49" charset="-127"/>
+              </a:rPr>
+              <a:t>assertTrue</a:t>
+            </a:r>
+            <a:r>
+              <a:rPr kumimoji="0" lang="ko-KR" altLang="ko-KR" sz="900" b="0" i="0" u="none" strike="noStrike" cap="none" normalizeH="0" baseline="0" dirty="0">
+                <a:ln>
+                  <a:noFill/>
+                </a:ln>
+                <a:solidFill>
+                  <a:srgbClr val="A9B7C6"/>
+                </a:solidFill>
+                <a:effectLst/>
+                <a:latin typeface="굴림체" panose="020B0609000101010101" pitchFamily="49" charset="-127"/>
+                <a:ea typeface="굴림체" panose="020B0609000101010101" pitchFamily="49" charset="-127"/>
+              </a:rPr>
+              <a:t>(</a:t>
+            </a:r>
+            <a:r>
+              <a:rPr kumimoji="0" lang="ko-KR" altLang="ko-KR" sz="900" b="0" i="0" u="none" strike="noStrike" cap="none" normalizeH="0" baseline="0" dirty="0" err="1">
+                <a:ln>
+                  <a:noFill/>
+                </a:ln>
+                <a:solidFill>
+                  <a:srgbClr val="A9B7C6"/>
+                </a:solidFill>
+                <a:effectLst/>
+                <a:latin typeface="굴림체" panose="020B0609000101010101" pitchFamily="49" charset="-127"/>
+                <a:ea typeface="굴림체" panose="020B0609000101010101" pitchFamily="49" charset="-127"/>
+              </a:rPr>
+              <a:t>request</a:t>
+            </a:r>
+            <a:r>
+              <a:rPr kumimoji="0" lang="ko-KR" altLang="ko-KR" sz="900" b="0" i="0" u="none" strike="noStrike" cap="none" normalizeH="0" baseline="0" dirty="0">
+                <a:ln>
+                  <a:noFill/>
+                </a:ln>
+                <a:solidFill>
+                  <a:srgbClr val="A9B7C6"/>
+                </a:solidFill>
+                <a:effectLst/>
+                <a:latin typeface="굴림체" panose="020B0609000101010101" pitchFamily="49" charset="-127"/>
+                <a:ea typeface="굴림체" panose="020B0609000101010101" pitchFamily="49" charset="-127"/>
+              </a:rPr>
+              <a:t>().</a:t>
+            </a:r>
+            <a:r>
+              <a:rPr kumimoji="0" lang="ko-KR" altLang="ko-KR" sz="900" b="0" i="0" u="none" strike="noStrike" cap="none" normalizeH="0" baseline="0" dirty="0" err="1">
+                <a:ln>
+                  <a:noFill/>
+                </a:ln>
+                <a:solidFill>
+                  <a:srgbClr val="A9B7C6"/>
+                </a:solidFill>
+                <a:effectLst/>
+                <a:latin typeface="굴림체" panose="020B0609000101010101" pitchFamily="49" charset="-127"/>
+                <a:ea typeface="굴림체" panose="020B0609000101010101" pitchFamily="49" charset="-127"/>
+              </a:rPr>
+              <a:t>equals</a:t>
+            </a:r>
+            <a:r>
+              <a:rPr kumimoji="0" lang="ko-KR" altLang="ko-KR" sz="900" b="0" i="0" u="none" strike="noStrike" cap="none" normalizeH="0" baseline="0" dirty="0">
+                <a:ln>
+                  <a:noFill/>
+                </a:ln>
+                <a:solidFill>
+                  <a:srgbClr val="A9B7C6"/>
+                </a:solidFill>
+                <a:effectLst/>
+                <a:latin typeface="굴림체" panose="020B0609000101010101" pitchFamily="49" charset="-127"/>
+                <a:ea typeface="굴림체" panose="020B0609000101010101" pitchFamily="49" charset="-127"/>
+              </a:rPr>
+              <a:t>(</a:t>
+            </a:r>
+            <a:r>
+              <a:rPr kumimoji="0" lang="ko-KR" altLang="ko-KR" sz="900" b="0" i="0" u="none" strike="noStrike" cap="none" normalizeH="0" baseline="0" dirty="0">
+                <a:ln>
+                  <a:noFill/>
+                </a:ln>
+                <a:solidFill>
+                  <a:srgbClr val="6A8759"/>
+                </a:solidFill>
+                <a:effectLst/>
+                <a:latin typeface="굴림체" panose="020B0609000101010101" pitchFamily="49" charset="-127"/>
+                <a:ea typeface="굴림체" panose="020B0609000101010101" pitchFamily="49" charset="-127"/>
+              </a:rPr>
+              <a:t>"</a:t>
+            </a:r>
+            <a:r>
+              <a:rPr kumimoji="0" lang="ko-KR" altLang="ko-KR" sz="900" b="0" i="0" u="none" strike="noStrike" cap="none" normalizeH="0" baseline="0" dirty="0" err="1">
+                <a:ln>
+                  <a:noFill/>
+                </a:ln>
+                <a:solidFill>
+                  <a:srgbClr val="6A8759"/>
+                </a:solidFill>
+                <a:effectLst/>
+                <a:latin typeface="굴림체" panose="020B0609000101010101" pitchFamily="49" charset="-127"/>
+                <a:ea typeface="굴림체" panose="020B0609000101010101" pitchFamily="49" charset="-127"/>
+              </a:rPr>
+              <a:t>ok</a:t>
+            </a:r>
+            <a:r>
+              <a:rPr kumimoji="0" lang="ko-KR" altLang="ko-KR" sz="900" b="0" i="0" u="none" strike="noStrike" cap="none" normalizeH="0" baseline="0" dirty="0">
+                <a:ln>
+                  <a:noFill/>
+                </a:ln>
+                <a:solidFill>
+                  <a:srgbClr val="6A8759"/>
+                </a:solidFill>
+                <a:effectLst/>
+                <a:latin typeface="굴림체" panose="020B0609000101010101" pitchFamily="49" charset="-127"/>
+                <a:ea typeface="굴림체" panose="020B0609000101010101" pitchFamily="49" charset="-127"/>
+              </a:rPr>
+              <a:t>"</a:t>
+            </a:r>
+            <a:r>
+              <a:rPr kumimoji="0" lang="ko-KR" altLang="ko-KR" sz="900" b="0" i="0" u="none" strike="noStrike" cap="none" normalizeH="0" baseline="0" dirty="0">
+                <a:ln>
+                  <a:noFill/>
+                </a:ln>
+                <a:solidFill>
+                  <a:srgbClr val="A9B7C6"/>
+                </a:solidFill>
+                <a:effectLst/>
+                <a:latin typeface="굴림체" panose="020B0609000101010101" pitchFamily="49" charset="-127"/>
+                <a:ea typeface="굴림체" panose="020B0609000101010101" pitchFamily="49" charset="-127"/>
+              </a:rPr>
+              <a:t>))</a:t>
+            </a:r>
+            <a:r>
+              <a:rPr kumimoji="0" lang="ko-KR" altLang="ko-KR" sz="900" b="0" i="0" u="none" strike="noStrike" cap="none" normalizeH="0" baseline="0" dirty="0">
+                <a:ln>
+                  <a:noFill/>
+                </a:ln>
+                <a:solidFill>
+                  <a:srgbClr val="CC7832"/>
+                </a:solidFill>
+                <a:effectLst/>
+                <a:latin typeface="굴림체" panose="020B0609000101010101" pitchFamily="49" charset="-127"/>
+                <a:ea typeface="굴림체" panose="020B0609000101010101" pitchFamily="49" charset="-127"/>
+              </a:rPr>
+              <a:t>;</a:t>
+            </a:r>
+            <a:br>
+              <a:rPr kumimoji="0" lang="ko-KR" altLang="ko-KR" sz="900" b="0" i="0" u="none" strike="noStrike" cap="none" normalizeH="0" baseline="0" dirty="0">
+                <a:ln>
+                  <a:noFill/>
+                </a:ln>
+                <a:solidFill>
+                  <a:srgbClr val="CC7832"/>
+                </a:solidFill>
+                <a:effectLst/>
+                <a:latin typeface="굴림체" panose="020B0609000101010101" pitchFamily="49" charset="-127"/>
+                <a:ea typeface="굴림체" panose="020B0609000101010101" pitchFamily="49" charset="-127"/>
+              </a:rPr>
+            </a:br>
+            <a:r>
+              <a:rPr kumimoji="0" lang="ko-KR" altLang="ko-KR" sz="900" b="0" i="0" u="none" strike="noStrike" cap="none" normalizeH="0" baseline="0" dirty="0">
+                <a:ln>
+                  <a:noFill/>
+                </a:ln>
+                <a:solidFill>
+                  <a:srgbClr val="CC7832"/>
+                </a:solidFill>
+                <a:effectLst/>
+                <a:latin typeface="굴림체" panose="020B0609000101010101" pitchFamily="49" charset="-127"/>
+                <a:ea typeface="굴림체" panose="020B0609000101010101" pitchFamily="49" charset="-127"/>
+              </a:rPr>
+              <a:t>    </a:t>
+            </a:r>
+            <a:r>
+              <a:rPr kumimoji="0" lang="ko-KR" altLang="ko-KR" sz="900" b="0" i="0" u="none" strike="noStrike" cap="none" normalizeH="0" baseline="0" dirty="0">
+                <a:ln>
+                  <a:noFill/>
+                </a:ln>
+                <a:solidFill>
+                  <a:srgbClr val="A9B7C6"/>
+                </a:solidFill>
+                <a:effectLst/>
+                <a:latin typeface="굴림체" panose="020B0609000101010101" pitchFamily="49" charset="-127"/>
+                <a:ea typeface="굴림체" panose="020B0609000101010101" pitchFamily="49" charset="-127"/>
+              </a:rPr>
+              <a:t>}</a:t>
+            </a:r>
+            <a:br>
+              <a:rPr kumimoji="0" lang="ko-KR" altLang="ko-KR" sz="900" b="0" i="0" u="none" strike="noStrike" cap="none" normalizeH="0" baseline="0" dirty="0">
+                <a:ln>
+                  <a:noFill/>
+                </a:ln>
+                <a:solidFill>
+                  <a:srgbClr val="A9B7C6"/>
+                </a:solidFill>
+                <a:effectLst/>
+                <a:latin typeface="굴림체" panose="020B0609000101010101" pitchFamily="49" charset="-127"/>
+                <a:ea typeface="굴림체" panose="020B0609000101010101" pitchFamily="49" charset="-127"/>
+              </a:rPr>
+            </a:br>
+            <a:br>
+              <a:rPr kumimoji="0" lang="ko-KR" altLang="ko-KR" sz="900" b="0" i="0" u="none" strike="noStrike" cap="none" normalizeH="0" baseline="0" dirty="0">
+                <a:ln>
+                  <a:noFill/>
+                </a:ln>
+                <a:solidFill>
+                  <a:srgbClr val="A9B7C6"/>
+                </a:solidFill>
+                <a:effectLst/>
+                <a:latin typeface="굴림체" panose="020B0609000101010101" pitchFamily="49" charset="-127"/>
+                <a:ea typeface="굴림체" panose="020B0609000101010101" pitchFamily="49" charset="-127"/>
+              </a:rPr>
+            </a:br>
+            <a:r>
+              <a:rPr kumimoji="0" lang="ko-KR" altLang="ko-KR" sz="900" b="0" i="0" u="none" strike="noStrike" cap="none" normalizeH="0" baseline="0" dirty="0">
+                <a:ln>
+                  <a:noFill/>
+                </a:ln>
+                <a:solidFill>
+                  <a:srgbClr val="A9B7C6"/>
+                </a:solidFill>
+                <a:effectLst/>
+                <a:latin typeface="굴림체" panose="020B0609000101010101" pitchFamily="49" charset="-127"/>
+                <a:ea typeface="굴림체" panose="020B0609000101010101" pitchFamily="49" charset="-127"/>
+              </a:rPr>
+              <a:t>    </a:t>
+            </a:r>
+            <a:r>
+              <a:rPr kumimoji="0" lang="ko-KR" altLang="ko-KR" sz="900" b="0" i="0" u="none" strike="noStrike" cap="none" normalizeH="0" baseline="0" dirty="0" err="1">
+                <a:ln>
+                  <a:noFill/>
+                </a:ln>
+                <a:solidFill>
+                  <a:srgbClr val="CC7832"/>
+                </a:solidFill>
+                <a:effectLst/>
+                <a:latin typeface="굴림체" panose="020B0609000101010101" pitchFamily="49" charset="-127"/>
+                <a:ea typeface="굴림체" panose="020B0609000101010101" pitchFamily="49" charset="-127"/>
+              </a:rPr>
+              <a:t>public</a:t>
+            </a:r>
+            <a:r>
+              <a:rPr kumimoji="0" lang="ko-KR" altLang="ko-KR" sz="900" b="0" i="0" u="none" strike="noStrike" cap="none" normalizeH="0" baseline="0" dirty="0">
+                <a:ln>
+                  <a:noFill/>
+                </a:ln>
+                <a:solidFill>
+                  <a:srgbClr val="CC7832"/>
+                </a:solidFill>
+                <a:effectLst/>
+                <a:latin typeface="굴림체" panose="020B0609000101010101" pitchFamily="49" charset="-127"/>
+                <a:ea typeface="굴림체" panose="020B0609000101010101" pitchFamily="49" charset="-127"/>
+              </a:rPr>
+              <a:t> </a:t>
+            </a:r>
+            <a:r>
+              <a:rPr kumimoji="0" lang="ko-KR" altLang="ko-KR" sz="900" b="0" i="0" u="none" strike="noStrike" cap="none" normalizeH="0" baseline="0" dirty="0" err="1">
+                <a:ln>
+                  <a:noFill/>
+                </a:ln>
+                <a:solidFill>
+                  <a:srgbClr val="CC7832"/>
+                </a:solidFill>
+                <a:effectLst/>
+                <a:latin typeface="굴림체" panose="020B0609000101010101" pitchFamily="49" charset="-127"/>
+                <a:ea typeface="굴림체" panose="020B0609000101010101" pitchFamily="49" charset="-127"/>
+              </a:rPr>
+              <a:t>void</a:t>
+            </a:r>
+            <a:r>
+              <a:rPr kumimoji="0" lang="ko-KR" altLang="ko-KR" sz="900" b="0" i="0" u="none" strike="noStrike" cap="none" normalizeH="0" baseline="0" dirty="0">
+                <a:ln>
+                  <a:noFill/>
+                </a:ln>
+                <a:solidFill>
+                  <a:srgbClr val="CC7832"/>
+                </a:solidFill>
+                <a:effectLst/>
+                <a:latin typeface="굴림체" panose="020B0609000101010101" pitchFamily="49" charset="-127"/>
+                <a:ea typeface="굴림체" panose="020B0609000101010101" pitchFamily="49" charset="-127"/>
+              </a:rPr>
+              <a:t> </a:t>
+            </a:r>
+            <a:r>
+              <a:rPr kumimoji="0" lang="ko-KR" altLang="ko-KR" sz="900" b="0" i="0" u="none" strike="noStrike" cap="none" normalizeH="0" baseline="0" dirty="0" err="1">
+                <a:ln>
+                  <a:noFill/>
+                </a:ln>
+                <a:solidFill>
+                  <a:srgbClr val="FFC66D"/>
+                </a:solidFill>
+                <a:effectLst/>
+                <a:latin typeface="굴림체" panose="020B0609000101010101" pitchFamily="49" charset="-127"/>
+                <a:ea typeface="굴림체" panose="020B0609000101010101" pitchFamily="49" charset="-127"/>
+              </a:rPr>
+              <a:t>ServerStart</a:t>
+            </a:r>
+            <a:r>
+              <a:rPr kumimoji="0" lang="ko-KR" altLang="ko-KR" sz="900" b="0" i="0" u="none" strike="noStrike" cap="none" normalizeH="0" baseline="0" dirty="0">
+                <a:ln>
+                  <a:noFill/>
+                </a:ln>
+                <a:solidFill>
+                  <a:srgbClr val="A9B7C6"/>
+                </a:solidFill>
+                <a:effectLst/>
+                <a:latin typeface="굴림체" panose="020B0609000101010101" pitchFamily="49" charset="-127"/>
+                <a:ea typeface="굴림체" panose="020B0609000101010101" pitchFamily="49" charset="-127"/>
+              </a:rPr>
+              <a:t>(){</a:t>
+            </a:r>
+            <a:br>
+              <a:rPr kumimoji="0" lang="ko-KR" altLang="ko-KR" sz="900" b="0" i="0" u="none" strike="noStrike" cap="none" normalizeH="0" baseline="0" dirty="0">
+                <a:ln>
+                  <a:noFill/>
+                </a:ln>
+                <a:solidFill>
+                  <a:srgbClr val="A9B7C6"/>
+                </a:solidFill>
+                <a:effectLst/>
+                <a:latin typeface="굴림체" panose="020B0609000101010101" pitchFamily="49" charset="-127"/>
+                <a:ea typeface="굴림체" panose="020B0609000101010101" pitchFamily="49" charset="-127"/>
+              </a:rPr>
+            </a:br>
+            <a:r>
+              <a:rPr kumimoji="0" lang="ko-KR" altLang="ko-KR" sz="900" b="0" i="0" u="none" strike="noStrike" cap="none" normalizeH="0" baseline="0" dirty="0">
+                <a:ln>
+                  <a:noFill/>
+                </a:ln>
+                <a:solidFill>
+                  <a:srgbClr val="A9B7C6"/>
+                </a:solidFill>
+                <a:effectLst/>
+                <a:latin typeface="굴림체" panose="020B0609000101010101" pitchFamily="49" charset="-127"/>
+                <a:ea typeface="굴림체" panose="020B0609000101010101" pitchFamily="49" charset="-127"/>
+              </a:rPr>
+              <a:t>        </a:t>
+            </a:r>
+            <a:r>
+              <a:rPr kumimoji="0" lang="ko-KR" altLang="ko-KR" sz="900" b="0" i="0" u="none" strike="noStrike" cap="none" normalizeH="0" baseline="0" dirty="0" err="1">
+                <a:ln>
+                  <a:noFill/>
+                </a:ln>
+                <a:solidFill>
+                  <a:srgbClr val="A9B7C6"/>
+                </a:solidFill>
+                <a:effectLst/>
+                <a:latin typeface="굴림체" panose="020B0609000101010101" pitchFamily="49" charset="-127"/>
+                <a:ea typeface="굴림체" panose="020B0609000101010101" pitchFamily="49" charset="-127"/>
+              </a:rPr>
+              <a:t>HttpServer</a:t>
+            </a:r>
+            <a:r>
+              <a:rPr kumimoji="0" lang="ko-KR" altLang="ko-KR" sz="900" b="0" i="0" u="none" strike="noStrike" cap="none" normalizeH="0" baseline="0" dirty="0">
+                <a:ln>
+                  <a:noFill/>
+                </a:ln>
+                <a:solidFill>
+                  <a:srgbClr val="A9B7C6"/>
+                </a:solidFill>
+                <a:effectLst/>
+                <a:latin typeface="굴림체" panose="020B0609000101010101" pitchFamily="49" charset="-127"/>
+                <a:ea typeface="굴림체" panose="020B0609000101010101" pitchFamily="49" charset="-127"/>
+              </a:rPr>
+              <a:t> </a:t>
+            </a:r>
+            <a:r>
+              <a:rPr kumimoji="0" lang="ko-KR" altLang="ko-KR" sz="900" b="0" i="0" u="none" strike="noStrike" cap="none" normalizeH="0" baseline="0" dirty="0" err="1">
+                <a:ln>
+                  <a:noFill/>
+                </a:ln>
+                <a:solidFill>
+                  <a:srgbClr val="A9B7C6"/>
+                </a:solidFill>
+                <a:effectLst/>
+                <a:latin typeface="굴림체" panose="020B0609000101010101" pitchFamily="49" charset="-127"/>
+                <a:ea typeface="굴림체" panose="020B0609000101010101" pitchFamily="49" charset="-127"/>
+              </a:rPr>
+              <a:t>server</a:t>
+            </a:r>
+            <a:r>
+              <a:rPr kumimoji="0" lang="ko-KR" altLang="ko-KR" sz="900" b="0" i="0" u="none" strike="noStrike" cap="none" normalizeH="0" baseline="0" dirty="0">
+                <a:ln>
+                  <a:noFill/>
+                </a:ln>
+                <a:solidFill>
+                  <a:srgbClr val="A9B7C6"/>
+                </a:solidFill>
+                <a:effectLst/>
+                <a:latin typeface="굴림체" panose="020B0609000101010101" pitchFamily="49" charset="-127"/>
+                <a:ea typeface="굴림체" panose="020B0609000101010101" pitchFamily="49" charset="-127"/>
+              </a:rPr>
+              <a:t> = </a:t>
+            </a:r>
+            <a:r>
+              <a:rPr kumimoji="0" lang="ko-KR" altLang="ko-KR" sz="900" b="0" i="0" u="none" strike="noStrike" cap="none" normalizeH="0" baseline="0" dirty="0" err="1">
+                <a:ln>
+                  <a:noFill/>
+                </a:ln>
+                <a:solidFill>
+                  <a:srgbClr val="CC7832"/>
+                </a:solidFill>
+                <a:effectLst/>
+                <a:latin typeface="굴림체" panose="020B0609000101010101" pitchFamily="49" charset="-127"/>
+                <a:ea typeface="굴림체" panose="020B0609000101010101" pitchFamily="49" charset="-127"/>
+              </a:rPr>
+              <a:t>new</a:t>
+            </a:r>
+            <a:r>
+              <a:rPr kumimoji="0" lang="ko-KR" altLang="ko-KR" sz="900" b="0" i="0" u="none" strike="noStrike" cap="none" normalizeH="0" baseline="0" dirty="0">
+                <a:ln>
+                  <a:noFill/>
+                </a:ln>
+                <a:solidFill>
+                  <a:srgbClr val="CC7832"/>
+                </a:solidFill>
+                <a:effectLst/>
+                <a:latin typeface="굴림체" panose="020B0609000101010101" pitchFamily="49" charset="-127"/>
+                <a:ea typeface="굴림체" panose="020B0609000101010101" pitchFamily="49" charset="-127"/>
+              </a:rPr>
+              <a:t> </a:t>
+            </a:r>
+            <a:r>
+              <a:rPr kumimoji="0" lang="ko-KR" altLang="ko-KR" sz="900" b="0" i="0" u="none" strike="noStrike" cap="none" normalizeH="0" baseline="0" dirty="0" err="1">
+                <a:ln>
+                  <a:noFill/>
+                </a:ln>
+                <a:solidFill>
+                  <a:srgbClr val="A9B7C6"/>
+                </a:solidFill>
+                <a:effectLst/>
+                <a:latin typeface="굴림체" panose="020B0609000101010101" pitchFamily="49" charset="-127"/>
+                <a:ea typeface="굴림체" panose="020B0609000101010101" pitchFamily="49" charset="-127"/>
+              </a:rPr>
+              <a:t>HttpServer</a:t>
+            </a:r>
+            <a:r>
+              <a:rPr kumimoji="0" lang="ko-KR" altLang="ko-KR" sz="900" b="0" i="0" u="none" strike="noStrike" cap="none" normalizeH="0" baseline="0" dirty="0">
+                <a:ln>
+                  <a:noFill/>
+                </a:ln>
+                <a:solidFill>
+                  <a:srgbClr val="A9B7C6"/>
+                </a:solidFill>
+                <a:effectLst/>
+                <a:latin typeface="굴림체" panose="020B0609000101010101" pitchFamily="49" charset="-127"/>
+                <a:ea typeface="굴림체" panose="020B0609000101010101" pitchFamily="49" charset="-127"/>
+              </a:rPr>
+              <a:t>(</a:t>
+            </a:r>
+            <a:r>
+              <a:rPr kumimoji="0" lang="ko-KR" altLang="ko-KR" sz="900" b="0" i="0" u="none" strike="noStrike" cap="none" normalizeH="0" baseline="0" dirty="0">
+                <a:ln>
+                  <a:noFill/>
+                </a:ln>
+                <a:solidFill>
+                  <a:srgbClr val="6897BB"/>
+                </a:solidFill>
+                <a:effectLst/>
+                <a:latin typeface="굴림체" panose="020B0609000101010101" pitchFamily="49" charset="-127"/>
+                <a:ea typeface="굴림체" panose="020B0609000101010101" pitchFamily="49" charset="-127"/>
+              </a:rPr>
+              <a:t>8080</a:t>
+            </a:r>
+            <a:r>
+              <a:rPr kumimoji="0" lang="ko-KR" altLang="ko-KR" sz="900" b="0" i="0" u="none" strike="noStrike" cap="none" normalizeH="0" baseline="0" dirty="0">
+                <a:ln>
+                  <a:noFill/>
+                </a:ln>
+                <a:solidFill>
+                  <a:srgbClr val="A9B7C6"/>
+                </a:solidFill>
+                <a:effectLst/>
+                <a:latin typeface="굴림체" panose="020B0609000101010101" pitchFamily="49" charset="-127"/>
+                <a:ea typeface="굴림체" panose="020B0609000101010101" pitchFamily="49" charset="-127"/>
+              </a:rPr>
+              <a:t>)</a:t>
+            </a:r>
+            <a:r>
+              <a:rPr kumimoji="0" lang="ko-KR" altLang="ko-KR" sz="900" b="0" i="0" u="none" strike="noStrike" cap="none" normalizeH="0" baseline="0" dirty="0">
+                <a:ln>
+                  <a:noFill/>
+                </a:ln>
+                <a:solidFill>
+                  <a:srgbClr val="CC7832"/>
+                </a:solidFill>
+                <a:effectLst/>
+                <a:latin typeface="굴림체" panose="020B0609000101010101" pitchFamily="49" charset="-127"/>
+                <a:ea typeface="굴림체" panose="020B0609000101010101" pitchFamily="49" charset="-127"/>
+              </a:rPr>
+              <a:t>;</a:t>
+            </a:r>
+            <a:br>
+              <a:rPr kumimoji="0" lang="ko-KR" altLang="ko-KR" sz="900" b="0" i="0" u="none" strike="noStrike" cap="none" normalizeH="0" baseline="0" dirty="0">
+                <a:ln>
+                  <a:noFill/>
+                </a:ln>
+                <a:solidFill>
+                  <a:srgbClr val="CC7832"/>
+                </a:solidFill>
+                <a:effectLst/>
+                <a:latin typeface="굴림체" panose="020B0609000101010101" pitchFamily="49" charset="-127"/>
+                <a:ea typeface="굴림체" panose="020B0609000101010101" pitchFamily="49" charset="-127"/>
+              </a:rPr>
+            </a:br>
+            <a:r>
+              <a:rPr kumimoji="0" lang="ko-KR" altLang="ko-KR" sz="900" b="0" i="0" u="none" strike="noStrike" cap="none" normalizeH="0" baseline="0" dirty="0">
+                <a:ln>
+                  <a:noFill/>
+                </a:ln>
+                <a:solidFill>
+                  <a:srgbClr val="CC7832"/>
+                </a:solidFill>
+                <a:effectLst/>
+                <a:latin typeface="굴림체" panose="020B0609000101010101" pitchFamily="49" charset="-127"/>
+                <a:ea typeface="굴림체" panose="020B0609000101010101" pitchFamily="49" charset="-127"/>
+              </a:rPr>
+              <a:t>        </a:t>
+            </a:r>
+            <a:r>
+              <a:rPr kumimoji="0" lang="ko-KR" altLang="ko-KR" sz="900" b="0" i="0" u="none" strike="noStrike" cap="none" normalizeH="0" baseline="0" dirty="0" err="1">
+                <a:ln>
+                  <a:noFill/>
+                </a:ln>
+                <a:solidFill>
+                  <a:srgbClr val="A9B7C6"/>
+                </a:solidFill>
+                <a:effectLst/>
+                <a:latin typeface="굴림체" panose="020B0609000101010101" pitchFamily="49" charset="-127"/>
+                <a:ea typeface="굴림체" panose="020B0609000101010101" pitchFamily="49" charset="-127"/>
+              </a:rPr>
+              <a:t>server.start</a:t>
+            </a:r>
+            <a:r>
+              <a:rPr kumimoji="0" lang="ko-KR" altLang="ko-KR" sz="900" b="0" i="0" u="none" strike="noStrike" cap="none" normalizeH="0" baseline="0" dirty="0">
+                <a:ln>
+                  <a:noFill/>
+                </a:ln>
+                <a:solidFill>
+                  <a:srgbClr val="A9B7C6"/>
+                </a:solidFill>
+                <a:effectLst/>
+                <a:latin typeface="굴림체" panose="020B0609000101010101" pitchFamily="49" charset="-127"/>
+                <a:ea typeface="굴림체" panose="020B0609000101010101" pitchFamily="49" charset="-127"/>
+              </a:rPr>
+              <a:t>()</a:t>
+            </a:r>
+            <a:r>
+              <a:rPr kumimoji="0" lang="ko-KR" altLang="ko-KR" sz="900" b="0" i="0" u="none" strike="noStrike" cap="none" normalizeH="0" baseline="0" dirty="0">
+                <a:ln>
+                  <a:noFill/>
+                </a:ln>
+                <a:solidFill>
+                  <a:srgbClr val="CC7832"/>
+                </a:solidFill>
+                <a:effectLst/>
+                <a:latin typeface="굴림체" panose="020B0609000101010101" pitchFamily="49" charset="-127"/>
+                <a:ea typeface="굴림체" panose="020B0609000101010101" pitchFamily="49" charset="-127"/>
+              </a:rPr>
+              <a:t>;</a:t>
+            </a:r>
+            <a:br>
+              <a:rPr kumimoji="0" lang="ko-KR" altLang="ko-KR" sz="900" b="0" i="0" u="none" strike="noStrike" cap="none" normalizeH="0" baseline="0" dirty="0">
+                <a:ln>
+                  <a:noFill/>
+                </a:ln>
+                <a:solidFill>
+                  <a:srgbClr val="CC7832"/>
+                </a:solidFill>
+                <a:effectLst/>
+                <a:latin typeface="굴림체" panose="020B0609000101010101" pitchFamily="49" charset="-127"/>
+                <a:ea typeface="굴림체" panose="020B0609000101010101" pitchFamily="49" charset="-127"/>
+              </a:rPr>
+            </a:br>
+            <a:r>
+              <a:rPr kumimoji="0" lang="ko-KR" altLang="ko-KR" sz="900" b="0" i="0" u="none" strike="noStrike" cap="none" normalizeH="0" baseline="0" dirty="0">
+                <a:ln>
+                  <a:noFill/>
+                </a:ln>
+                <a:solidFill>
+                  <a:srgbClr val="CC7832"/>
+                </a:solidFill>
+                <a:effectLst/>
+                <a:latin typeface="굴림체" panose="020B0609000101010101" pitchFamily="49" charset="-127"/>
+                <a:ea typeface="굴림체" panose="020B0609000101010101" pitchFamily="49" charset="-127"/>
+              </a:rPr>
+              <a:t>    </a:t>
+            </a:r>
+            <a:r>
+              <a:rPr kumimoji="0" lang="ko-KR" altLang="ko-KR" sz="900" b="0" i="0" u="none" strike="noStrike" cap="none" normalizeH="0" baseline="0" dirty="0">
+                <a:ln>
+                  <a:noFill/>
+                </a:ln>
+                <a:solidFill>
+                  <a:srgbClr val="A9B7C6"/>
+                </a:solidFill>
+                <a:effectLst/>
+                <a:latin typeface="굴림체" panose="020B0609000101010101" pitchFamily="49" charset="-127"/>
+                <a:ea typeface="굴림체" panose="020B0609000101010101" pitchFamily="49" charset="-127"/>
+              </a:rPr>
+              <a:t>}</a:t>
+            </a:r>
+            <a:br>
+              <a:rPr kumimoji="0" lang="ko-KR" altLang="ko-KR" sz="900" b="0" i="0" u="none" strike="noStrike" cap="none" normalizeH="0" baseline="0" dirty="0">
+                <a:ln>
+                  <a:noFill/>
+                </a:ln>
+                <a:solidFill>
+                  <a:srgbClr val="A9B7C6"/>
+                </a:solidFill>
+                <a:effectLst/>
+                <a:latin typeface="굴림체" panose="020B0609000101010101" pitchFamily="49" charset="-127"/>
+                <a:ea typeface="굴림체" panose="020B0609000101010101" pitchFamily="49" charset="-127"/>
+              </a:rPr>
+            </a:br>
+            <a:br>
+              <a:rPr kumimoji="0" lang="ko-KR" altLang="ko-KR" sz="900" b="0" i="0" u="none" strike="noStrike" cap="none" normalizeH="0" baseline="0" dirty="0">
+                <a:ln>
+                  <a:noFill/>
+                </a:ln>
+                <a:solidFill>
+                  <a:srgbClr val="A9B7C6"/>
+                </a:solidFill>
+                <a:effectLst/>
+                <a:latin typeface="굴림체" panose="020B0609000101010101" pitchFamily="49" charset="-127"/>
+                <a:ea typeface="굴림체" panose="020B0609000101010101" pitchFamily="49" charset="-127"/>
+              </a:rPr>
+            </a:br>
+            <a:r>
+              <a:rPr kumimoji="0" lang="ko-KR" altLang="ko-KR" sz="900" b="0" i="0" u="none" strike="noStrike" cap="none" normalizeH="0" baseline="0" dirty="0">
+                <a:ln>
+                  <a:noFill/>
+                </a:ln>
+                <a:solidFill>
+                  <a:srgbClr val="A9B7C6"/>
+                </a:solidFill>
+                <a:effectLst/>
+                <a:latin typeface="굴림체" panose="020B0609000101010101" pitchFamily="49" charset="-127"/>
+                <a:ea typeface="굴림체" panose="020B0609000101010101" pitchFamily="49" charset="-127"/>
+              </a:rPr>
+              <a:t>    </a:t>
+            </a:r>
+            <a:r>
+              <a:rPr kumimoji="0" lang="ko-KR" altLang="ko-KR" sz="900" b="0" i="0" u="none" strike="noStrike" cap="none" normalizeH="0" baseline="0" dirty="0" err="1">
+                <a:ln>
+                  <a:noFill/>
+                </a:ln>
+                <a:solidFill>
+                  <a:srgbClr val="CC7832"/>
+                </a:solidFill>
+                <a:effectLst/>
+                <a:latin typeface="굴림체" panose="020B0609000101010101" pitchFamily="49" charset="-127"/>
+                <a:ea typeface="굴림체" panose="020B0609000101010101" pitchFamily="49" charset="-127"/>
+              </a:rPr>
+              <a:t>public</a:t>
+            </a:r>
+            <a:r>
+              <a:rPr kumimoji="0" lang="ko-KR" altLang="ko-KR" sz="900" b="0" i="0" u="none" strike="noStrike" cap="none" normalizeH="0" baseline="0" dirty="0">
+                <a:ln>
+                  <a:noFill/>
+                </a:ln>
+                <a:solidFill>
+                  <a:srgbClr val="CC7832"/>
+                </a:solidFill>
+                <a:effectLst/>
+                <a:latin typeface="굴림체" panose="020B0609000101010101" pitchFamily="49" charset="-127"/>
+                <a:ea typeface="굴림체" panose="020B0609000101010101" pitchFamily="49" charset="-127"/>
+              </a:rPr>
+              <a:t> </a:t>
+            </a:r>
+            <a:r>
+              <a:rPr kumimoji="0" lang="ko-KR" altLang="ko-KR" sz="900" b="0" i="0" u="none" strike="noStrike" cap="none" normalizeH="0" baseline="0" dirty="0" err="1">
+                <a:ln>
+                  <a:noFill/>
+                </a:ln>
+                <a:solidFill>
+                  <a:srgbClr val="A9B7C6"/>
+                </a:solidFill>
+                <a:effectLst/>
+                <a:latin typeface="굴림체" panose="020B0609000101010101" pitchFamily="49" charset="-127"/>
+                <a:ea typeface="굴림체" panose="020B0609000101010101" pitchFamily="49" charset="-127"/>
+              </a:rPr>
+              <a:t>String</a:t>
+            </a:r>
+            <a:r>
+              <a:rPr kumimoji="0" lang="ko-KR" altLang="ko-KR" sz="900" b="0" i="0" u="none" strike="noStrike" cap="none" normalizeH="0" baseline="0" dirty="0">
+                <a:ln>
+                  <a:noFill/>
+                </a:ln>
+                <a:solidFill>
+                  <a:srgbClr val="A9B7C6"/>
+                </a:solidFill>
+                <a:effectLst/>
+                <a:latin typeface="굴림체" panose="020B0609000101010101" pitchFamily="49" charset="-127"/>
+                <a:ea typeface="굴림체" panose="020B0609000101010101" pitchFamily="49" charset="-127"/>
+              </a:rPr>
+              <a:t> </a:t>
+            </a:r>
+            <a:r>
+              <a:rPr kumimoji="0" lang="ko-KR" altLang="ko-KR" sz="900" b="0" i="0" u="none" strike="noStrike" cap="none" normalizeH="0" baseline="0" dirty="0" err="1">
+                <a:ln>
+                  <a:noFill/>
+                </a:ln>
+                <a:solidFill>
+                  <a:srgbClr val="FFC66D"/>
+                </a:solidFill>
+                <a:effectLst/>
+                <a:latin typeface="굴림체" panose="020B0609000101010101" pitchFamily="49" charset="-127"/>
+                <a:ea typeface="굴림체" panose="020B0609000101010101" pitchFamily="49" charset="-127"/>
+              </a:rPr>
+              <a:t>request</a:t>
+            </a:r>
+            <a:r>
+              <a:rPr kumimoji="0" lang="ko-KR" altLang="ko-KR" sz="900" b="0" i="0" u="none" strike="noStrike" cap="none" normalizeH="0" baseline="0" dirty="0">
+                <a:ln>
+                  <a:noFill/>
+                </a:ln>
+                <a:solidFill>
+                  <a:srgbClr val="A9B7C6"/>
+                </a:solidFill>
+                <a:effectLst/>
+                <a:latin typeface="굴림체" panose="020B0609000101010101" pitchFamily="49" charset="-127"/>
+                <a:ea typeface="굴림체" panose="020B0609000101010101" pitchFamily="49" charset="-127"/>
+              </a:rPr>
+              <a:t>(){</a:t>
+            </a:r>
+            <a:br>
+              <a:rPr kumimoji="0" lang="ko-KR" altLang="ko-KR" sz="900" b="0" i="0" u="none" strike="noStrike" cap="none" normalizeH="0" baseline="0" dirty="0">
+                <a:ln>
+                  <a:noFill/>
+                </a:ln>
+                <a:solidFill>
+                  <a:srgbClr val="A9B7C6"/>
+                </a:solidFill>
+                <a:effectLst/>
+                <a:latin typeface="굴림체" panose="020B0609000101010101" pitchFamily="49" charset="-127"/>
+                <a:ea typeface="굴림체" panose="020B0609000101010101" pitchFamily="49" charset="-127"/>
+              </a:rPr>
+            </a:br>
+            <a:r>
+              <a:rPr kumimoji="0" lang="ko-KR" altLang="ko-KR" sz="900" b="0" i="0" u="none" strike="noStrike" cap="none" normalizeH="0" baseline="0" dirty="0">
+                <a:ln>
+                  <a:noFill/>
+                </a:ln>
+                <a:solidFill>
+                  <a:srgbClr val="A9B7C6"/>
+                </a:solidFill>
+                <a:effectLst/>
+                <a:latin typeface="굴림체" panose="020B0609000101010101" pitchFamily="49" charset="-127"/>
+                <a:ea typeface="굴림체" panose="020B0609000101010101" pitchFamily="49" charset="-127"/>
+              </a:rPr>
+              <a:t>        </a:t>
+            </a:r>
+            <a:r>
+              <a:rPr kumimoji="0" lang="ko-KR" altLang="ko-KR" sz="900" b="0" i="0" u="none" strike="noStrike" cap="none" normalizeH="0" baseline="0" dirty="0" err="1">
+                <a:ln>
+                  <a:noFill/>
+                </a:ln>
+                <a:solidFill>
+                  <a:srgbClr val="CC7832"/>
+                </a:solidFill>
+                <a:effectLst/>
+                <a:latin typeface="굴림체" panose="020B0609000101010101" pitchFamily="49" charset="-127"/>
+                <a:ea typeface="굴림체" panose="020B0609000101010101" pitchFamily="49" charset="-127"/>
+              </a:rPr>
+              <a:t>try</a:t>
+            </a:r>
+            <a:r>
+              <a:rPr kumimoji="0" lang="ko-KR" altLang="ko-KR" sz="900" b="0" i="0" u="none" strike="noStrike" cap="none" normalizeH="0" baseline="0" dirty="0">
+                <a:ln>
+                  <a:noFill/>
+                </a:ln>
+                <a:solidFill>
+                  <a:srgbClr val="CC7832"/>
+                </a:solidFill>
+                <a:effectLst/>
+                <a:latin typeface="굴림체" panose="020B0609000101010101" pitchFamily="49" charset="-127"/>
+                <a:ea typeface="굴림체" panose="020B0609000101010101" pitchFamily="49" charset="-127"/>
+              </a:rPr>
+              <a:t> </a:t>
+            </a:r>
+            <a:r>
+              <a:rPr kumimoji="0" lang="ko-KR" altLang="ko-KR" sz="900" b="0" i="0" u="none" strike="noStrike" cap="none" normalizeH="0" baseline="0" dirty="0">
+                <a:ln>
+                  <a:noFill/>
+                </a:ln>
+                <a:solidFill>
+                  <a:srgbClr val="A9B7C6"/>
+                </a:solidFill>
+                <a:effectLst/>
+                <a:latin typeface="굴림체" panose="020B0609000101010101" pitchFamily="49" charset="-127"/>
+                <a:ea typeface="굴림체" panose="020B0609000101010101" pitchFamily="49" charset="-127"/>
+              </a:rPr>
+              <a:t>{</a:t>
+            </a:r>
+            <a:br>
+              <a:rPr kumimoji="0" lang="ko-KR" altLang="ko-KR" sz="900" b="0" i="0" u="none" strike="noStrike" cap="none" normalizeH="0" baseline="0" dirty="0">
+                <a:ln>
+                  <a:noFill/>
+                </a:ln>
+                <a:solidFill>
+                  <a:srgbClr val="A9B7C6"/>
+                </a:solidFill>
+                <a:effectLst/>
+                <a:latin typeface="굴림체" panose="020B0609000101010101" pitchFamily="49" charset="-127"/>
+                <a:ea typeface="굴림체" panose="020B0609000101010101" pitchFamily="49" charset="-127"/>
+              </a:rPr>
+            </a:br>
+            <a:r>
+              <a:rPr kumimoji="0" lang="ko-KR" altLang="ko-KR" sz="900" b="0" i="0" u="none" strike="noStrike" cap="none" normalizeH="0" baseline="0" dirty="0">
+                <a:ln>
+                  <a:noFill/>
+                </a:ln>
+                <a:solidFill>
+                  <a:srgbClr val="A9B7C6"/>
+                </a:solidFill>
+                <a:effectLst/>
+                <a:latin typeface="굴림체" panose="020B0609000101010101" pitchFamily="49" charset="-127"/>
+                <a:ea typeface="굴림체" panose="020B0609000101010101" pitchFamily="49" charset="-127"/>
+              </a:rPr>
+              <a:t>            </a:t>
+            </a:r>
+            <a:r>
+              <a:rPr kumimoji="0" lang="ko-KR" altLang="ko-KR" sz="900" b="0" i="0" u="none" strike="noStrike" cap="none" normalizeH="0" baseline="0" dirty="0" err="1">
+                <a:ln>
+                  <a:noFill/>
+                </a:ln>
+                <a:solidFill>
+                  <a:srgbClr val="A9B7C6"/>
+                </a:solidFill>
+                <a:effectLst/>
+                <a:latin typeface="굴림체" panose="020B0609000101010101" pitchFamily="49" charset="-127"/>
+                <a:ea typeface="굴림체" panose="020B0609000101010101" pitchFamily="49" charset="-127"/>
+              </a:rPr>
+              <a:t>StringBuilder</a:t>
+            </a:r>
+            <a:r>
+              <a:rPr kumimoji="0" lang="ko-KR" altLang="ko-KR" sz="900" b="0" i="0" u="none" strike="noStrike" cap="none" normalizeH="0" baseline="0" dirty="0">
+                <a:ln>
+                  <a:noFill/>
+                </a:ln>
+                <a:solidFill>
+                  <a:srgbClr val="A9B7C6"/>
+                </a:solidFill>
+                <a:effectLst/>
+                <a:latin typeface="굴림체" panose="020B0609000101010101" pitchFamily="49" charset="-127"/>
+                <a:ea typeface="굴림체" panose="020B0609000101010101" pitchFamily="49" charset="-127"/>
+              </a:rPr>
+              <a:t> </a:t>
+            </a:r>
+            <a:r>
+              <a:rPr kumimoji="0" lang="ko-KR" altLang="ko-KR" sz="900" b="0" i="0" u="none" strike="noStrike" cap="none" normalizeH="0" baseline="0" dirty="0" err="1">
+                <a:ln>
+                  <a:noFill/>
+                </a:ln>
+                <a:solidFill>
+                  <a:srgbClr val="A9B7C6"/>
+                </a:solidFill>
+                <a:effectLst/>
+                <a:latin typeface="굴림체" panose="020B0609000101010101" pitchFamily="49" charset="-127"/>
+                <a:ea typeface="굴림체" panose="020B0609000101010101" pitchFamily="49" charset="-127"/>
+              </a:rPr>
+              <a:t>urlBuilder</a:t>
+            </a:r>
+            <a:r>
+              <a:rPr kumimoji="0" lang="ko-KR" altLang="ko-KR" sz="900" b="0" i="0" u="none" strike="noStrike" cap="none" normalizeH="0" baseline="0" dirty="0">
+                <a:ln>
+                  <a:noFill/>
+                </a:ln>
+                <a:solidFill>
+                  <a:srgbClr val="A9B7C6"/>
+                </a:solidFill>
+                <a:effectLst/>
+                <a:latin typeface="굴림체" panose="020B0609000101010101" pitchFamily="49" charset="-127"/>
+                <a:ea typeface="굴림체" panose="020B0609000101010101" pitchFamily="49" charset="-127"/>
+              </a:rPr>
+              <a:t> = </a:t>
+            </a:r>
+            <a:r>
+              <a:rPr kumimoji="0" lang="ko-KR" altLang="ko-KR" sz="900" b="0" i="0" u="none" strike="noStrike" cap="none" normalizeH="0" baseline="0" dirty="0" err="1">
+                <a:ln>
+                  <a:noFill/>
+                </a:ln>
+                <a:solidFill>
+                  <a:srgbClr val="CC7832"/>
+                </a:solidFill>
+                <a:effectLst/>
+                <a:latin typeface="굴림체" panose="020B0609000101010101" pitchFamily="49" charset="-127"/>
+                <a:ea typeface="굴림체" panose="020B0609000101010101" pitchFamily="49" charset="-127"/>
+              </a:rPr>
+              <a:t>new</a:t>
+            </a:r>
+            <a:r>
+              <a:rPr kumimoji="0" lang="ko-KR" altLang="ko-KR" sz="900" b="0" i="0" u="none" strike="noStrike" cap="none" normalizeH="0" baseline="0" dirty="0">
+                <a:ln>
+                  <a:noFill/>
+                </a:ln>
+                <a:solidFill>
+                  <a:srgbClr val="CC7832"/>
+                </a:solidFill>
+                <a:effectLst/>
+                <a:latin typeface="굴림체" panose="020B0609000101010101" pitchFamily="49" charset="-127"/>
+                <a:ea typeface="굴림체" panose="020B0609000101010101" pitchFamily="49" charset="-127"/>
+              </a:rPr>
+              <a:t> </a:t>
+            </a:r>
+            <a:r>
+              <a:rPr kumimoji="0" lang="ko-KR" altLang="ko-KR" sz="900" b="0" i="0" u="none" strike="noStrike" cap="none" normalizeH="0" baseline="0" dirty="0" err="1">
+                <a:ln>
+                  <a:noFill/>
+                </a:ln>
+                <a:solidFill>
+                  <a:srgbClr val="A9B7C6"/>
+                </a:solidFill>
+                <a:effectLst/>
+                <a:latin typeface="굴림체" panose="020B0609000101010101" pitchFamily="49" charset="-127"/>
+                <a:ea typeface="굴림체" panose="020B0609000101010101" pitchFamily="49" charset="-127"/>
+              </a:rPr>
+              <a:t>StringBuilder</a:t>
+            </a:r>
+            <a:r>
+              <a:rPr kumimoji="0" lang="ko-KR" altLang="ko-KR" sz="900" b="0" i="0" u="none" strike="noStrike" cap="none" normalizeH="0" baseline="0" dirty="0">
+                <a:ln>
+                  <a:noFill/>
+                </a:ln>
+                <a:solidFill>
+                  <a:srgbClr val="A9B7C6"/>
+                </a:solidFill>
+                <a:effectLst/>
+                <a:latin typeface="굴림체" panose="020B0609000101010101" pitchFamily="49" charset="-127"/>
+                <a:ea typeface="굴림체" panose="020B0609000101010101" pitchFamily="49" charset="-127"/>
+              </a:rPr>
+              <a:t>(</a:t>
+            </a:r>
+            <a:r>
+              <a:rPr kumimoji="0" lang="ko-KR" altLang="ko-KR" sz="900" b="0" i="0" u="none" strike="noStrike" cap="none" normalizeH="0" baseline="0" dirty="0">
+                <a:ln>
+                  <a:noFill/>
+                </a:ln>
+                <a:solidFill>
+                  <a:srgbClr val="6A8759"/>
+                </a:solidFill>
+                <a:effectLst/>
+                <a:latin typeface="굴림체" panose="020B0609000101010101" pitchFamily="49" charset="-127"/>
+                <a:ea typeface="굴림체" panose="020B0609000101010101" pitchFamily="49" charset="-127"/>
+              </a:rPr>
+              <a:t>"http://127.0.0.1:8080"</a:t>
+            </a:r>
+            <a:r>
+              <a:rPr kumimoji="0" lang="ko-KR" altLang="ko-KR" sz="900" b="0" i="0" u="none" strike="noStrike" cap="none" normalizeH="0" baseline="0" dirty="0">
+                <a:ln>
+                  <a:noFill/>
+                </a:ln>
+                <a:solidFill>
+                  <a:srgbClr val="A9B7C6"/>
+                </a:solidFill>
+                <a:effectLst/>
+                <a:latin typeface="굴림체" panose="020B0609000101010101" pitchFamily="49" charset="-127"/>
+                <a:ea typeface="굴림체" panose="020B0609000101010101" pitchFamily="49" charset="-127"/>
+              </a:rPr>
+              <a:t>)</a:t>
+            </a:r>
+            <a:r>
+              <a:rPr kumimoji="0" lang="ko-KR" altLang="ko-KR" sz="900" b="0" i="0" u="none" strike="noStrike" cap="none" normalizeH="0" baseline="0" dirty="0">
+                <a:ln>
+                  <a:noFill/>
+                </a:ln>
+                <a:solidFill>
+                  <a:srgbClr val="CC7832"/>
+                </a:solidFill>
+                <a:effectLst/>
+                <a:latin typeface="굴림체" panose="020B0609000101010101" pitchFamily="49" charset="-127"/>
+                <a:ea typeface="굴림체" panose="020B0609000101010101" pitchFamily="49" charset="-127"/>
+              </a:rPr>
+              <a:t>; </a:t>
+            </a:r>
+            <a:r>
+              <a:rPr kumimoji="0" lang="ko-KR" altLang="ko-KR" sz="900" b="0" i="0" u="none" strike="noStrike" cap="none" normalizeH="0" baseline="0" dirty="0">
+                <a:ln>
+                  <a:noFill/>
+                </a:ln>
+                <a:solidFill>
+                  <a:srgbClr val="808080"/>
+                </a:solidFill>
+                <a:effectLst/>
+                <a:latin typeface="굴림체" panose="020B0609000101010101" pitchFamily="49" charset="-127"/>
+                <a:ea typeface="굴림체" panose="020B0609000101010101" pitchFamily="49" charset="-127"/>
+              </a:rPr>
+              <a:t>/*URL*/</a:t>
+            </a:r>
+            <a:br>
+              <a:rPr kumimoji="0" lang="ko-KR" altLang="ko-KR" sz="900" b="0" i="0" u="none" strike="noStrike" cap="none" normalizeH="0" baseline="0" dirty="0">
+                <a:ln>
+                  <a:noFill/>
+                </a:ln>
+                <a:solidFill>
+                  <a:srgbClr val="808080"/>
+                </a:solidFill>
+                <a:effectLst/>
+                <a:latin typeface="굴림체" panose="020B0609000101010101" pitchFamily="49" charset="-127"/>
+                <a:ea typeface="굴림체" panose="020B0609000101010101" pitchFamily="49" charset="-127"/>
+              </a:rPr>
+            </a:br>
+            <a:r>
+              <a:rPr kumimoji="0" lang="ko-KR" altLang="ko-KR" sz="900" b="0" i="0" u="none" strike="noStrike" cap="none" normalizeH="0" baseline="0" dirty="0">
+                <a:ln>
+                  <a:noFill/>
+                </a:ln>
+                <a:solidFill>
+                  <a:srgbClr val="808080"/>
+                </a:solidFill>
+                <a:effectLst/>
+                <a:latin typeface="굴림체" panose="020B0609000101010101" pitchFamily="49" charset="-127"/>
+                <a:ea typeface="굴림체" panose="020B0609000101010101" pitchFamily="49" charset="-127"/>
+              </a:rPr>
+              <a:t>            </a:t>
+            </a:r>
+            <a:r>
+              <a:rPr kumimoji="0" lang="ko-KR" altLang="ko-KR" sz="900" b="0" i="0" u="none" strike="noStrike" cap="none" normalizeH="0" baseline="0" dirty="0">
+                <a:ln>
+                  <a:noFill/>
+                </a:ln>
+                <a:solidFill>
+                  <a:srgbClr val="A9B7C6"/>
+                </a:solidFill>
+                <a:effectLst/>
+                <a:latin typeface="굴림체" panose="020B0609000101010101" pitchFamily="49" charset="-127"/>
+                <a:ea typeface="굴림체" panose="020B0609000101010101" pitchFamily="49" charset="-127"/>
+              </a:rPr>
+              <a:t>URL </a:t>
+            </a:r>
+            <a:r>
+              <a:rPr kumimoji="0" lang="ko-KR" altLang="ko-KR" sz="900" b="0" i="0" u="none" strike="noStrike" cap="none" normalizeH="0" baseline="0" dirty="0" err="1">
+                <a:ln>
+                  <a:noFill/>
+                </a:ln>
+                <a:solidFill>
+                  <a:srgbClr val="A9B7C6"/>
+                </a:solidFill>
+                <a:effectLst/>
+                <a:latin typeface="굴림체" panose="020B0609000101010101" pitchFamily="49" charset="-127"/>
+                <a:ea typeface="굴림체" panose="020B0609000101010101" pitchFamily="49" charset="-127"/>
+              </a:rPr>
+              <a:t>url</a:t>
+            </a:r>
+            <a:r>
+              <a:rPr kumimoji="0" lang="ko-KR" altLang="ko-KR" sz="900" b="0" i="0" u="none" strike="noStrike" cap="none" normalizeH="0" baseline="0" dirty="0">
+                <a:ln>
+                  <a:noFill/>
+                </a:ln>
+                <a:solidFill>
+                  <a:srgbClr val="A9B7C6"/>
+                </a:solidFill>
+                <a:effectLst/>
+                <a:latin typeface="굴림체" panose="020B0609000101010101" pitchFamily="49" charset="-127"/>
+                <a:ea typeface="굴림체" panose="020B0609000101010101" pitchFamily="49" charset="-127"/>
+              </a:rPr>
+              <a:t> = </a:t>
+            </a:r>
+            <a:r>
+              <a:rPr kumimoji="0" lang="ko-KR" altLang="ko-KR" sz="900" b="0" i="0" u="none" strike="noStrike" cap="none" normalizeH="0" baseline="0" dirty="0" err="1">
+                <a:ln>
+                  <a:noFill/>
+                </a:ln>
+                <a:solidFill>
+                  <a:srgbClr val="CC7832"/>
+                </a:solidFill>
+                <a:effectLst/>
+                <a:latin typeface="굴림체" panose="020B0609000101010101" pitchFamily="49" charset="-127"/>
+                <a:ea typeface="굴림체" panose="020B0609000101010101" pitchFamily="49" charset="-127"/>
+              </a:rPr>
+              <a:t>new</a:t>
+            </a:r>
+            <a:r>
+              <a:rPr kumimoji="0" lang="ko-KR" altLang="ko-KR" sz="900" b="0" i="0" u="none" strike="noStrike" cap="none" normalizeH="0" baseline="0" dirty="0">
+                <a:ln>
+                  <a:noFill/>
+                </a:ln>
+                <a:solidFill>
+                  <a:srgbClr val="CC7832"/>
+                </a:solidFill>
+                <a:effectLst/>
+                <a:latin typeface="굴림체" panose="020B0609000101010101" pitchFamily="49" charset="-127"/>
+                <a:ea typeface="굴림체" panose="020B0609000101010101" pitchFamily="49" charset="-127"/>
+              </a:rPr>
+              <a:t> </a:t>
+            </a:r>
+            <a:r>
+              <a:rPr kumimoji="0" lang="ko-KR" altLang="ko-KR" sz="900" b="0" i="0" u="none" strike="noStrike" cap="none" normalizeH="0" baseline="0" dirty="0">
+                <a:ln>
+                  <a:noFill/>
+                </a:ln>
+                <a:solidFill>
+                  <a:srgbClr val="A9B7C6"/>
+                </a:solidFill>
+                <a:effectLst/>
+                <a:latin typeface="굴림체" panose="020B0609000101010101" pitchFamily="49" charset="-127"/>
+                <a:ea typeface="굴림체" panose="020B0609000101010101" pitchFamily="49" charset="-127"/>
+              </a:rPr>
+              <a:t>URL(</a:t>
+            </a:r>
+            <a:r>
+              <a:rPr kumimoji="0" lang="ko-KR" altLang="ko-KR" sz="900" b="0" i="0" u="none" strike="noStrike" cap="none" normalizeH="0" baseline="0" dirty="0" err="1">
+                <a:ln>
+                  <a:noFill/>
+                </a:ln>
+                <a:solidFill>
+                  <a:srgbClr val="A9B7C6"/>
+                </a:solidFill>
+                <a:effectLst/>
+                <a:latin typeface="굴림체" panose="020B0609000101010101" pitchFamily="49" charset="-127"/>
+                <a:ea typeface="굴림체" panose="020B0609000101010101" pitchFamily="49" charset="-127"/>
+              </a:rPr>
+              <a:t>urlBuilder.toString</a:t>
+            </a:r>
+            <a:r>
+              <a:rPr kumimoji="0" lang="ko-KR" altLang="ko-KR" sz="900" b="0" i="0" u="none" strike="noStrike" cap="none" normalizeH="0" baseline="0" dirty="0">
+                <a:ln>
+                  <a:noFill/>
+                </a:ln>
+                <a:solidFill>
+                  <a:srgbClr val="A9B7C6"/>
+                </a:solidFill>
+                <a:effectLst/>
+                <a:latin typeface="굴림체" panose="020B0609000101010101" pitchFamily="49" charset="-127"/>
+                <a:ea typeface="굴림체" panose="020B0609000101010101" pitchFamily="49" charset="-127"/>
+              </a:rPr>
+              <a:t>())</a:t>
+            </a:r>
+            <a:r>
+              <a:rPr kumimoji="0" lang="ko-KR" altLang="ko-KR" sz="900" b="0" i="0" u="none" strike="noStrike" cap="none" normalizeH="0" baseline="0" dirty="0">
+                <a:ln>
+                  <a:noFill/>
+                </a:ln>
+                <a:solidFill>
+                  <a:srgbClr val="CC7832"/>
+                </a:solidFill>
+                <a:effectLst/>
+                <a:latin typeface="굴림체" panose="020B0609000101010101" pitchFamily="49" charset="-127"/>
+                <a:ea typeface="굴림체" panose="020B0609000101010101" pitchFamily="49" charset="-127"/>
+              </a:rPr>
+              <a:t>;</a:t>
+            </a:r>
+            <a:br>
+              <a:rPr kumimoji="0" lang="ko-KR" altLang="ko-KR" sz="900" b="0" i="0" u="none" strike="noStrike" cap="none" normalizeH="0" baseline="0" dirty="0">
+                <a:ln>
+                  <a:noFill/>
+                </a:ln>
+                <a:solidFill>
+                  <a:srgbClr val="CC7832"/>
+                </a:solidFill>
+                <a:effectLst/>
+                <a:latin typeface="굴림체" panose="020B0609000101010101" pitchFamily="49" charset="-127"/>
+                <a:ea typeface="굴림체" panose="020B0609000101010101" pitchFamily="49" charset="-127"/>
+              </a:rPr>
+            </a:br>
+            <a:r>
+              <a:rPr kumimoji="0" lang="ko-KR" altLang="ko-KR" sz="900" b="0" i="0" u="none" strike="noStrike" cap="none" normalizeH="0" baseline="0" dirty="0">
+                <a:ln>
+                  <a:noFill/>
+                </a:ln>
+                <a:solidFill>
+                  <a:srgbClr val="CC7832"/>
+                </a:solidFill>
+                <a:effectLst/>
+                <a:latin typeface="굴림체" panose="020B0609000101010101" pitchFamily="49" charset="-127"/>
+                <a:ea typeface="굴림체" panose="020B0609000101010101" pitchFamily="49" charset="-127"/>
+              </a:rPr>
+              <a:t>            </a:t>
+            </a:r>
+            <a:r>
+              <a:rPr kumimoji="0" lang="ko-KR" altLang="ko-KR" sz="900" b="0" i="0" u="none" strike="noStrike" cap="none" normalizeH="0" baseline="0" dirty="0" err="1">
+                <a:ln>
+                  <a:noFill/>
+                </a:ln>
+                <a:solidFill>
+                  <a:srgbClr val="A9B7C6"/>
+                </a:solidFill>
+                <a:effectLst/>
+                <a:latin typeface="굴림체" panose="020B0609000101010101" pitchFamily="49" charset="-127"/>
+                <a:ea typeface="굴림체" panose="020B0609000101010101" pitchFamily="49" charset="-127"/>
+              </a:rPr>
+              <a:t>HttpURLConnection</a:t>
+            </a:r>
+            <a:r>
+              <a:rPr kumimoji="0" lang="ko-KR" altLang="ko-KR" sz="900" b="0" i="0" u="none" strike="noStrike" cap="none" normalizeH="0" baseline="0" dirty="0">
+                <a:ln>
+                  <a:noFill/>
+                </a:ln>
+                <a:solidFill>
+                  <a:srgbClr val="A9B7C6"/>
+                </a:solidFill>
+                <a:effectLst/>
+                <a:latin typeface="굴림체" panose="020B0609000101010101" pitchFamily="49" charset="-127"/>
+                <a:ea typeface="굴림체" panose="020B0609000101010101" pitchFamily="49" charset="-127"/>
+              </a:rPr>
+              <a:t> </a:t>
+            </a:r>
+            <a:r>
+              <a:rPr kumimoji="0" lang="ko-KR" altLang="ko-KR" sz="900" b="0" i="0" u="none" strike="noStrike" cap="none" normalizeH="0" baseline="0" dirty="0" err="1">
+                <a:ln>
+                  <a:noFill/>
+                </a:ln>
+                <a:solidFill>
+                  <a:srgbClr val="A9B7C6"/>
+                </a:solidFill>
+                <a:effectLst/>
+                <a:latin typeface="굴림체" panose="020B0609000101010101" pitchFamily="49" charset="-127"/>
+                <a:ea typeface="굴림체" panose="020B0609000101010101" pitchFamily="49" charset="-127"/>
+              </a:rPr>
+              <a:t>conn</a:t>
+            </a:r>
+            <a:r>
+              <a:rPr kumimoji="0" lang="ko-KR" altLang="ko-KR" sz="900" b="0" i="0" u="none" strike="noStrike" cap="none" normalizeH="0" baseline="0" dirty="0">
+                <a:ln>
+                  <a:noFill/>
+                </a:ln>
+                <a:solidFill>
+                  <a:srgbClr val="A9B7C6"/>
+                </a:solidFill>
+                <a:effectLst/>
+                <a:latin typeface="굴림체" panose="020B0609000101010101" pitchFamily="49" charset="-127"/>
+                <a:ea typeface="굴림체" panose="020B0609000101010101" pitchFamily="49" charset="-127"/>
+              </a:rPr>
+              <a:t> = (</a:t>
+            </a:r>
+            <a:r>
+              <a:rPr kumimoji="0" lang="ko-KR" altLang="ko-KR" sz="900" b="0" i="0" u="none" strike="noStrike" cap="none" normalizeH="0" baseline="0" dirty="0" err="1">
+                <a:ln>
+                  <a:noFill/>
+                </a:ln>
+                <a:solidFill>
+                  <a:srgbClr val="A9B7C6"/>
+                </a:solidFill>
+                <a:effectLst/>
+                <a:latin typeface="굴림체" panose="020B0609000101010101" pitchFamily="49" charset="-127"/>
+                <a:ea typeface="굴림체" panose="020B0609000101010101" pitchFamily="49" charset="-127"/>
+              </a:rPr>
+              <a:t>HttpURLConnection</a:t>
+            </a:r>
+            <a:r>
+              <a:rPr kumimoji="0" lang="ko-KR" altLang="ko-KR" sz="900" b="0" i="0" u="none" strike="noStrike" cap="none" normalizeH="0" baseline="0" dirty="0">
+                <a:ln>
+                  <a:noFill/>
+                </a:ln>
+                <a:solidFill>
+                  <a:srgbClr val="A9B7C6"/>
+                </a:solidFill>
+                <a:effectLst/>
+                <a:latin typeface="굴림체" panose="020B0609000101010101" pitchFamily="49" charset="-127"/>
+                <a:ea typeface="굴림체" panose="020B0609000101010101" pitchFamily="49" charset="-127"/>
+              </a:rPr>
+              <a:t>) </a:t>
+            </a:r>
+            <a:r>
+              <a:rPr kumimoji="0" lang="ko-KR" altLang="ko-KR" sz="900" b="0" i="0" u="none" strike="noStrike" cap="none" normalizeH="0" baseline="0" dirty="0" err="1">
+                <a:ln>
+                  <a:noFill/>
+                </a:ln>
+                <a:solidFill>
+                  <a:srgbClr val="A9B7C6"/>
+                </a:solidFill>
+                <a:effectLst/>
+                <a:latin typeface="굴림체" panose="020B0609000101010101" pitchFamily="49" charset="-127"/>
+                <a:ea typeface="굴림체" panose="020B0609000101010101" pitchFamily="49" charset="-127"/>
+              </a:rPr>
+              <a:t>url.openConnection</a:t>
+            </a:r>
+            <a:r>
+              <a:rPr kumimoji="0" lang="ko-KR" altLang="ko-KR" sz="900" b="0" i="0" u="none" strike="noStrike" cap="none" normalizeH="0" baseline="0" dirty="0">
+                <a:ln>
+                  <a:noFill/>
+                </a:ln>
+                <a:solidFill>
+                  <a:srgbClr val="A9B7C6"/>
+                </a:solidFill>
+                <a:effectLst/>
+                <a:latin typeface="굴림체" panose="020B0609000101010101" pitchFamily="49" charset="-127"/>
+                <a:ea typeface="굴림체" panose="020B0609000101010101" pitchFamily="49" charset="-127"/>
+              </a:rPr>
+              <a:t>()</a:t>
+            </a:r>
+            <a:r>
+              <a:rPr kumimoji="0" lang="ko-KR" altLang="ko-KR" sz="900" b="0" i="0" u="none" strike="noStrike" cap="none" normalizeH="0" baseline="0" dirty="0">
+                <a:ln>
+                  <a:noFill/>
+                </a:ln>
+                <a:solidFill>
+                  <a:srgbClr val="CC7832"/>
+                </a:solidFill>
+                <a:effectLst/>
+                <a:latin typeface="굴림체" panose="020B0609000101010101" pitchFamily="49" charset="-127"/>
+                <a:ea typeface="굴림체" panose="020B0609000101010101" pitchFamily="49" charset="-127"/>
+              </a:rPr>
+              <a:t>;</a:t>
+            </a:r>
+            <a:br>
+              <a:rPr kumimoji="0" lang="ko-KR" altLang="ko-KR" sz="900" b="0" i="0" u="none" strike="noStrike" cap="none" normalizeH="0" baseline="0" dirty="0">
+                <a:ln>
+                  <a:noFill/>
+                </a:ln>
+                <a:solidFill>
+                  <a:srgbClr val="CC7832"/>
+                </a:solidFill>
+                <a:effectLst/>
+                <a:latin typeface="굴림체" panose="020B0609000101010101" pitchFamily="49" charset="-127"/>
+                <a:ea typeface="굴림체" panose="020B0609000101010101" pitchFamily="49" charset="-127"/>
+              </a:rPr>
+            </a:br>
+            <a:r>
+              <a:rPr kumimoji="0" lang="ko-KR" altLang="ko-KR" sz="900" b="0" i="0" u="none" strike="noStrike" cap="none" normalizeH="0" baseline="0" dirty="0">
+                <a:ln>
+                  <a:noFill/>
+                </a:ln>
+                <a:solidFill>
+                  <a:srgbClr val="CC7832"/>
+                </a:solidFill>
+                <a:effectLst/>
+                <a:latin typeface="굴림체" panose="020B0609000101010101" pitchFamily="49" charset="-127"/>
+                <a:ea typeface="굴림체" panose="020B0609000101010101" pitchFamily="49" charset="-127"/>
+              </a:rPr>
+              <a:t>            </a:t>
+            </a:r>
+            <a:r>
+              <a:rPr kumimoji="0" lang="ko-KR" altLang="ko-KR" sz="900" b="0" i="0" u="none" strike="noStrike" cap="none" normalizeH="0" baseline="0" dirty="0" err="1">
+                <a:ln>
+                  <a:noFill/>
+                </a:ln>
+                <a:solidFill>
+                  <a:srgbClr val="A9B7C6"/>
+                </a:solidFill>
+                <a:effectLst/>
+                <a:latin typeface="굴림체" panose="020B0609000101010101" pitchFamily="49" charset="-127"/>
+                <a:ea typeface="굴림체" panose="020B0609000101010101" pitchFamily="49" charset="-127"/>
+              </a:rPr>
+              <a:t>conn.setRequestMethod</a:t>
+            </a:r>
+            <a:r>
+              <a:rPr kumimoji="0" lang="ko-KR" altLang="ko-KR" sz="900" b="0" i="0" u="none" strike="noStrike" cap="none" normalizeH="0" baseline="0" dirty="0">
+                <a:ln>
+                  <a:noFill/>
+                </a:ln>
+                <a:solidFill>
+                  <a:srgbClr val="A9B7C6"/>
+                </a:solidFill>
+                <a:effectLst/>
+                <a:latin typeface="굴림체" panose="020B0609000101010101" pitchFamily="49" charset="-127"/>
+                <a:ea typeface="굴림체" panose="020B0609000101010101" pitchFamily="49" charset="-127"/>
+              </a:rPr>
+              <a:t>(</a:t>
+            </a:r>
+            <a:r>
+              <a:rPr kumimoji="0" lang="ko-KR" altLang="ko-KR" sz="900" b="0" i="0" u="none" strike="noStrike" cap="none" normalizeH="0" baseline="0" dirty="0">
+                <a:ln>
+                  <a:noFill/>
+                </a:ln>
+                <a:solidFill>
+                  <a:srgbClr val="6A8759"/>
+                </a:solidFill>
+                <a:effectLst/>
+                <a:latin typeface="굴림체" panose="020B0609000101010101" pitchFamily="49" charset="-127"/>
+                <a:ea typeface="굴림체" panose="020B0609000101010101" pitchFamily="49" charset="-127"/>
+              </a:rPr>
+              <a:t>"GET"</a:t>
+            </a:r>
+            <a:r>
+              <a:rPr kumimoji="0" lang="ko-KR" altLang="ko-KR" sz="900" b="0" i="0" u="none" strike="noStrike" cap="none" normalizeH="0" baseline="0" dirty="0">
+                <a:ln>
+                  <a:noFill/>
+                </a:ln>
+                <a:solidFill>
+                  <a:srgbClr val="A9B7C6"/>
+                </a:solidFill>
+                <a:effectLst/>
+                <a:latin typeface="굴림체" panose="020B0609000101010101" pitchFamily="49" charset="-127"/>
+                <a:ea typeface="굴림체" panose="020B0609000101010101" pitchFamily="49" charset="-127"/>
+              </a:rPr>
+              <a:t>)</a:t>
+            </a:r>
+            <a:r>
+              <a:rPr kumimoji="0" lang="ko-KR" altLang="ko-KR" sz="900" b="0" i="0" u="none" strike="noStrike" cap="none" normalizeH="0" baseline="0" dirty="0">
+                <a:ln>
+                  <a:noFill/>
+                </a:ln>
+                <a:solidFill>
+                  <a:srgbClr val="CC7832"/>
+                </a:solidFill>
+                <a:effectLst/>
+                <a:latin typeface="굴림체" panose="020B0609000101010101" pitchFamily="49" charset="-127"/>
+                <a:ea typeface="굴림체" panose="020B0609000101010101" pitchFamily="49" charset="-127"/>
+              </a:rPr>
+              <a:t>;</a:t>
+            </a:r>
+            <a:endParaRPr kumimoji="0" lang="en-US" altLang="ko-KR" sz="900" b="0" i="0" u="none" strike="noStrike" cap="none" normalizeH="0" baseline="0" dirty="0">
+              <a:ln>
+                <a:noFill/>
+              </a:ln>
+              <a:solidFill>
+                <a:srgbClr val="CC7832"/>
+              </a:solidFill>
+              <a:effectLst/>
+              <a:latin typeface="굴림체" panose="020B0609000101010101" pitchFamily="49" charset="-127"/>
+              <a:ea typeface="굴림체" panose="020B0609000101010101" pitchFamily="49" charset="-127"/>
+            </a:endParaRPr>
+          </a:p>
+          <a:p>
+            <a:pPr marL="0" marR="0" lvl="0" indent="0" algn="l" defTabSz="914400" rtl="0" eaLnBrk="0" fontAlgn="base" latinLnBrk="0" hangingPunct="0">
+              <a:lnSpc>
+                <a:spcPct val="100000"/>
+              </a:lnSpc>
+              <a:spcBef>
+                <a:spcPct val="0"/>
+              </a:spcBef>
+              <a:spcAft>
+                <a:spcPct val="0"/>
+              </a:spcAft>
+              <a:buClrTx/>
+              <a:buSzTx/>
+              <a:buFontTx/>
+              <a:buNone/>
+              <a:tabLst/>
+            </a:pPr>
+            <a:r>
+              <a:rPr lang="en-US" altLang="ko-KR" sz="900" dirty="0">
+                <a:solidFill>
+                  <a:srgbClr val="CC7832"/>
+                </a:solidFill>
+                <a:latin typeface="굴림체" panose="020B0609000101010101" pitchFamily="49" charset="-127"/>
+                <a:ea typeface="굴림체" panose="020B0609000101010101" pitchFamily="49" charset="-127"/>
+              </a:rPr>
+              <a:t>	- - - </a:t>
+            </a:r>
+            <a:r>
+              <a:rPr lang="ko-KR" altLang="en-US" sz="900" dirty="0">
+                <a:solidFill>
+                  <a:srgbClr val="CC7832"/>
+                </a:solidFill>
+                <a:latin typeface="굴림체" panose="020B0609000101010101" pitchFamily="49" charset="-127"/>
+                <a:ea typeface="굴림체" panose="020B0609000101010101" pitchFamily="49" charset="-127"/>
+              </a:rPr>
+              <a:t>중략 </a:t>
+            </a:r>
+            <a:r>
+              <a:rPr lang="en-US" altLang="ko-KR" sz="900" dirty="0">
+                <a:solidFill>
+                  <a:srgbClr val="CC7832"/>
+                </a:solidFill>
+                <a:latin typeface="굴림체" panose="020B0609000101010101" pitchFamily="49" charset="-127"/>
+                <a:ea typeface="굴림체" panose="020B0609000101010101" pitchFamily="49" charset="-127"/>
+              </a:rPr>
+              <a:t>- - -</a:t>
+            </a:r>
+            <a:br>
+              <a:rPr kumimoji="0" lang="ko-KR" altLang="ko-KR" sz="900" b="0" i="0" u="none" strike="noStrike" cap="none" normalizeH="0" baseline="0" dirty="0">
+                <a:ln>
+                  <a:noFill/>
+                </a:ln>
+                <a:solidFill>
+                  <a:srgbClr val="CC7832"/>
+                </a:solidFill>
+                <a:effectLst/>
+                <a:latin typeface="굴림체" panose="020B0609000101010101" pitchFamily="49" charset="-127"/>
+                <a:ea typeface="굴림체" panose="020B0609000101010101" pitchFamily="49" charset="-127"/>
+              </a:rPr>
+            </a:br>
+            <a:r>
+              <a:rPr kumimoji="0" lang="ko-KR" altLang="ko-KR" sz="900" b="0" i="0" u="none" strike="noStrike" cap="none" normalizeH="0" baseline="0" dirty="0">
+                <a:ln>
+                  <a:noFill/>
+                </a:ln>
+                <a:solidFill>
+                  <a:srgbClr val="CC7832"/>
+                </a:solidFill>
+                <a:effectLst/>
+                <a:latin typeface="굴림체" panose="020B0609000101010101" pitchFamily="49" charset="-127"/>
+                <a:ea typeface="굴림체" panose="020B0609000101010101" pitchFamily="49" charset="-127"/>
+              </a:rPr>
+              <a:t>            </a:t>
+            </a:r>
+            <a:r>
+              <a:rPr kumimoji="0" lang="ko-KR" altLang="ko-KR" sz="900" b="0" i="0" u="none" strike="noStrike" cap="none" normalizeH="0" baseline="0" dirty="0" err="1">
+                <a:ln>
+                  <a:noFill/>
+                </a:ln>
+                <a:solidFill>
+                  <a:srgbClr val="CC7832"/>
+                </a:solidFill>
+                <a:effectLst/>
+                <a:latin typeface="굴림체" panose="020B0609000101010101" pitchFamily="49" charset="-127"/>
+                <a:ea typeface="굴림체" panose="020B0609000101010101" pitchFamily="49" charset="-127"/>
+              </a:rPr>
+              <a:t>return</a:t>
+            </a:r>
+            <a:r>
+              <a:rPr kumimoji="0" lang="ko-KR" altLang="ko-KR" sz="900" b="0" i="0" u="none" strike="noStrike" cap="none" normalizeH="0" baseline="0" dirty="0">
+                <a:ln>
+                  <a:noFill/>
+                </a:ln>
+                <a:solidFill>
+                  <a:srgbClr val="CC7832"/>
+                </a:solidFill>
+                <a:effectLst/>
+                <a:latin typeface="굴림체" panose="020B0609000101010101" pitchFamily="49" charset="-127"/>
+                <a:ea typeface="굴림체" panose="020B0609000101010101" pitchFamily="49" charset="-127"/>
+              </a:rPr>
+              <a:t> </a:t>
+            </a:r>
+            <a:r>
+              <a:rPr kumimoji="0" lang="ko-KR" altLang="ko-KR" sz="900" b="0" i="0" u="none" strike="noStrike" cap="none" normalizeH="0" baseline="0" dirty="0" err="1">
+                <a:ln>
+                  <a:noFill/>
+                </a:ln>
+                <a:solidFill>
+                  <a:srgbClr val="A9B7C6"/>
+                </a:solidFill>
+                <a:effectLst/>
+                <a:latin typeface="굴림체" panose="020B0609000101010101" pitchFamily="49" charset="-127"/>
+                <a:ea typeface="굴림체" panose="020B0609000101010101" pitchFamily="49" charset="-127"/>
+              </a:rPr>
+              <a:t>sb.toString</a:t>
+            </a:r>
+            <a:r>
+              <a:rPr kumimoji="0" lang="ko-KR" altLang="ko-KR" sz="900" b="0" i="0" u="none" strike="noStrike" cap="none" normalizeH="0" baseline="0" dirty="0">
+                <a:ln>
+                  <a:noFill/>
+                </a:ln>
+                <a:solidFill>
+                  <a:srgbClr val="A9B7C6"/>
+                </a:solidFill>
+                <a:effectLst/>
+                <a:latin typeface="굴림체" panose="020B0609000101010101" pitchFamily="49" charset="-127"/>
+                <a:ea typeface="굴림체" panose="020B0609000101010101" pitchFamily="49" charset="-127"/>
+              </a:rPr>
+              <a:t>()</a:t>
+            </a:r>
+            <a:r>
+              <a:rPr kumimoji="0" lang="ko-KR" altLang="ko-KR" sz="900" b="0" i="0" u="none" strike="noStrike" cap="none" normalizeH="0" baseline="0" dirty="0">
+                <a:ln>
+                  <a:noFill/>
+                </a:ln>
+                <a:solidFill>
+                  <a:srgbClr val="CC7832"/>
+                </a:solidFill>
+                <a:effectLst/>
+                <a:latin typeface="굴림체" panose="020B0609000101010101" pitchFamily="49" charset="-127"/>
+                <a:ea typeface="굴림체" panose="020B0609000101010101" pitchFamily="49" charset="-127"/>
+              </a:rPr>
+              <a:t>;</a:t>
+            </a:r>
+            <a:br>
+              <a:rPr kumimoji="0" lang="ko-KR" altLang="ko-KR" sz="900" b="0" i="0" u="none" strike="noStrike" cap="none" normalizeH="0" baseline="0" dirty="0">
+                <a:ln>
+                  <a:noFill/>
+                </a:ln>
+                <a:solidFill>
+                  <a:srgbClr val="CC7832"/>
+                </a:solidFill>
+                <a:effectLst/>
+                <a:latin typeface="굴림체" panose="020B0609000101010101" pitchFamily="49" charset="-127"/>
+                <a:ea typeface="굴림체" panose="020B0609000101010101" pitchFamily="49" charset="-127"/>
+              </a:rPr>
+            </a:br>
+            <a:r>
+              <a:rPr kumimoji="0" lang="ko-KR" altLang="ko-KR" sz="900" b="0" i="0" u="none" strike="noStrike" cap="none" normalizeH="0" baseline="0" dirty="0">
+                <a:ln>
+                  <a:noFill/>
+                </a:ln>
+                <a:solidFill>
+                  <a:srgbClr val="CC7832"/>
+                </a:solidFill>
+                <a:effectLst/>
+                <a:latin typeface="굴림체" panose="020B0609000101010101" pitchFamily="49" charset="-127"/>
+                <a:ea typeface="굴림체" panose="020B0609000101010101" pitchFamily="49" charset="-127"/>
+              </a:rPr>
+              <a:t>        </a:t>
+            </a:r>
+            <a:r>
+              <a:rPr kumimoji="0" lang="ko-KR" altLang="ko-KR" sz="900" b="0" i="0" u="none" strike="noStrike" cap="none" normalizeH="0" baseline="0" dirty="0">
+                <a:ln>
+                  <a:noFill/>
+                </a:ln>
+                <a:solidFill>
+                  <a:srgbClr val="A9B7C6"/>
+                </a:solidFill>
+                <a:effectLst/>
+                <a:latin typeface="굴림체" panose="020B0609000101010101" pitchFamily="49" charset="-127"/>
+                <a:ea typeface="굴림체" panose="020B0609000101010101" pitchFamily="49" charset="-127"/>
+              </a:rPr>
+              <a:t>}</a:t>
+            </a:r>
+            <a:br>
+              <a:rPr kumimoji="0" lang="ko-KR" altLang="ko-KR" sz="900" b="0" i="0" u="none" strike="noStrike" cap="none" normalizeH="0" baseline="0" dirty="0">
+                <a:ln>
+                  <a:noFill/>
+                </a:ln>
+                <a:solidFill>
+                  <a:srgbClr val="A9B7C6"/>
+                </a:solidFill>
+                <a:effectLst/>
+                <a:latin typeface="굴림체" panose="020B0609000101010101" pitchFamily="49" charset="-127"/>
+                <a:ea typeface="굴림체" panose="020B0609000101010101" pitchFamily="49" charset="-127"/>
+              </a:rPr>
+            </a:br>
+            <a:r>
+              <a:rPr kumimoji="0" lang="ko-KR" altLang="ko-KR" sz="900" b="0" i="0" u="none" strike="noStrike" cap="none" normalizeH="0" baseline="0" dirty="0">
+                <a:ln>
+                  <a:noFill/>
+                </a:ln>
+                <a:solidFill>
+                  <a:srgbClr val="A9B7C6"/>
+                </a:solidFill>
+                <a:effectLst/>
+                <a:latin typeface="굴림체" panose="020B0609000101010101" pitchFamily="49" charset="-127"/>
+                <a:ea typeface="굴림체" panose="020B0609000101010101" pitchFamily="49" charset="-127"/>
+              </a:rPr>
+              <a:t>        </a:t>
+            </a:r>
+            <a:r>
+              <a:rPr kumimoji="0" lang="ko-KR" altLang="ko-KR" sz="900" b="0" i="0" u="none" strike="noStrike" cap="none" normalizeH="0" baseline="0" dirty="0" err="1">
+                <a:ln>
+                  <a:noFill/>
+                </a:ln>
+                <a:solidFill>
+                  <a:srgbClr val="CC7832"/>
+                </a:solidFill>
+                <a:effectLst/>
+                <a:latin typeface="굴림체" panose="020B0609000101010101" pitchFamily="49" charset="-127"/>
+                <a:ea typeface="굴림체" panose="020B0609000101010101" pitchFamily="49" charset="-127"/>
+              </a:rPr>
+              <a:t>catch</a:t>
+            </a:r>
+            <a:r>
+              <a:rPr kumimoji="0" lang="ko-KR" altLang="ko-KR" sz="900" b="0" i="0" u="none" strike="noStrike" cap="none" normalizeH="0" baseline="0" dirty="0">
+                <a:ln>
+                  <a:noFill/>
+                </a:ln>
+                <a:solidFill>
+                  <a:srgbClr val="CC7832"/>
+                </a:solidFill>
+                <a:effectLst/>
+                <a:latin typeface="굴림체" panose="020B0609000101010101" pitchFamily="49" charset="-127"/>
+                <a:ea typeface="굴림체" panose="020B0609000101010101" pitchFamily="49" charset="-127"/>
+              </a:rPr>
+              <a:t> </a:t>
+            </a:r>
+            <a:r>
+              <a:rPr kumimoji="0" lang="ko-KR" altLang="ko-KR" sz="900" b="0" i="0" u="none" strike="noStrike" cap="none" normalizeH="0" baseline="0" dirty="0">
+                <a:ln>
+                  <a:noFill/>
+                </a:ln>
+                <a:solidFill>
+                  <a:srgbClr val="A9B7C6"/>
+                </a:solidFill>
+                <a:effectLst/>
+                <a:latin typeface="굴림체" panose="020B0609000101010101" pitchFamily="49" charset="-127"/>
+                <a:ea typeface="굴림체" panose="020B0609000101010101" pitchFamily="49" charset="-127"/>
+              </a:rPr>
+              <a:t>(</a:t>
+            </a:r>
+            <a:r>
+              <a:rPr kumimoji="0" lang="ko-KR" altLang="ko-KR" sz="900" b="0" i="0" u="none" strike="noStrike" cap="none" normalizeH="0" baseline="0" dirty="0" err="1">
+                <a:ln>
+                  <a:noFill/>
+                </a:ln>
+                <a:solidFill>
+                  <a:srgbClr val="A9B7C6"/>
+                </a:solidFill>
+                <a:effectLst/>
+                <a:latin typeface="굴림체" panose="020B0609000101010101" pitchFamily="49" charset="-127"/>
+                <a:ea typeface="굴림체" panose="020B0609000101010101" pitchFamily="49" charset="-127"/>
+              </a:rPr>
+              <a:t>Exception</a:t>
+            </a:r>
+            <a:r>
+              <a:rPr kumimoji="0" lang="ko-KR" altLang="ko-KR" sz="900" b="0" i="0" u="none" strike="noStrike" cap="none" normalizeH="0" baseline="0" dirty="0">
+                <a:ln>
+                  <a:noFill/>
+                </a:ln>
+                <a:solidFill>
+                  <a:srgbClr val="A9B7C6"/>
+                </a:solidFill>
+                <a:effectLst/>
+                <a:latin typeface="굴림체" panose="020B0609000101010101" pitchFamily="49" charset="-127"/>
+                <a:ea typeface="굴림체" panose="020B0609000101010101" pitchFamily="49" charset="-127"/>
+              </a:rPr>
+              <a:t> </a:t>
+            </a:r>
+            <a:r>
+              <a:rPr kumimoji="0" lang="ko-KR" altLang="ko-KR" sz="900" b="0" i="0" u="none" strike="noStrike" cap="none" normalizeH="0" baseline="0" dirty="0" err="1">
+                <a:ln>
+                  <a:noFill/>
+                </a:ln>
+                <a:solidFill>
+                  <a:srgbClr val="A9B7C6"/>
+                </a:solidFill>
+                <a:effectLst/>
+                <a:latin typeface="굴림체" panose="020B0609000101010101" pitchFamily="49" charset="-127"/>
+                <a:ea typeface="굴림체" panose="020B0609000101010101" pitchFamily="49" charset="-127"/>
+              </a:rPr>
+              <a:t>e</a:t>
+            </a:r>
+            <a:r>
+              <a:rPr kumimoji="0" lang="ko-KR" altLang="ko-KR" sz="900" b="0" i="0" u="none" strike="noStrike" cap="none" normalizeH="0" baseline="0" dirty="0">
+                <a:ln>
+                  <a:noFill/>
+                </a:ln>
+                <a:solidFill>
+                  <a:srgbClr val="A9B7C6"/>
+                </a:solidFill>
+                <a:effectLst/>
+                <a:latin typeface="굴림체" panose="020B0609000101010101" pitchFamily="49" charset="-127"/>
+                <a:ea typeface="굴림체" panose="020B0609000101010101" pitchFamily="49" charset="-127"/>
+              </a:rPr>
+              <a:t>){</a:t>
+            </a:r>
+            <a:br>
+              <a:rPr kumimoji="0" lang="ko-KR" altLang="ko-KR" sz="900" b="0" i="0" u="none" strike="noStrike" cap="none" normalizeH="0" baseline="0" dirty="0">
+                <a:ln>
+                  <a:noFill/>
+                </a:ln>
+                <a:solidFill>
+                  <a:srgbClr val="A9B7C6"/>
+                </a:solidFill>
+                <a:effectLst/>
+                <a:latin typeface="굴림체" panose="020B0609000101010101" pitchFamily="49" charset="-127"/>
+                <a:ea typeface="굴림체" panose="020B0609000101010101" pitchFamily="49" charset="-127"/>
+              </a:rPr>
+            </a:br>
+            <a:br>
+              <a:rPr kumimoji="0" lang="ko-KR" altLang="ko-KR" sz="900" b="0" i="0" u="none" strike="noStrike" cap="none" normalizeH="0" baseline="0" dirty="0">
+                <a:ln>
+                  <a:noFill/>
+                </a:ln>
+                <a:solidFill>
+                  <a:srgbClr val="A9B7C6"/>
+                </a:solidFill>
+                <a:effectLst/>
+                <a:latin typeface="굴림체" panose="020B0609000101010101" pitchFamily="49" charset="-127"/>
+                <a:ea typeface="굴림체" panose="020B0609000101010101" pitchFamily="49" charset="-127"/>
+              </a:rPr>
+            </a:br>
+            <a:r>
+              <a:rPr kumimoji="0" lang="ko-KR" altLang="ko-KR" sz="900" b="0" i="0" u="none" strike="noStrike" cap="none" normalizeH="0" baseline="0" dirty="0">
+                <a:ln>
+                  <a:noFill/>
+                </a:ln>
+                <a:solidFill>
+                  <a:srgbClr val="A9B7C6"/>
+                </a:solidFill>
+                <a:effectLst/>
+                <a:latin typeface="굴림체" panose="020B0609000101010101" pitchFamily="49" charset="-127"/>
+                <a:ea typeface="굴림체" panose="020B0609000101010101" pitchFamily="49" charset="-127"/>
+              </a:rPr>
+              <a:t>        }</a:t>
+            </a:r>
+            <a:br>
+              <a:rPr kumimoji="0" lang="ko-KR" altLang="ko-KR" sz="900" b="0" i="0" u="none" strike="noStrike" cap="none" normalizeH="0" baseline="0" dirty="0">
+                <a:ln>
+                  <a:noFill/>
+                </a:ln>
+                <a:solidFill>
+                  <a:srgbClr val="A9B7C6"/>
+                </a:solidFill>
+                <a:effectLst/>
+                <a:latin typeface="굴림체" panose="020B0609000101010101" pitchFamily="49" charset="-127"/>
+                <a:ea typeface="굴림체" panose="020B0609000101010101" pitchFamily="49" charset="-127"/>
+              </a:rPr>
+            </a:br>
+            <a:br>
+              <a:rPr kumimoji="0" lang="ko-KR" altLang="ko-KR" sz="900" b="0" i="0" u="none" strike="noStrike" cap="none" normalizeH="0" baseline="0" dirty="0">
+                <a:ln>
+                  <a:noFill/>
+                </a:ln>
+                <a:solidFill>
+                  <a:srgbClr val="A9B7C6"/>
+                </a:solidFill>
+                <a:effectLst/>
+                <a:latin typeface="굴림체" panose="020B0609000101010101" pitchFamily="49" charset="-127"/>
+                <a:ea typeface="굴림체" panose="020B0609000101010101" pitchFamily="49" charset="-127"/>
+              </a:rPr>
+            </a:br>
+            <a:r>
+              <a:rPr kumimoji="0" lang="ko-KR" altLang="ko-KR" sz="900" b="0" i="0" u="none" strike="noStrike" cap="none" normalizeH="0" baseline="0" dirty="0">
+                <a:ln>
+                  <a:noFill/>
+                </a:ln>
+                <a:solidFill>
+                  <a:srgbClr val="A9B7C6"/>
+                </a:solidFill>
+                <a:effectLst/>
+                <a:latin typeface="굴림체" panose="020B0609000101010101" pitchFamily="49" charset="-127"/>
+                <a:ea typeface="굴림체" panose="020B0609000101010101" pitchFamily="49" charset="-127"/>
+              </a:rPr>
+              <a:t>        </a:t>
+            </a:r>
+            <a:r>
+              <a:rPr kumimoji="0" lang="ko-KR" altLang="ko-KR" sz="900" b="0" i="0" u="none" strike="noStrike" cap="none" normalizeH="0" baseline="0" dirty="0" err="1">
+                <a:ln>
+                  <a:noFill/>
+                </a:ln>
+                <a:solidFill>
+                  <a:srgbClr val="CC7832"/>
+                </a:solidFill>
+                <a:effectLst/>
+                <a:latin typeface="굴림체" panose="020B0609000101010101" pitchFamily="49" charset="-127"/>
+                <a:ea typeface="굴림체" panose="020B0609000101010101" pitchFamily="49" charset="-127"/>
+              </a:rPr>
+              <a:t>return</a:t>
+            </a:r>
+            <a:r>
+              <a:rPr kumimoji="0" lang="ko-KR" altLang="ko-KR" sz="900" b="0" i="0" u="none" strike="noStrike" cap="none" normalizeH="0" baseline="0" dirty="0">
+                <a:ln>
+                  <a:noFill/>
+                </a:ln>
+                <a:solidFill>
+                  <a:srgbClr val="CC7832"/>
+                </a:solidFill>
+                <a:effectLst/>
+                <a:latin typeface="굴림체" panose="020B0609000101010101" pitchFamily="49" charset="-127"/>
+                <a:ea typeface="굴림체" panose="020B0609000101010101" pitchFamily="49" charset="-127"/>
+              </a:rPr>
+              <a:t> </a:t>
+            </a:r>
+            <a:r>
+              <a:rPr kumimoji="0" lang="ko-KR" altLang="ko-KR" sz="900" b="0" i="0" u="none" strike="noStrike" cap="none" normalizeH="0" baseline="0" dirty="0" err="1">
+                <a:ln>
+                  <a:noFill/>
+                </a:ln>
+                <a:solidFill>
+                  <a:srgbClr val="CC7832"/>
+                </a:solidFill>
+                <a:effectLst/>
+                <a:latin typeface="굴림체" panose="020B0609000101010101" pitchFamily="49" charset="-127"/>
+                <a:ea typeface="굴림체" panose="020B0609000101010101" pitchFamily="49" charset="-127"/>
+              </a:rPr>
+              <a:t>null</a:t>
+            </a:r>
+            <a:r>
+              <a:rPr kumimoji="0" lang="ko-KR" altLang="ko-KR" sz="900" b="0" i="0" u="none" strike="noStrike" cap="none" normalizeH="0" baseline="0" dirty="0">
+                <a:ln>
+                  <a:noFill/>
+                </a:ln>
+                <a:solidFill>
+                  <a:srgbClr val="CC7832"/>
+                </a:solidFill>
+                <a:effectLst/>
+                <a:latin typeface="굴림체" panose="020B0609000101010101" pitchFamily="49" charset="-127"/>
+                <a:ea typeface="굴림체" panose="020B0609000101010101" pitchFamily="49" charset="-127"/>
+              </a:rPr>
+              <a:t>;</a:t>
+            </a:r>
+            <a:br>
+              <a:rPr kumimoji="0" lang="ko-KR" altLang="ko-KR" sz="900" b="0" i="0" u="none" strike="noStrike" cap="none" normalizeH="0" baseline="0" dirty="0">
+                <a:ln>
+                  <a:noFill/>
+                </a:ln>
+                <a:solidFill>
+                  <a:srgbClr val="CC7832"/>
+                </a:solidFill>
+                <a:effectLst/>
+                <a:latin typeface="굴림체" panose="020B0609000101010101" pitchFamily="49" charset="-127"/>
+                <a:ea typeface="굴림체" panose="020B0609000101010101" pitchFamily="49" charset="-127"/>
+              </a:rPr>
+            </a:br>
+            <a:r>
+              <a:rPr kumimoji="0" lang="ko-KR" altLang="ko-KR" sz="900" b="0" i="0" u="none" strike="noStrike" cap="none" normalizeH="0" baseline="0" dirty="0">
+                <a:ln>
+                  <a:noFill/>
+                </a:ln>
+                <a:solidFill>
+                  <a:srgbClr val="CC7832"/>
+                </a:solidFill>
+                <a:effectLst/>
+                <a:latin typeface="굴림체" panose="020B0609000101010101" pitchFamily="49" charset="-127"/>
+                <a:ea typeface="굴림체" panose="020B0609000101010101" pitchFamily="49" charset="-127"/>
+              </a:rPr>
+              <a:t>    </a:t>
+            </a:r>
+            <a:r>
+              <a:rPr kumimoji="0" lang="ko-KR" altLang="ko-KR" sz="900" b="0" i="0" u="none" strike="noStrike" cap="none" normalizeH="0" baseline="0" dirty="0">
+                <a:ln>
+                  <a:noFill/>
+                </a:ln>
+                <a:solidFill>
+                  <a:srgbClr val="A9B7C6"/>
+                </a:solidFill>
+                <a:effectLst/>
+                <a:latin typeface="굴림체" panose="020B0609000101010101" pitchFamily="49" charset="-127"/>
+                <a:ea typeface="굴림체" panose="020B0609000101010101" pitchFamily="49" charset="-127"/>
+              </a:rPr>
+              <a:t>}</a:t>
+            </a:r>
+            <a:br>
+              <a:rPr kumimoji="0" lang="ko-KR" altLang="ko-KR" sz="900" b="0" i="0" u="none" strike="noStrike" cap="none" normalizeH="0" baseline="0" dirty="0">
+                <a:ln>
+                  <a:noFill/>
+                </a:ln>
+                <a:solidFill>
+                  <a:srgbClr val="A9B7C6"/>
+                </a:solidFill>
+                <a:effectLst/>
+                <a:latin typeface="굴림체" panose="020B0609000101010101" pitchFamily="49" charset="-127"/>
+                <a:ea typeface="굴림체" panose="020B0609000101010101" pitchFamily="49" charset="-127"/>
+              </a:rPr>
+            </a:br>
+            <a:r>
+              <a:rPr kumimoji="0" lang="ko-KR" altLang="ko-KR" sz="900" b="0" i="0" u="none" strike="noStrike" cap="none" normalizeH="0" baseline="0" dirty="0">
+                <a:ln>
+                  <a:noFill/>
+                </a:ln>
+                <a:solidFill>
+                  <a:srgbClr val="A9B7C6"/>
+                </a:solidFill>
+                <a:effectLst/>
+                <a:latin typeface="굴림체" panose="020B0609000101010101" pitchFamily="49" charset="-127"/>
+                <a:ea typeface="굴림체" panose="020B0609000101010101" pitchFamily="49" charset="-127"/>
+              </a:rPr>
+              <a:t>}</a:t>
+            </a:r>
+            <a:br>
+              <a:rPr kumimoji="0" lang="ko-KR" altLang="ko-KR" sz="900" b="0" i="0" u="none" strike="noStrike" cap="none" normalizeH="0" baseline="0" dirty="0">
+                <a:ln>
+                  <a:noFill/>
+                </a:ln>
+                <a:solidFill>
+                  <a:srgbClr val="A9B7C6"/>
+                </a:solidFill>
+                <a:effectLst/>
+                <a:latin typeface="굴림체" panose="020B0609000101010101" pitchFamily="49" charset="-127"/>
+                <a:ea typeface="굴림체" panose="020B0609000101010101" pitchFamily="49" charset="-127"/>
+              </a:rPr>
+            </a:br>
+            <a:endParaRPr kumimoji="0" lang="ko-KR" altLang="ko-KR" sz="1800" b="0" i="0" u="none" strike="noStrike" cap="none" normalizeH="0" baseline="0" dirty="0">
+              <a:ln>
+                <a:noFill/>
+              </a:ln>
+              <a:solidFill>
+                <a:schemeClr val="tx1"/>
+              </a:solidFill>
+              <a:effectLst/>
+              <a:latin typeface="Arial" panose="020B0604020202020204" pitchFamily="34" charset="0"/>
+            </a:endParaRPr>
+          </a:p>
+        </p:txBody>
+      </p:sp>
+      <p:pic>
+        <p:nvPicPr>
+          <p:cNvPr id="5" name="그림 4">
+            <a:extLst>
+              <a:ext uri="{FF2B5EF4-FFF2-40B4-BE49-F238E27FC236}">
+                <a16:creationId xmlns:a16="http://schemas.microsoft.com/office/drawing/2014/main" id="{819B7886-F6FE-4D20-8CD9-D9B251C42158}"/>
+              </a:ext>
+            </a:extLst>
+          </p:cNvPr>
+          <p:cNvPicPr>
+            <a:picLocks noChangeAspect="1"/>
+          </p:cNvPicPr>
+          <p:nvPr/>
+        </p:nvPicPr>
+        <p:blipFill>
+          <a:blip r:embed="rId2"/>
+          <a:stretch>
+            <a:fillRect/>
+          </a:stretch>
+        </p:blipFill>
+        <p:spPr>
+          <a:xfrm>
+            <a:off x="8526619" y="3032529"/>
+            <a:ext cx="1933845" cy="1933845"/>
+          </a:xfrm>
+          <a:prstGeom prst="rect">
+            <a:avLst/>
+          </a:prstGeom>
+        </p:spPr>
+      </p:pic>
+    </p:spTree>
+    <p:extLst>
+      <p:ext uri="{BB962C8B-B14F-4D97-AF65-F5344CB8AC3E}">
+        <p14:creationId xmlns:p14="http://schemas.microsoft.com/office/powerpoint/2010/main" val="2914185883"/>
+      </p:ext>
+    </p:extLst>
+  </p:cSld>
+  <p:clrMapOvr>
+    <a:masterClrMapping/>
+  </p:clrMapOvr>
+</p:sld>
+</file>
+
 <file path=ppt/slides/slide2.xml><?xml version="1.0" encoding="utf-8"?>
 <p:sld xmlns:a="http://schemas.openxmlformats.org/drawingml/2006/main" xmlns:r="http://schemas.openxmlformats.org/officeDocument/2006/relationships" xmlns:p="http://schemas.openxmlformats.org/presentationml/2006/main">
   <p:cSld>
